--- a/Heliotis_Slides/F_Recursion+Globals/F_Recursion+Globals.pptx
+++ b/Heliotis_Slides/F_Recursion+Globals/F_Recursion+Globals.pptx
@@ -5,28 +5,27 @@
     <p:sldMasterId id="2147483660" r:id="rId1"/>
   </p:sldMasterIdLst>
   <p:notesMasterIdLst>
-    <p:notesMasterId r:id="rId21"/>
+    <p:notesMasterId r:id="rId20"/>
   </p:notesMasterIdLst>
   <p:sldIdLst>
-    <p:sldId id="256" r:id="rId2"/>
-    <p:sldId id="257" r:id="rId3"/>
-    <p:sldId id="258" r:id="rId4"/>
-    <p:sldId id="259" r:id="rId5"/>
-    <p:sldId id="261" r:id="rId6"/>
-    <p:sldId id="260" r:id="rId7"/>
-    <p:sldId id="262" r:id="rId8"/>
-    <p:sldId id="263" r:id="rId9"/>
-    <p:sldId id="264" r:id="rId10"/>
-    <p:sldId id="266" r:id="rId11"/>
-    <p:sldId id="265" r:id="rId12"/>
-    <p:sldId id="267" r:id="rId13"/>
-    <p:sldId id="269" r:id="rId14"/>
-    <p:sldId id="268" r:id="rId15"/>
-    <p:sldId id="270" r:id="rId16"/>
-    <p:sldId id="271" r:id="rId17"/>
-    <p:sldId id="272" r:id="rId18"/>
-    <p:sldId id="273" r:id="rId19"/>
-    <p:sldId id="274" r:id="rId20"/>
+    <p:sldId id="275" r:id="rId2"/>
+    <p:sldId id="256" r:id="rId3"/>
+    <p:sldId id="257" r:id="rId4"/>
+    <p:sldId id="258" r:id="rId5"/>
+    <p:sldId id="259" r:id="rId6"/>
+    <p:sldId id="261" r:id="rId7"/>
+    <p:sldId id="260" r:id="rId8"/>
+    <p:sldId id="262" r:id="rId9"/>
+    <p:sldId id="263" r:id="rId10"/>
+    <p:sldId id="264" r:id="rId11"/>
+    <p:sldId id="266" r:id="rId12"/>
+    <p:sldId id="265" r:id="rId13"/>
+    <p:sldId id="267" r:id="rId14"/>
+    <p:sldId id="269" r:id="rId15"/>
+    <p:sldId id="268" r:id="rId16"/>
+    <p:sldId id="270" r:id="rId17"/>
+    <p:sldId id="271" r:id="rId18"/>
+    <p:sldId id="272" r:id="rId19"/>
   </p:sldIdLst>
   <p:sldSz cx="12192000" cy="6858000"/>
   <p:notesSz cx="6858000" cy="9144000"/>
@@ -215,7 +214,7 @@
           <a:p>
             <a:fld id="{3A644C2D-4D4C-C042-BD99-1EEDD0AD245E}" type="datetimeFigureOut">
               <a:rPr lang="en-US" smtClean="0"/>
-              <a:t>9/23/20</a:t>
+              <a:t>3/9/21</a:t>
             </a:fld>
             <a:endParaRPr lang="en-US"/>
           </a:p>
@@ -754,9 +753,9 @@
           <a:bodyPr/>
           <a:lstStyle/>
           <a:p>
-            <a:fld id="{B0A0A3DA-B98C-0141-99FF-B51327B0561E}" type="datetime1">
+            <a:fld id="{FF4D8153-76EA-754F-AADF-1D7B99C567F3}" type="datetime1">
               <a:rPr lang="en-US" smtClean="0"/>
-              <a:t>9/23/20</a:t>
+              <a:t>3/9/21</a:t>
             </a:fld>
             <a:endParaRPr lang="en-US"/>
           </a:p>
@@ -1171,9 +1170,9 @@
           <a:bodyPr/>
           <a:lstStyle/>
           <a:p>
-            <a:fld id="{BFD8AE6A-CC41-2E49-B326-A585C7772B7D}" type="datetime1">
+            <a:fld id="{A48EC45C-88BD-884C-B704-12FD951642C7}" type="datetime1">
               <a:rPr lang="en-US" smtClean="0"/>
-              <a:t>9/23/20</a:t>
+              <a:t>3/9/21</a:t>
             </a:fld>
             <a:endParaRPr lang="en-US"/>
           </a:p>
@@ -1510,9 +1509,9 @@
           <a:bodyPr/>
           <a:lstStyle/>
           <a:p>
-            <a:fld id="{249052A3-2B37-B942-B217-8E370A784C59}" type="datetime1">
+            <a:fld id="{265AEB88-DF1B-044C-A4D2-D9E0E4D94D8A}" type="datetime1">
               <a:rPr lang="en-US" smtClean="0"/>
-              <a:t>9/23/20</a:t>
+              <a:t>3/9/21</a:t>
             </a:fld>
             <a:endParaRPr lang="en-US"/>
           </a:p>
@@ -1918,9 +1917,9 @@
           <a:bodyPr/>
           <a:lstStyle/>
           <a:p>
-            <a:fld id="{C4576D76-FDD7-1F45-BDCC-B9DC1A20BD22}" type="datetime1">
+            <a:fld id="{6ECE312C-2E6D-9E40-9CB0-81F836C25510}" type="datetime1">
               <a:rPr lang="en-US" smtClean="0"/>
-              <a:t>9/23/20</a:t>
+              <a:t>3/9/21</a:t>
             </a:fld>
             <a:endParaRPr lang="en-US"/>
           </a:p>
@@ -2489,9 +2488,9 @@
           <a:bodyPr/>
           <a:lstStyle/>
           <a:p>
-            <a:fld id="{12A7F503-1E81-8942-866B-C56E5D9DC419}" type="datetime1">
+            <a:fld id="{BCDA8321-1E1A-CC48-9B73-5434FE6D43F6}" type="datetime1">
               <a:rPr lang="en-US" smtClean="0"/>
-              <a:t>9/23/20</a:t>
+              <a:t>3/9/21</a:t>
             </a:fld>
             <a:endParaRPr lang="en-US"/>
           </a:p>
@@ -3173,9 +3172,9 @@
           <a:bodyPr/>
           <a:lstStyle/>
           <a:p>
-            <a:fld id="{97E3590A-10D8-884A-BDF3-5DFE0CD6C0AD}" type="datetime1">
+            <a:fld id="{D95C9A75-4A51-5342-A192-5CFEA80A59A6}" type="datetime1">
               <a:rPr lang="en-US" smtClean="0"/>
-              <a:t>9/23/20</a:t>
+              <a:t>3/9/21</a:t>
             </a:fld>
             <a:endParaRPr lang="en-US"/>
           </a:p>
@@ -4089,9 +4088,9 @@
           <a:bodyPr/>
           <a:lstStyle/>
           <a:p>
-            <a:fld id="{0E37C1B6-1244-E24A-86AD-F1183432BBA4}" type="datetime1">
+            <a:fld id="{B45790B2-8ECB-0640-AA86-145F0F118D61}" type="datetime1">
               <a:rPr lang="en-US" smtClean="0"/>
-              <a:t>9/23/20</a:t>
+              <a:t>3/9/21</a:t>
             </a:fld>
             <a:endParaRPr lang="en-US"/>
           </a:p>
@@ -4405,9 +4404,9 @@
           <a:bodyPr/>
           <a:lstStyle/>
           <a:p>
-            <a:fld id="{53D55D99-EF18-1449-9AAD-71ABAAC88664}" type="datetime1">
+            <a:fld id="{BB8E26B1-36CB-EE4E-AB6B-B152539879AF}" type="datetime1">
               <a:rPr lang="en-US" smtClean="0"/>
-              <a:t>9/23/20</a:t>
+              <a:t>3/9/21</a:t>
             </a:fld>
             <a:endParaRPr lang="en-US"/>
           </a:p>
@@ -4672,9 +4671,9 @@
           <a:bodyPr/>
           <a:lstStyle/>
           <a:p>
-            <a:fld id="{B2F810C8-DD1C-1849-BCF2-E5D4BAF1FB9C}" type="datetime1">
+            <a:fld id="{84390F61-460D-7445-8BDB-05E72554618D}" type="datetime1">
               <a:rPr lang="en-US" smtClean="0"/>
-              <a:t>9/23/20</a:t>
+              <a:t>3/9/21</a:t>
             </a:fld>
             <a:endParaRPr lang="en-US"/>
           </a:p>
@@ -4998,9 +4997,9 @@
           <a:bodyPr/>
           <a:lstStyle/>
           <a:p>
-            <a:fld id="{9C20782C-3E79-8F47-8B3E-536FD839DA60}" type="datetime1">
+            <a:fld id="{97DADEA1-018B-BE40-A81E-779203178DB0}" type="datetime1">
               <a:rPr lang="en-US" smtClean="0"/>
-              <a:t>9/23/20</a:t>
+              <a:t>3/9/21</a:t>
             </a:fld>
             <a:endParaRPr lang="en-US"/>
           </a:p>
@@ -5390,9 +5389,9 @@
           <a:bodyPr/>
           <a:lstStyle/>
           <a:p>
-            <a:fld id="{17C1BDB6-79D8-1348-BF46-A76C8DD26FFE}" type="datetime1">
+            <a:fld id="{2CD3D8CD-AFCE-0244-9DC0-4C028EB26F4F}" type="datetime1">
               <a:rPr lang="en-US" smtClean="0"/>
-              <a:t>9/23/20</a:t>
+              <a:t>3/9/21</a:t>
             </a:fld>
             <a:endParaRPr lang="en-US"/>
           </a:p>
@@ -5769,9 +5768,9 @@
           <a:bodyPr/>
           <a:lstStyle/>
           <a:p>
-            <a:fld id="{B4A612F6-2A9A-5346-A80D-F3934642F45E}" type="datetime1">
+            <a:fld id="{F648A650-1A62-6A43-8494-54D1D02906D8}" type="datetime1">
               <a:rPr lang="en-US" smtClean="0"/>
-              <a:t>9/23/20</a:t>
+              <a:t>3/9/21</a:t>
             </a:fld>
             <a:endParaRPr lang="en-US"/>
           </a:p>
@@ -6278,9 +6277,9 @@
           <a:bodyPr/>
           <a:lstStyle/>
           <a:p>
-            <a:fld id="{88617EA7-2908-D846-9A2F-BBE608F35CAC}" type="datetime1">
+            <a:fld id="{475D76E7-2115-724D-B6E0-458854AF6D13}" type="datetime1">
               <a:rPr lang="en-US" smtClean="0"/>
-              <a:t>9/23/20</a:t>
+              <a:t>3/9/21</a:t>
             </a:fld>
             <a:endParaRPr lang="en-US"/>
           </a:p>
@@ -6538,9 +6537,9 @@
           <a:bodyPr/>
           <a:lstStyle/>
           <a:p>
-            <a:fld id="{7D744AC2-9B8E-D141-B795-FDF02340758D}" type="datetime1">
+            <a:fld id="{44E02BCD-35E9-9241-814A-9C745D3DB366}" type="datetime1">
               <a:rPr lang="en-US" smtClean="0"/>
-              <a:t>9/23/20</a:t>
+              <a:t>3/9/21</a:t>
             </a:fld>
             <a:endParaRPr lang="en-US"/>
           </a:p>
@@ -6704,9 +6703,9 @@
           <a:bodyPr/>
           <a:lstStyle/>
           <a:p>
-            <a:fld id="{E95BA4B7-2A7F-6A4E-84BF-B570586C413F}" type="datetime1">
+            <a:fld id="{3AD08A14-3C2C-D143-9FCC-D19DA14D6567}" type="datetime1">
               <a:rPr lang="en-US" smtClean="0"/>
-              <a:t>9/23/20</a:t>
+              <a:t>3/9/21</a:t>
             </a:fld>
             <a:endParaRPr lang="en-US"/>
           </a:p>
@@ -7097,9 +7096,9 @@
           <a:bodyPr/>
           <a:lstStyle/>
           <a:p>
-            <a:fld id="{3B0758E4-907F-994C-A48A-96ACAC5CEFE1}" type="datetime1">
+            <a:fld id="{6A8ABC2C-D130-E94E-9DA5-757372BB0350}" type="datetime1">
               <a:rPr lang="en-US" smtClean="0"/>
-              <a:t>9/23/20</a:t>
+              <a:t>3/9/21</a:t>
             </a:fld>
             <a:endParaRPr lang="en-US"/>
           </a:p>
@@ -7509,9 +7508,9 @@
           <a:bodyPr/>
           <a:lstStyle/>
           <a:p>
-            <a:fld id="{CBE2B96F-6BE6-2942-9CAC-736765548F9F}" type="datetime1">
+            <a:fld id="{BAF812E8-432E-D143-B488-6CC99C159D76}" type="datetime1">
               <a:rPr lang="en-US" smtClean="0"/>
-              <a:t>9/23/20</a:t>
+              <a:t>3/9/21</a:t>
             </a:fld>
             <a:endParaRPr lang="en-US"/>
           </a:p>
@@ -7756,9 +7755,9 @@
             </a:lvl1pPr>
           </a:lstStyle>
           <a:p>
-            <a:fld id="{25AE129B-B666-F449-8C0F-2FB6EFEEE4ED}" type="datetime1">
+            <a:fld id="{7E279745-0EF7-D24A-AF37-F28967F1D6C0}" type="datetime1">
               <a:rPr lang="en-US" smtClean="0"/>
-              <a:t>9/23/20</a:t>
+              <a:t>3/9/21</a:t>
             </a:fld>
             <a:endParaRPr lang="en-US"/>
           </a:p>
@@ -8157,7 +8156,7 @@
 </file>
 
 <file path=ppt/slides/slide1.xml><?xml version="1.0" encoding="utf-8"?>
-<p:sld xmlns:a="http://schemas.openxmlformats.org/drawingml/2006/main" xmlns:r="http://schemas.openxmlformats.org/officeDocument/2006/relationships" xmlns:p="http://schemas.openxmlformats.org/presentationml/2006/main">
+<p:sld xmlns:a="http://schemas.openxmlformats.org/drawingml/2006/main" xmlns:r="http://schemas.openxmlformats.org/officeDocument/2006/relationships" xmlns:p="http://schemas.openxmlformats.org/presentationml/2006/main" show="0">
   <p:cSld>
     <p:spTree>
       <p:nvGrpSpPr>
@@ -8178,7 +8177,7 @@
           <p:cNvPr id="2" name="Title 1">
             <a:extLst>
               <a:ext uri="{FF2B5EF4-FFF2-40B4-BE49-F238E27FC236}">
-                <a16:creationId xmlns:a16="http://schemas.microsoft.com/office/drawing/2014/main" id="{55C024FE-89B7-E645-9666-35C782C7EC0C}"/>
+                <a16:creationId xmlns:a16="http://schemas.microsoft.com/office/drawing/2014/main" id="{150257D8-3B9E-4D4C-A949-C5772E10FF28}"/>
               </a:ext>
             </a:extLst>
           </p:cNvPr>
@@ -8186,39 +8185,27 @@
             <a:spLocks noGrp="1"/>
           </p:cNvSpPr>
           <p:nvPr>
-            <p:ph type="ctrTitle"/>
-          </p:nvPr>
-        </p:nvSpPr>
-        <p:spPr>
-          <a:xfrm>
-            <a:off x="522514" y="2733709"/>
-            <a:ext cx="8301942" cy="1373070"/>
-          </a:xfrm>
-        </p:spPr>
+            <p:ph type="title"/>
+          </p:nvPr>
+        </p:nvSpPr>
+        <p:spPr/>
         <p:txBody>
           <a:bodyPr/>
           <a:lstStyle/>
           <a:p>
             <a:r>
               <a:rPr lang="en-US" dirty="0"/>
-              <a:t>F. Recursion</a:t>
-            </a:r>
-            <a:br>
-              <a:rPr lang="en-US" dirty="0"/>
-            </a:br>
-            <a:r>
-              <a:rPr lang="en-US" dirty="0"/>
-              <a:t>&amp; Global Variables</a:t>
-            </a:r>
-          </a:p>
-        </p:txBody>
-      </p:sp>
-      <p:sp>
-        <p:nvSpPr>
-          <p:cNvPr id="3" name="Subtitle 2">
+              <a:t>Here comes another tangent.</a:t>
+            </a:r>
+          </a:p>
+        </p:txBody>
+      </p:sp>
+      <p:sp>
+        <p:nvSpPr>
+          <p:cNvPr id="3" name="Content Placeholder 2">
             <a:extLst>
               <a:ext uri="{FF2B5EF4-FFF2-40B4-BE49-F238E27FC236}">
-                <a16:creationId xmlns:a16="http://schemas.microsoft.com/office/drawing/2014/main" id="{3F0798D7-4A92-3C45-AEBB-E0A85EB259A6}"/>
+                <a16:creationId xmlns:a16="http://schemas.microsoft.com/office/drawing/2014/main" id="{DBAB6763-D03B-A140-B5C9-DF4BB99DB5EA}"/>
               </a:ext>
             </a:extLst>
           </p:cNvPr>
@@ -8226,7 +8213,508 @@
             <a:spLocks noGrp="1"/>
           </p:cNvSpPr>
           <p:nvPr>
-            <p:ph type="subTitle" idx="1"/>
+            <p:ph sz="half" idx="1"/>
+          </p:nvPr>
+        </p:nvSpPr>
+        <p:spPr>
+          <a:xfrm>
+            <a:off x="228600" y="2336873"/>
+            <a:ext cx="5669280" cy="3599316"/>
+          </a:xfrm>
+        </p:spPr>
+        <p:txBody>
+          <a:bodyPr>
+            <a:normAutofit/>
+          </a:bodyPr>
+          <a:lstStyle/>
+          <a:p>
+            <a:pPr marL="0" indent="0">
+              <a:buNone/>
+            </a:pPr>
+            <a:r>
+              <a:rPr lang="en-US" sz="1800" dirty="0">
+                <a:latin typeface="Andale Mono" panose="020B0509000000000004" pitchFamily="49" charset="0"/>
+              </a:rPr>
+              <a:t>for </a:t>
+            </a:r>
+            <a:r>
+              <a:rPr lang="en-US" sz="1800" dirty="0" err="1">
+                <a:latin typeface="Andale Mono" panose="020B0509000000000004" pitchFamily="49" charset="0"/>
+              </a:rPr>
+              <a:t>ijava</a:t>
+            </a:r>
+            <a:r>
+              <a:rPr lang="en-US" sz="1800" dirty="0">
+                <a:latin typeface="Andale Mono" panose="020B0509000000000004" pitchFamily="49" charset="0"/>
+              </a:rPr>
+              <a:t> in `find . -name '*-</a:t>
+            </a:r>
+            <a:r>
+              <a:rPr lang="en-US" sz="1800" dirty="0" err="1">
+                <a:latin typeface="Andale Mono" panose="020B0509000000000004" pitchFamily="49" charset="0"/>
+              </a:rPr>
+              <a:t>i.java</a:t>
+            </a:r>
+            <a:r>
+              <a:rPr lang="en-US" sz="1800" dirty="0">
+                <a:latin typeface="Andale Mono" panose="020B0509000000000004" pitchFamily="49" charset="0"/>
+              </a:rPr>
+              <a:t>'`</a:t>
+            </a:r>
+          </a:p>
+          <a:p>
+            <a:pPr marL="0" indent="0">
+              <a:buNone/>
+            </a:pPr>
+            <a:r>
+              <a:rPr lang="en-US" sz="1800" dirty="0">
+                <a:latin typeface="Andale Mono" panose="020B0509000000000004" pitchFamily="49" charset="0"/>
+              </a:rPr>
+              <a:t>do</a:t>
+            </a:r>
+          </a:p>
+          <a:p>
+            <a:pPr marL="0" indent="0">
+              <a:buNone/>
+            </a:pPr>
+            <a:r>
+              <a:rPr lang="en-US" sz="1800" dirty="0">
+                <a:latin typeface="Andale Mono" panose="020B0509000000000004" pitchFamily="49" charset="0"/>
+              </a:rPr>
+              <a:t>  if ! grep -q abstract $</a:t>
+            </a:r>
+            <a:r>
+              <a:rPr lang="en-US" sz="1800" dirty="0" err="1">
+                <a:latin typeface="Andale Mono" panose="020B0509000000000004" pitchFamily="49" charset="0"/>
+              </a:rPr>
+              <a:t>ijava</a:t>
+            </a:r>
+            <a:r>
+              <a:rPr lang="en-US" sz="1800" dirty="0">
+                <a:latin typeface="Andale Mono" panose="020B0509000000000004" pitchFamily="49" charset="0"/>
+              </a:rPr>
+              <a:t>; then</a:t>
+            </a:r>
+          </a:p>
+          <a:p>
+            <a:pPr marL="0" indent="0">
+              <a:buNone/>
+            </a:pPr>
+            <a:r>
+              <a:rPr lang="en-US" sz="1800" dirty="0">
+                <a:latin typeface="Andale Mono" panose="020B0509000000000004" pitchFamily="49" charset="0"/>
+              </a:rPr>
+              <a:t>    if ! grep -q </a:t>
+            </a:r>
+            <a:r>
+              <a:rPr lang="en-US" sz="1800" dirty="0" err="1">
+                <a:latin typeface="Andale Mono" panose="020B0509000000000004" pitchFamily="49" charset="0"/>
+              </a:rPr>
+              <a:t>toString</a:t>
+            </a:r>
+            <a:r>
+              <a:rPr lang="en-US" sz="1800" dirty="0">
+                <a:latin typeface="Andale Mono" panose="020B0509000000000004" pitchFamily="49" charset="0"/>
+              </a:rPr>
+              <a:t> $</a:t>
+            </a:r>
+            <a:r>
+              <a:rPr lang="en-US" sz="1800" dirty="0" err="1">
+                <a:latin typeface="Andale Mono" panose="020B0509000000000004" pitchFamily="49" charset="0"/>
+              </a:rPr>
+              <a:t>ijava</a:t>
+            </a:r>
+            <a:r>
+              <a:rPr lang="en-US" sz="1800" dirty="0">
+                <a:latin typeface="Andale Mono" panose="020B0509000000000004" pitchFamily="49" charset="0"/>
+              </a:rPr>
+              <a:t>; then</a:t>
+            </a:r>
+          </a:p>
+          <a:p>
+            <a:pPr marL="0" indent="0">
+              <a:buNone/>
+            </a:pPr>
+            <a:r>
+              <a:rPr lang="en-US" sz="1800" dirty="0">
+                <a:latin typeface="Andale Mono" panose="020B0509000000000004" pitchFamily="49" charset="0"/>
+              </a:rPr>
+              <a:t>      echo \</a:t>
+            </a:r>
+            <a:br>
+              <a:rPr lang="en-US" sz="1800" dirty="0">
+                <a:latin typeface="Andale Mono" panose="020B0509000000000004" pitchFamily="49" charset="0"/>
+              </a:rPr>
+            </a:br>
+            <a:r>
+              <a:rPr lang="en-US" sz="1800" dirty="0">
+                <a:latin typeface="Andale Mono" panose="020B0509000000000004" pitchFamily="49" charset="0"/>
+              </a:rPr>
+              <a:t>      "Add a </a:t>
+            </a:r>
+            <a:r>
+              <a:rPr lang="en-US" sz="1800" dirty="0" err="1">
+                <a:latin typeface="Andale Mono" panose="020B0509000000000004" pitchFamily="49" charset="0"/>
+              </a:rPr>
+              <a:t>toString</a:t>
+            </a:r>
+            <a:r>
+              <a:rPr lang="en-US" sz="1800" dirty="0">
+                <a:latin typeface="Andale Mono" panose="020B0509000000000004" pitchFamily="49" charset="0"/>
+              </a:rPr>
+              <a:t> method to $</a:t>
+            </a:r>
+            <a:r>
+              <a:rPr lang="en-US" sz="1800" dirty="0" err="1">
+                <a:latin typeface="Andale Mono" panose="020B0509000000000004" pitchFamily="49" charset="0"/>
+              </a:rPr>
+              <a:t>ijava</a:t>
+            </a:r>
+            <a:r>
+              <a:rPr lang="en-US" sz="1800" dirty="0">
+                <a:latin typeface="Andale Mono" panose="020B0509000000000004" pitchFamily="49" charset="0"/>
+              </a:rPr>
+              <a:t>."</a:t>
+            </a:r>
+          </a:p>
+          <a:p>
+            <a:pPr marL="0" indent="0">
+              <a:buNone/>
+            </a:pPr>
+            <a:r>
+              <a:rPr lang="en-US" sz="1800" dirty="0">
+                <a:latin typeface="Andale Mono" panose="020B0509000000000004" pitchFamily="49" charset="0"/>
+              </a:rPr>
+              <a:t>    fi</a:t>
+            </a:r>
+          </a:p>
+          <a:p>
+            <a:pPr marL="0" indent="0">
+              <a:buNone/>
+            </a:pPr>
+            <a:r>
+              <a:rPr lang="en-US" sz="1800" dirty="0">
+                <a:latin typeface="Andale Mono" panose="020B0509000000000004" pitchFamily="49" charset="0"/>
+              </a:rPr>
+              <a:t>  fi</a:t>
+            </a:r>
+          </a:p>
+          <a:p>
+            <a:pPr marL="0" indent="0">
+              <a:buNone/>
+            </a:pPr>
+            <a:r>
+              <a:rPr lang="en-US" sz="1800" dirty="0">
+                <a:latin typeface="Andale Mono" panose="020B0509000000000004" pitchFamily="49" charset="0"/>
+              </a:rPr>
+              <a:t>done</a:t>
+            </a:r>
+            <a:endParaRPr lang="en-US" dirty="0">
+              <a:latin typeface="Andale Mono" panose="020B0509000000000004" pitchFamily="49" charset="0"/>
+            </a:endParaRPr>
+          </a:p>
+        </p:txBody>
+      </p:sp>
+      <p:sp>
+        <p:nvSpPr>
+          <p:cNvPr id="4" name="Content Placeholder 3">
+            <a:extLst>
+              <a:ext uri="{FF2B5EF4-FFF2-40B4-BE49-F238E27FC236}">
+                <a16:creationId xmlns:a16="http://schemas.microsoft.com/office/drawing/2014/main" id="{675CC38C-9B05-1C46-96FA-3548D871AA1E}"/>
+              </a:ext>
+            </a:extLst>
+          </p:cNvPr>
+          <p:cNvSpPr>
+            <a:spLocks noGrp="1"/>
+          </p:cNvSpPr>
+          <p:nvPr>
+            <p:ph sz="half" idx="2"/>
+          </p:nvPr>
+        </p:nvSpPr>
+        <p:spPr>
+          <a:xfrm>
+            <a:off x="6099811" y="2336873"/>
+            <a:ext cx="6092189" cy="2600887"/>
+          </a:xfrm>
+        </p:spPr>
+        <p:txBody>
+          <a:bodyPr>
+            <a:normAutofit/>
+          </a:bodyPr>
+          <a:lstStyle/>
+          <a:p>
+            <a:pPr marL="0" indent="0">
+              <a:buNone/>
+            </a:pPr>
+            <a:r>
+              <a:rPr lang="en-US" sz="1600" dirty="0">
+                <a:latin typeface="Andale Mono" panose="020B0509000000000004" pitchFamily="49" charset="0"/>
+              </a:rPr>
+              <a:t>Add a </a:t>
+            </a:r>
+            <a:r>
+              <a:rPr lang="en-US" sz="1600" dirty="0" err="1">
+                <a:latin typeface="Andale Mono" panose="020B0509000000000004" pitchFamily="49" charset="0"/>
+              </a:rPr>
+              <a:t>toString</a:t>
+            </a:r>
+            <a:r>
+              <a:rPr lang="en-US" sz="1600" dirty="0">
+                <a:latin typeface="Andale Mono" panose="020B0509000000000004" pitchFamily="49" charset="0"/>
+              </a:rPr>
+              <a:t> method to ./</a:t>
+            </a:r>
+            <a:r>
+              <a:rPr lang="en-US" sz="1600" dirty="0" err="1">
+                <a:latin typeface="Andale Mono" panose="020B0509000000000004" pitchFamily="49" charset="0"/>
+              </a:rPr>
+              <a:t>SeqExp-i.java</a:t>
+            </a:r>
+            <a:r>
+              <a:rPr lang="en-US" sz="1600" dirty="0">
+                <a:latin typeface="Andale Mono" panose="020B0509000000000004" pitchFamily="49" charset="0"/>
+              </a:rPr>
+              <a:t>.</a:t>
+            </a:r>
+          </a:p>
+          <a:p>
+            <a:pPr marL="0" indent="0">
+              <a:buNone/>
+            </a:pPr>
+            <a:r>
+              <a:rPr lang="en-US" sz="1600" dirty="0">
+                <a:latin typeface="Andale Mono" panose="020B0509000000000004" pitchFamily="49" charset="0"/>
+              </a:rPr>
+              <a:t>Add a </a:t>
+            </a:r>
+            <a:r>
+              <a:rPr lang="en-US" sz="1600" dirty="0" err="1">
+                <a:latin typeface="Andale Mono" panose="020B0509000000000004" pitchFamily="49" charset="0"/>
+              </a:rPr>
+              <a:t>toString</a:t>
+            </a:r>
+            <a:r>
+              <a:rPr lang="en-US" sz="1600" dirty="0">
+                <a:latin typeface="Andale Mono" panose="020B0509000000000004" pitchFamily="49" charset="0"/>
+              </a:rPr>
+              <a:t> method to ./</a:t>
+            </a:r>
+            <a:r>
+              <a:rPr lang="en-US" sz="1600" dirty="0" err="1">
+                <a:latin typeface="Andale Mono" panose="020B0509000000000004" pitchFamily="49" charset="0"/>
+              </a:rPr>
+              <a:t>EnvSource</a:t>
+            </a:r>
+            <a:r>
+              <a:rPr lang="en-US" sz="1600" dirty="0">
+                <a:latin typeface="Andale Mono" panose="020B0509000000000004" pitchFamily="49" charset="0"/>
+              </a:rPr>
+              <a:t>/Val-</a:t>
+            </a:r>
+            <a:r>
+              <a:rPr lang="en-US" sz="1600" dirty="0" err="1">
+                <a:latin typeface="Andale Mono" panose="020B0509000000000004" pitchFamily="49" charset="0"/>
+              </a:rPr>
+              <a:t>i.java</a:t>
+            </a:r>
+            <a:r>
+              <a:rPr lang="en-US" sz="1600" dirty="0">
+                <a:latin typeface="Andale Mono" panose="020B0509000000000004" pitchFamily="49" charset="0"/>
+              </a:rPr>
+              <a:t>.</a:t>
+            </a:r>
+          </a:p>
+          <a:p>
+            <a:pPr marL="0" indent="0">
+              <a:buNone/>
+            </a:pPr>
+            <a:r>
+              <a:rPr lang="en-US" sz="1600" dirty="0">
+                <a:latin typeface="Andale Mono" panose="020B0509000000000004" pitchFamily="49" charset="0"/>
+              </a:rPr>
+              <a:t>Add a </a:t>
+            </a:r>
+            <a:r>
+              <a:rPr lang="en-US" sz="1600" dirty="0" err="1">
+                <a:latin typeface="Andale Mono" panose="020B0509000000000004" pitchFamily="49" charset="0"/>
+              </a:rPr>
+              <a:t>toString</a:t>
+            </a:r>
+            <a:r>
+              <a:rPr lang="en-US" sz="1600" dirty="0">
+                <a:latin typeface="Andale Mono" panose="020B0509000000000004" pitchFamily="49" charset="0"/>
+              </a:rPr>
+              <a:t> method to ./</a:t>
+            </a:r>
+            <a:r>
+              <a:rPr lang="en-US" sz="1600" dirty="0" err="1">
+                <a:latin typeface="Andale Mono" panose="020B0509000000000004" pitchFamily="49" charset="0"/>
+              </a:rPr>
+              <a:t>LetrecExp-i.java</a:t>
+            </a:r>
+            <a:r>
+              <a:rPr lang="en-US" sz="1600" dirty="0">
+                <a:latin typeface="Andale Mono" panose="020B0509000000000004" pitchFamily="49" charset="0"/>
+              </a:rPr>
+              <a:t>.</a:t>
+            </a:r>
+          </a:p>
+          <a:p>
+            <a:pPr marL="0" indent="0">
+              <a:buNone/>
+            </a:pPr>
+            <a:r>
+              <a:rPr lang="en-US" sz="1600" dirty="0">
+                <a:latin typeface="Andale Mono" panose="020B0509000000000004" pitchFamily="49" charset="0"/>
+              </a:rPr>
+              <a:t>Add a </a:t>
+            </a:r>
+            <a:r>
+              <a:rPr lang="en-US" sz="1600" dirty="0" err="1">
+                <a:latin typeface="Andale Mono" panose="020B0509000000000004" pitchFamily="49" charset="0"/>
+              </a:rPr>
+              <a:t>toString</a:t>
+            </a:r>
+            <a:r>
+              <a:rPr lang="en-US" sz="1600" dirty="0">
+                <a:latin typeface="Andale Mono" panose="020B0509000000000004" pitchFamily="49" charset="0"/>
+              </a:rPr>
+              <a:t> method to ./Program-</a:t>
+            </a:r>
+            <a:r>
+              <a:rPr lang="en-US" sz="1600" dirty="0" err="1">
+                <a:latin typeface="Andale Mono" panose="020B0509000000000004" pitchFamily="49" charset="0"/>
+              </a:rPr>
+              <a:t>i.java</a:t>
+            </a:r>
+            <a:r>
+              <a:rPr lang="en-US" sz="1600" dirty="0">
+                <a:latin typeface="Andale Mono" panose="020B0509000000000004" pitchFamily="49" charset="0"/>
+              </a:rPr>
+              <a:t>.</a:t>
+            </a:r>
+          </a:p>
+          <a:p>
+            <a:pPr marL="0" indent="0">
+              <a:buNone/>
+            </a:pPr>
+            <a:r>
+              <a:rPr lang="en-US" sz="1600" dirty="0">
+                <a:latin typeface="Andale Mono" panose="020B0509000000000004" pitchFamily="49" charset="0"/>
+              </a:rPr>
+              <a:t>Add a </a:t>
+            </a:r>
+            <a:r>
+              <a:rPr lang="en-US" sz="1600" dirty="0" err="1">
+                <a:latin typeface="Andale Mono" panose="020B0509000000000004" pitchFamily="49" charset="0"/>
+              </a:rPr>
+              <a:t>toString</a:t>
+            </a:r>
+            <a:r>
+              <a:rPr lang="en-US" sz="1600" dirty="0">
+                <a:latin typeface="Andale Mono" panose="020B0509000000000004" pitchFamily="49" charset="0"/>
+              </a:rPr>
+              <a:t> method to ./</a:t>
+            </a:r>
+            <a:r>
+              <a:rPr lang="en-US" sz="1600" dirty="0" err="1">
+                <a:latin typeface="Andale Mono" panose="020B0509000000000004" pitchFamily="49" charset="0"/>
+              </a:rPr>
+              <a:t>LetrecDecls-i.java</a:t>
+            </a:r>
+            <a:r>
+              <a:rPr lang="en-US" sz="1600" dirty="0">
+                <a:latin typeface="Andale Mono" panose="020B0509000000000004" pitchFamily="49" charset="0"/>
+              </a:rPr>
+              <a:t>.</a:t>
+            </a:r>
+          </a:p>
+          <a:p>
+            <a:pPr marL="0" indent="0">
+              <a:buNone/>
+            </a:pPr>
+            <a:r>
+              <a:rPr lang="en-US" sz="1600" dirty="0">
+                <a:latin typeface="Andale Mono" panose="020B0509000000000004" pitchFamily="49" charset="0"/>
+              </a:rPr>
+              <a:t>Add a </a:t>
+            </a:r>
+            <a:r>
+              <a:rPr lang="en-US" sz="1600" dirty="0" err="1">
+                <a:latin typeface="Andale Mono" panose="020B0509000000000004" pitchFamily="49" charset="0"/>
+              </a:rPr>
+              <a:t>toString</a:t>
+            </a:r>
+            <a:r>
+              <a:rPr lang="en-US" sz="1600" dirty="0">
+                <a:latin typeface="Andale Mono" panose="020B0509000000000004" pitchFamily="49" charset="0"/>
+              </a:rPr>
+              <a:t> method to ./</a:t>
+            </a:r>
+            <a:r>
+              <a:rPr lang="en-US" sz="1600" dirty="0" err="1">
+                <a:latin typeface="Andale Mono" panose="020B0509000000000004" pitchFamily="49" charset="0"/>
+              </a:rPr>
+              <a:t>LetDecls-i.java</a:t>
+            </a:r>
+            <a:r>
+              <a:rPr lang="en-US" sz="1600" dirty="0">
+                <a:latin typeface="Andale Mono" panose="020B0509000000000004" pitchFamily="49" charset="0"/>
+              </a:rPr>
+              <a:t>.</a:t>
+            </a:r>
+          </a:p>
+          <a:p>
+            <a:pPr marL="0" indent="0">
+              <a:buNone/>
+            </a:pPr>
+            <a:r>
+              <a:rPr lang="en-US" sz="1600" dirty="0">
+                <a:latin typeface="Andale Mono" panose="020B0509000000000004" pitchFamily="49" charset="0"/>
+              </a:rPr>
+              <a:t>Add a </a:t>
+            </a:r>
+            <a:r>
+              <a:rPr lang="en-US" sz="1600" dirty="0" err="1">
+                <a:latin typeface="Andale Mono" panose="020B0509000000000004" pitchFamily="49" charset="0"/>
+              </a:rPr>
+              <a:t>toString</a:t>
+            </a:r>
+            <a:r>
+              <a:rPr lang="en-US" sz="1600" dirty="0">
+                <a:latin typeface="Andale Mono" panose="020B0509000000000004" pitchFamily="49" charset="0"/>
+              </a:rPr>
+              <a:t> method to ./</a:t>
+            </a:r>
+            <a:r>
+              <a:rPr lang="en-US" sz="1600" dirty="0" err="1">
+                <a:latin typeface="Andale Mono" panose="020B0509000000000004" pitchFamily="49" charset="0"/>
+              </a:rPr>
+              <a:t>LetExp-i.java</a:t>
+            </a:r>
+            <a:r>
+              <a:rPr lang="en-US" sz="1600" dirty="0">
+                <a:latin typeface="Andale Mono" panose="020B0509000000000004" pitchFamily="49" charset="0"/>
+              </a:rPr>
+              <a:t>.</a:t>
+            </a:r>
+          </a:p>
+        </p:txBody>
+      </p:sp>
+      <p:sp>
+        <p:nvSpPr>
+          <p:cNvPr id="5" name="Date Placeholder 4">
+            <a:extLst>
+              <a:ext uri="{FF2B5EF4-FFF2-40B4-BE49-F238E27FC236}">
+                <a16:creationId xmlns:a16="http://schemas.microsoft.com/office/drawing/2014/main" id="{1C0077F2-38D4-1443-A951-CDE9A2492E29}"/>
+              </a:ext>
+            </a:extLst>
+          </p:cNvPr>
+          <p:cNvSpPr>
+            <a:spLocks noGrp="1"/>
+          </p:cNvSpPr>
+          <p:nvPr>
+            <p:ph type="dt" sz="half" idx="10"/>
           </p:nvPr>
         </p:nvSpPr>
         <p:spPr/>
@@ -8234,9 +8722,129 @@
           <a:bodyPr/>
           <a:lstStyle/>
           <a:p>
-            <a:r>
-              <a:rPr lang="en-US" dirty="0"/>
-              <a:t>Fall 2020</a:t>
+            <a:fld id="{F648A650-1A62-6A43-8494-54D1D02906D8}" type="datetime1">
+              <a:rPr lang="en-US" smtClean="0"/>
+              <a:t>3/9/21</a:t>
+            </a:fld>
+            <a:endParaRPr lang="en-US"/>
+          </a:p>
+        </p:txBody>
+      </p:sp>
+      <p:cxnSp>
+        <p:nvCxnSpPr>
+          <p:cNvPr id="6" name="Straight Connector 5">
+            <a:extLst>
+              <a:ext uri="{FF2B5EF4-FFF2-40B4-BE49-F238E27FC236}">
+                <a16:creationId xmlns:a16="http://schemas.microsoft.com/office/drawing/2014/main" id="{BC2AAAC2-4FB5-1644-9D3E-58CFD37706C2}"/>
+              </a:ext>
+            </a:extLst>
+          </p:cNvPr>
+          <p:cNvCxnSpPr>
+            <a:cxnSpLocks/>
+          </p:cNvCxnSpPr>
+          <p:nvPr/>
+        </p:nvCxnSpPr>
+        <p:spPr>
+          <a:xfrm flipV="1">
+            <a:off x="8288207" y="784846"/>
+            <a:ext cx="1213442" cy="512064"/>
+          </a:xfrm>
+          <a:prstGeom prst="line">
+            <a:avLst/>
+          </a:prstGeom>
+          <a:ln w="19050">
+            <a:headEnd type="none" w="med" len="med"/>
+            <a:tailEnd type="arrow" w="med" len="med"/>
+          </a:ln>
+        </p:spPr>
+        <p:style>
+          <a:lnRef idx="1">
+            <a:schemeClr val="accent1"/>
+          </a:lnRef>
+          <a:fillRef idx="0">
+            <a:schemeClr val="accent1"/>
+          </a:fillRef>
+          <a:effectRef idx="0">
+            <a:schemeClr val="accent1"/>
+          </a:effectRef>
+          <a:fontRef idx="minor">
+            <a:schemeClr val="tx1"/>
+          </a:fontRef>
+        </p:style>
+      </p:cxnSp>
+      <p:cxnSp>
+        <p:nvCxnSpPr>
+          <p:cNvPr id="7" name="Curved Connector 6">
+            <a:extLst>
+              <a:ext uri="{FF2B5EF4-FFF2-40B4-BE49-F238E27FC236}">
+                <a16:creationId xmlns:a16="http://schemas.microsoft.com/office/drawing/2014/main" id="{16AE8325-F9C2-EF49-8494-1FA900CFAC10}"/>
+              </a:ext>
+            </a:extLst>
+          </p:cNvPr>
+          <p:cNvCxnSpPr>
+            <a:cxnSpLocks/>
+          </p:cNvCxnSpPr>
+          <p:nvPr/>
+        </p:nvCxnSpPr>
+        <p:spPr>
+          <a:xfrm flipV="1">
+            <a:off x="7278185" y="1180538"/>
+            <a:ext cx="1567011" cy="707136"/>
+          </a:xfrm>
+          <a:prstGeom prst="curvedConnector3">
+            <a:avLst/>
+          </a:prstGeom>
+          <a:ln w="19050"/>
+        </p:spPr>
+        <p:style>
+          <a:lnRef idx="1">
+            <a:schemeClr val="accent1"/>
+          </a:lnRef>
+          <a:fillRef idx="0">
+            <a:schemeClr val="accent1"/>
+          </a:fillRef>
+          <a:effectRef idx="0">
+            <a:schemeClr val="accent1"/>
+          </a:effectRef>
+          <a:fontRef idx="minor">
+            <a:schemeClr val="tx1"/>
+          </a:fontRef>
+        </p:style>
+      </p:cxnSp>
+      <p:sp>
+        <p:nvSpPr>
+          <p:cNvPr id="8" name="TextBox 7">
+            <a:extLst>
+              <a:ext uri="{FF2B5EF4-FFF2-40B4-BE49-F238E27FC236}">
+                <a16:creationId xmlns:a16="http://schemas.microsoft.com/office/drawing/2014/main" id="{E51E3D90-3A11-7246-9CBE-23F166E2E5FB}"/>
+              </a:ext>
+            </a:extLst>
+          </p:cNvPr>
+          <p:cNvSpPr txBox="1"/>
+          <p:nvPr/>
+        </p:nvSpPr>
+        <p:spPr>
+          <a:xfrm>
+            <a:off x="5897880" y="5612130"/>
+            <a:ext cx="3384260" cy="369332"/>
+          </a:xfrm>
+          <a:prstGeom prst="rect">
+            <a:avLst/>
+          </a:prstGeom>
+          <a:noFill/>
+        </p:spPr>
+        <p:txBody>
+          <a:bodyPr wrap="none" rtlCol="0">
+            <a:spAutoFit/>
+          </a:bodyPr>
+          <a:lstStyle/>
+          <a:p>
+            <a:r>
+              <a:rPr lang="en-US" dirty="0">
+                <a:latin typeface="Annai MN" pitchFamily="2" charset="0"/>
+                <a:cs typeface="Annai MN" pitchFamily="2" charset="0"/>
+              </a:rPr>
+              <a:t>Learn scripting! Very handy.</a:t>
             </a:r>
           </a:p>
         </p:txBody>
@@ -8244,13 +8852,99 @@
     </p:spTree>
     <p:extLst>
       <p:ext uri="{BB962C8B-B14F-4D97-AF65-F5344CB8AC3E}">
-        <p14:creationId xmlns:p14="http://schemas.microsoft.com/office/powerpoint/2010/main" val="502873139"/>
+        <p14:creationId xmlns:p14="http://schemas.microsoft.com/office/powerpoint/2010/main" val="1581932959"/>
       </p:ext>
     </p:extLst>
   </p:cSld>
   <p:clrMapOvr>
     <a:masterClrMapping/>
   </p:clrMapOvr>
+  <p:timing>
+    <p:tnLst>
+      <p:par>
+        <p:cTn id="1" dur="indefinite" restart="never" nodeType="tmRoot">
+          <p:childTnLst>
+            <p:seq concurrent="1" nextAc="seek">
+              <p:cTn id="2" dur="indefinite" nodeType="mainSeq">
+                <p:childTnLst>
+                  <p:par>
+                    <p:cTn id="3" fill="hold">
+                      <p:stCondLst>
+                        <p:cond delay="indefinite"/>
+                      </p:stCondLst>
+                      <p:childTnLst>
+                        <p:par>
+                          <p:cTn id="4" fill="hold">
+                            <p:stCondLst>
+                              <p:cond delay="0"/>
+                            </p:stCondLst>
+                            <p:childTnLst>
+                              <p:par>
+                                <p:cTn id="5" presetID="9" presetClass="entr" presetSubtype="0" fill="hold" grpId="0" nodeType="clickEffect">
+                                  <p:stCondLst>
+                                    <p:cond delay="0"/>
+                                  </p:stCondLst>
+                                  <p:childTnLst>
+                                    <p:set>
+                                      <p:cBhvr>
+                                        <p:cTn id="6" dur="1" fill="hold">
+                                          <p:stCondLst>
+                                            <p:cond delay="0"/>
+                                          </p:stCondLst>
+                                        </p:cTn>
+                                        <p:tgtEl>
+                                          <p:spTgt spid="8"/>
+                                        </p:tgtEl>
+                                        <p:attrNameLst>
+                                          <p:attrName>style.visibility</p:attrName>
+                                        </p:attrNameLst>
+                                      </p:cBhvr>
+                                      <p:to>
+                                        <p:strVal val="visible"/>
+                                      </p:to>
+                                    </p:set>
+                                    <p:animEffect transition="in" filter="dissolve">
+                                      <p:cBhvr>
+                                        <p:cTn id="7" dur="500"/>
+                                        <p:tgtEl>
+                                          <p:spTgt spid="8"/>
+                                        </p:tgtEl>
+                                      </p:cBhvr>
+                                    </p:animEffect>
+                                  </p:childTnLst>
+                                </p:cTn>
+                              </p:par>
+                            </p:childTnLst>
+                          </p:cTn>
+                        </p:par>
+                      </p:childTnLst>
+                    </p:cTn>
+                  </p:par>
+                </p:childTnLst>
+              </p:cTn>
+              <p:prevCondLst>
+                <p:cond evt="onPrev" delay="0">
+                  <p:tgtEl>
+                    <p:sldTgt/>
+                  </p:tgtEl>
+                </p:cond>
+              </p:prevCondLst>
+              <p:nextCondLst>
+                <p:cond evt="onNext" delay="0">
+                  <p:tgtEl>
+                    <p:sldTgt/>
+                  </p:tgtEl>
+                </p:cond>
+              </p:nextCondLst>
+            </p:seq>
+          </p:childTnLst>
+        </p:cTn>
+      </p:par>
+    </p:tnLst>
+    <p:bldLst>
+      <p:bldP spid="8" grpId="0"/>
+    </p:bldLst>
+  </p:timing>
 </p:sld>
 </file>
 
@@ -8276,6 +8970,255 @@
           <p:cNvPr id="2" name="Title 1">
             <a:extLst>
               <a:ext uri="{FF2B5EF4-FFF2-40B4-BE49-F238E27FC236}">
+                <a16:creationId xmlns:a16="http://schemas.microsoft.com/office/drawing/2014/main" id="{43ADAE91-1D43-3840-92B7-4C65E222FA48}"/>
+              </a:ext>
+            </a:extLst>
+          </p:cNvPr>
+          <p:cNvSpPr>
+            <a:spLocks noGrp="1"/>
+          </p:cNvSpPr>
+          <p:nvPr>
+            <p:ph type="title"/>
+          </p:nvPr>
+        </p:nvSpPr>
+        <p:spPr/>
+        <p:txBody>
+          <a:bodyPr/>
+          <a:lstStyle/>
+          <a:p>
+            <a:r>
+              <a:rPr lang="en-US" dirty="0"/>
+              <a:t>Redefining the Top of the Grammar</a:t>
+            </a:r>
+          </a:p>
+        </p:txBody>
+      </p:sp>
+      <p:sp>
+        <p:nvSpPr>
+          <p:cNvPr id="3" name="Content Placeholder 2">
+            <a:extLst>
+              <a:ext uri="{FF2B5EF4-FFF2-40B4-BE49-F238E27FC236}">
+                <a16:creationId xmlns:a16="http://schemas.microsoft.com/office/drawing/2014/main" id="{35C3AE0A-49F7-3440-B836-80195A5610BC}"/>
+              </a:ext>
+            </a:extLst>
+          </p:cNvPr>
+          <p:cNvSpPr>
+            <a:spLocks noGrp="1"/>
+          </p:cNvSpPr>
+          <p:nvPr>
+            <p:ph idx="1"/>
+          </p:nvPr>
+        </p:nvSpPr>
+        <p:spPr>
+          <a:xfrm>
+            <a:off x="680321" y="2075615"/>
+            <a:ext cx="9613861" cy="4521127"/>
+          </a:xfrm>
+        </p:spPr>
+        <p:txBody>
+          <a:bodyPr/>
+          <a:lstStyle/>
+          <a:p>
+            <a:pPr marL="0" indent="0">
+              <a:buNone/>
+            </a:pPr>
+            <a:r>
+              <a:rPr lang="en-US" dirty="0">
+                <a:latin typeface="Andale Mono" panose="020B0509000000000004" pitchFamily="49" charset="0"/>
+              </a:rPr>
+              <a:t>&lt;program&gt;:Define ::= DEFINE &lt;VAR&gt; ASSIGN &lt;</a:t>
+            </a:r>
+            <a:r>
+              <a:rPr lang="en-US" dirty="0" err="1">
+                <a:latin typeface="Andale Mono" panose="020B0509000000000004" pitchFamily="49" charset="0"/>
+              </a:rPr>
+              <a:t>exp</a:t>
+            </a:r>
+            <a:r>
+              <a:rPr lang="en-US" dirty="0">
+                <a:latin typeface="Andale Mono" panose="020B0509000000000004" pitchFamily="49" charset="0"/>
+              </a:rPr>
+              <a:t>&gt;</a:t>
+            </a:r>
+          </a:p>
+          <a:p>
+            <a:pPr marL="0" indent="0">
+              <a:buNone/>
+            </a:pPr>
+            <a:r>
+              <a:rPr lang="en-US" dirty="0">
+                <a:latin typeface="Andale Mono" panose="020B0509000000000004" pitchFamily="49" charset="0"/>
+              </a:rPr>
+              <a:t>&lt;program&gt;:</a:t>
+            </a:r>
+            <a:r>
+              <a:rPr lang="en-US" dirty="0" err="1">
+                <a:latin typeface="Andale Mono" panose="020B0509000000000004" pitchFamily="49" charset="0"/>
+              </a:rPr>
+              <a:t>Eval</a:t>
+            </a:r>
+            <a:r>
+              <a:rPr lang="en-US" dirty="0">
+                <a:latin typeface="Andale Mono" panose="020B0509000000000004" pitchFamily="49" charset="0"/>
+              </a:rPr>
+              <a:t>   ::= &lt;</a:t>
+            </a:r>
+            <a:r>
+              <a:rPr lang="en-US" dirty="0" err="1">
+                <a:latin typeface="Andale Mono" panose="020B0509000000000004" pitchFamily="49" charset="0"/>
+              </a:rPr>
+              <a:t>exp</a:t>
+            </a:r>
+            <a:r>
+              <a:rPr lang="en-US" dirty="0">
+                <a:latin typeface="Andale Mono" panose="020B0509000000000004" pitchFamily="49" charset="0"/>
+              </a:rPr>
+              <a:t>&gt;</a:t>
+            </a:r>
+          </a:p>
+          <a:p>
+            <a:pPr marL="0" indent="0">
+              <a:buNone/>
+            </a:pPr>
+            <a:endParaRPr lang="en-US" dirty="0">
+              <a:latin typeface="Andale Mono" panose="020B0509000000000004" pitchFamily="49" charset="0"/>
+            </a:endParaRPr>
+          </a:p>
+          <a:p>
+            <a:r>
+              <a:rPr lang="en-US" dirty="0"/>
+              <a:t>Semantically, these definitions will survive for the entire time we execute </a:t>
+            </a:r>
+            <a:r>
+              <a:rPr lang="en-US" b="1" dirty="0"/>
+              <a:t>rep</a:t>
+            </a:r>
+            <a:r>
+              <a:rPr lang="en-US" dirty="0"/>
+              <a:t>.</a:t>
+            </a:r>
+          </a:p>
+          <a:p>
+            <a:pPr marL="0" indent="0">
+              <a:buNone/>
+            </a:pPr>
+            <a:r>
+              <a:rPr lang="en-US" dirty="0">
+                <a:latin typeface="Andale Mono" panose="020B0509000000000004" pitchFamily="49" charset="0"/>
+              </a:rPr>
+              <a:t>$ rep</a:t>
+            </a:r>
+          </a:p>
+          <a:p>
+            <a:pPr marL="0" indent="0">
+              <a:buNone/>
+            </a:pPr>
+            <a:r>
+              <a:rPr lang="en-US" dirty="0">
+                <a:latin typeface="Andale Mono" panose="020B0509000000000004" pitchFamily="49" charset="0"/>
+              </a:rPr>
+              <a:t>--&gt; define a = 20</a:t>
+            </a:r>
+          </a:p>
+          <a:p>
+            <a:pPr marL="0" indent="0">
+              <a:buNone/>
+            </a:pPr>
+            <a:r>
+              <a:rPr lang="en-US" dirty="0">
+                <a:latin typeface="Andale Mono" panose="020B0509000000000004" pitchFamily="49" charset="0"/>
+              </a:rPr>
+              <a:t>20</a:t>
+            </a:r>
+          </a:p>
+          <a:p>
+            <a:pPr marL="0" indent="0">
+              <a:buNone/>
+            </a:pPr>
+            <a:r>
+              <a:rPr lang="en-US" dirty="0">
+                <a:latin typeface="Andale Mono" panose="020B0509000000000004" pitchFamily="49" charset="0"/>
+              </a:rPr>
+              <a:t>--&gt; /( a, 10 )</a:t>
+            </a:r>
+          </a:p>
+          <a:p>
+            <a:pPr marL="0" indent="0">
+              <a:buNone/>
+            </a:pPr>
+            <a:r>
+              <a:rPr lang="en-US" dirty="0">
+                <a:latin typeface="Andale Mono" panose="020B0509000000000004" pitchFamily="49" charset="0"/>
+              </a:rPr>
+              <a:t>2</a:t>
+            </a:r>
+          </a:p>
+        </p:txBody>
+      </p:sp>
+      <p:sp>
+        <p:nvSpPr>
+          <p:cNvPr id="4" name="Date Placeholder 3">
+            <a:extLst>
+              <a:ext uri="{FF2B5EF4-FFF2-40B4-BE49-F238E27FC236}">
+                <a16:creationId xmlns:a16="http://schemas.microsoft.com/office/drawing/2014/main" id="{8731F96F-7DBC-5649-9D72-0C1267DCCAA9}"/>
+              </a:ext>
+            </a:extLst>
+          </p:cNvPr>
+          <p:cNvSpPr>
+            <a:spLocks noGrp="1"/>
+          </p:cNvSpPr>
+          <p:nvPr>
+            <p:ph type="dt" sz="half" idx="10"/>
+          </p:nvPr>
+        </p:nvSpPr>
+        <p:spPr/>
+        <p:txBody>
+          <a:bodyPr/>
+          <a:lstStyle/>
+          <a:p>
+            <a:fld id="{ADD06B2B-A40D-BD4F-AAFF-66B3BC9E5505}" type="datetime1">
+              <a:rPr lang="en-US" smtClean="0"/>
+              <a:t>3/9/21</a:t>
+            </a:fld>
+            <a:endParaRPr lang="en-US"/>
+          </a:p>
+        </p:txBody>
+      </p:sp>
+    </p:spTree>
+    <p:extLst>
+      <p:ext uri="{BB962C8B-B14F-4D97-AF65-F5344CB8AC3E}">
+        <p14:creationId xmlns:p14="http://schemas.microsoft.com/office/powerpoint/2010/main" val="1128057254"/>
+      </p:ext>
+    </p:extLst>
+  </p:cSld>
+  <p:clrMapOvr>
+    <a:masterClrMapping/>
+  </p:clrMapOvr>
+</p:sld>
+</file>
+
+<file path=ppt/slides/slide11.xml><?xml version="1.0" encoding="utf-8"?>
+<p:sld xmlns:a="http://schemas.openxmlformats.org/drawingml/2006/main" xmlns:r="http://schemas.openxmlformats.org/officeDocument/2006/relationships" xmlns:p="http://schemas.openxmlformats.org/presentationml/2006/main">
+  <p:cSld>
+    <p:spTree>
+      <p:nvGrpSpPr>
+        <p:cNvPr id="1" name=""/>
+        <p:cNvGrpSpPr/>
+        <p:nvPr/>
+      </p:nvGrpSpPr>
+      <p:grpSpPr>
+        <a:xfrm>
+          <a:off x="0" y="0"/>
+          <a:ext cx="0" cy="0"/>
+          <a:chOff x="0" y="0"/>
+          <a:chExt cx="0" cy="0"/>
+        </a:xfrm>
+      </p:grpSpPr>
+      <p:sp>
+        <p:nvSpPr>
+          <p:cNvPr id="2" name="Title 1">
+            <a:extLst>
+              <a:ext uri="{FF2B5EF4-FFF2-40B4-BE49-F238E27FC236}">
                 <a16:creationId xmlns:a16="http://schemas.microsoft.com/office/drawing/2014/main" id="{B9EA03DB-2D68-8243-BA65-E3023C3E7481}"/>
               </a:ext>
             </a:extLst>
@@ -8460,11 +9403,11 @@
           <a:bodyPr/>
           <a:lstStyle/>
           <a:p>
-            <a:fld id="{42A1984D-9E02-CD46-839A-F811D2B7D7C5}" type="datetime1">
+            <a:fld id="{04E654BF-B1C9-8E4C-B80C-1490BB5F2999}" type="datetime1">
               <a:rPr lang="en-US" smtClean="0"/>
-              <a:t>9/23/20</a:t>
+              <a:t>3/9/21</a:t>
             </a:fld>
-            <a:endParaRPr lang="en-US"/>
+            <a:endParaRPr lang="en-US" dirty="0"/>
           </a:p>
         </p:txBody>
       </p:sp>
@@ -8543,7 +9486,7 @@
         </p:nvSpPr>
         <p:spPr>
           <a:xfrm>
-            <a:off x="5634681" y="5276335"/>
+            <a:off x="91741" y="2271705"/>
             <a:ext cx="3613618" cy="646331"/>
           </a:xfrm>
           <a:prstGeom prst="rect">
@@ -8690,398 +9633,6 @@
           </a:p>
         </p:txBody>
       </p:sp>
-      <p:graphicFrame>
-        <p:nvGraphicFramePr>
-          <p:cNvPr id="12" name="Table 11">
-            <a:extLst>
-              <a:ext uri="{FF2B5EF4-FFF2-40B4-BE49-F238E27FC236}">
-                <a16:creationId xmlns:a16="http://schemas.microsoft.com/office/drawing/2014/main" id="{673CDE41-DDDB-1B4E-BCD0-7357185216CF}"/>
-              </a:ext>
-            </a:extLst>
-          </p:cNvPr>
-          <p:cNvGraphicFramePr>
-            <a:graphicFrameLocks noGrp="1"/>
-          </p:cNvGraphicFramePr>
-          <p:nvPr>
-            <p:extLst>
-              <p:ext uri="{D42A27DB-BD31-4B8C-83A1-F6EECF244321}">
-                <p14:modId xmlns:p14="http://schemas.microsoft.com/office/powerpoint/2010/main" val="3575353207"/>
-              </p:ext>
-            </p:extLst>
-          </p:nvPr>
-        </p:nvGraphicFramePr>
-        <p:xfrm>
-          <a:off x="10357527" y="3984939"/>
-          <a:ext cx="1154152" cy="2560320"/>
-        </p:xfrm>
-        <a:graphic>
-          <a:graphicData uri="http://schemas.openxmlformats.org/drawingml/2006/table">
-            <a:tbl>
-              <a:tblPr firstRow="1" bandRow="1">
-                <a:tableStyleId>{5C22544A-7EE6-4342-B048-85BDC9FD1C3A}</a:tableStyleId>
-              </a:tblPr>
-              <a:tblGrid>
-                <a:gridCol w="387029">
-                  <a:extLst>
-                    <a:ext uri="{9D8B030D-6E8A-4147-A177-3AD203B41FA5}">
-                      <a16:colId xmlns:a16="http://schemas.microsoft.com/office/drawing/2014/main" val="2206459377"/>
-                    </a:ext>
-                  </a:extLst>
-                </a:gridCol>
-                <a:gridCol w="767123">
-                  <a:extLst>
-                    <a:ext uri="{9D8B030D-6E8A-4147-A177-3AD203B41FA5}">
-                      <a16:colId xmlns:a16="http://schemas.microsoft.com/office/drawing/2014/main" val="101412202"/>
-                    </a:ext>
-                  </a:extLst>
-                </a:gridCol>
-              </a:tblGrid>
-              <a:tr h="294398">
-                <a:tc>
-                  <a:txBody>
-                    <a:bodyPr/>
-                    <a:lstStyle/>
-                    <a:p>
-                      <a:r>
-                        <a:rPr lang="en-US" b="0" dirty="0" err="1">
-                          <a:solidFill>
-                            <a:schemeClr val="bg1"/>
-                          </a:solidFill>
-                        </a:rPr>
-                        <a:t>i</a:t>
-                      </a:r>
-                      <a:endParaRPr lang="en-US" b="0" dirty="0">
-                        <a:solidFill>
-                          <a:schemeClr val="bg1"/>
-                        </a:solidFill>
-                      </a:endParaRPr>
-                    </a:p>
-                  </a:txBody>
-                  <a:tcPr>
-                    <a:solidFill>
-                      <a:schemeClr val="accent6">
-                        <a:lumMod val="20000"/>
-                        <a:lumOff val="80000"/>
-                      </a:schemeClr>
-                    </a:solidFill>
-                  </a:tcPr>
-                </a:tc>
-                <a:tc>
-                  <a:txBody>
-                    <a:bodyPr/>
-                    <a:lstStyle/>
-                    <a:p>
-                      <a:r>
-                        <a:rPr lang="en-US" b="0" dirty="0">
-                          <a:solidFill>
-                            <a:schemeClr val="bg1"/>
-                          </a:solidFill>
-                        </a:rPr>
-                        <a:t>1</a:t>
-                      </a:r>
-                    </a:p>
-                  </a:txBody>
-                  <a:tcPr>
-                    <a:solidFill>
-                      <a:schemeClr val="accent6">
-                        <a:lumMod val="20000"/>
-                        <a:lumOff val="80000"/>
-                      </a:schemeClr>
-                    </a:solidFill>
-                  </a:tcPr>
-                </a:tc>
-                <a:extLst>
-                  <a:ext uri="{0D108BD9-81ED-4DB2-BD59-A6C34878D82A}">
-                    <a16:rowId xmlns:a16="http://schemas.microsoft.com/office/drawing/2014/main" val="3877696211"/>
-                  </a:ext>
-                </a:extLst>
-              </a:tr>
-              <a:tr h="294398">
-                <a:tc>
-                  <a:txBody>
-                    <a:bodyPr/>
-                    <a:lstStyle/>
-                    <a:p>
-                      <a:r>
-                        <a:rPr lang="en-US" b="0" dirty="0"/>
-                        <a:t>v</a:t>
-                      </a:r>
-                    </a:p>
-                  </a:txBody>
-                  <a:tcPr>
-                    <a:solidFill>
-                      <a:schemeClr val="accent6">
-                        <a:lumMod val="20000"/>
-                        <a:lumOff val="80000"/>
-                      </a:schemeClr>
-                    </a:solidFill>
-                  </a:tcPr>
-                </a:tc>
-                <a:tc>
-                  <a:txBody>
-                    <a:bodyPr/>
-                    <a:lstStyle/>
-                    <a:p>
-                      <a:r>
-                        <a:rPr lang="en-US" b="0" dirty="0"/>
-                        <a:t>5</a:t>
-                      </a:r>
-                    </a:p>
-                  </a:txBody>
-                  <a:tcPr>
-                    <a:solidFill>
-                      <a:schemeClr val="accent6">
-                        <a:lumMod val="20000"/>
-                        <a:lumOff val="80000"/>
-                      </a:schemeClr>
-                    </a:solidFill>
-                  </a:tcPr>
-                </a:tc>
-                <a:extLst>
-                  <a:ext uri="{0D108BD9-81ED-4DB2-BD59-A6C34878D82A}">
-                    <a16:rowId xmlns:a16="http://schemas.microsoft.com/office/drawing/2014/main" val="1897297173"/>
-                  </a:ext>
-                </a:extLst>
-              </a:tr>
-              <a:tr h="294398">
-                <a:tc>
-                  <a:txBody>
-                    <a:bodyPr/>
-                    <a:lstStyle/>
-                    <a:p>
-                      <a:r>
-                        <a:rPr lang="en-US" b="0" dirty="0"/>
-                        <a:t>x</a:t>
-                      </a:r>
-                    </a:p>
-                  </a:txBody>
-                  <a:tcPr>
-                    <a:solidFill>
-                      <a:schemeClr val="accent6">
-                        <a:lumMod val="20000"/>
-                        <a:lumOff val="80000"/>
-                      </a:schemeClr>
-                    </a:solidFill>
-                  </a:tcPr>
-                </a:tc>
-                <a:tc>
-                  <a:txBody>
-                    <a:bodyPr/>
-                    <a:lstStyle/>
-                    <a:p>
-                      <a:r>
-                        <a:rPr lang="en-US" b="0" dirty="0"/>
-                        <a:t>10</a:t>
-                      </a:r>
-                    </a:p>
-                  </a:txBody>
-                  <a:tcPr>
-                    <a:solidFill>
-                      <a:schemeClr val="accent6">
-                        <a:lumMod val="20000"/>
-                        <a:lumOff val="80000"/>
-                      </a:schemeClr>
-                    </a:solidFill>
-                  </a:tcPr>
-                </a:tc>
-                <a:extLst>
-                  <a:ext uri="{0D108BD9-81ED-4DB2-BD59-A6C34878D82A}">
-                    <a16:rowId xmlns:a16="http://schemas.microsoft.com/office/drawing/2014/main" val="2474167195"/>
-                  </a:ext>
-                </a:extLst>
-              </a:tr>
-              <a:tr h="294398">
-                <a:tc>
-                  <a:txBody>
-                    <a:bodyPr/>
-                    <a:lstStyle/>
-                    <a:p>
-                      <a:r>
-                        <a:rPr lang="en-US" b="0" dirty="0"/>
-                        <a:t>l</a:t>
-                      </a:r>
-                    </a:p>
-                  </a:txBody>
-                  <a:tcPr>
-                    <a:solidFill>
-                      <a:schemeClr val="accent6">
-                        <a:lumMod val="20000"/>
-                        <a:lumOff val="80000"/>
-                      </a:schemeClr>
-                    </a:solidFill>
-                  </a:tcPr>
-                </a:tc>
-                <a:tc>
-                  <a:txBody>
-                    <a:bodyPr/>
-                    <a:lstStyle/>
-                    <a:p>
-                      <a:r>
-                        <a:rPr lang="en-US" b="0" dirty="0"/>
-                        <a:t>50</a:t>
-                      </a:r>
-                    </a:p>
-                  </a:txBody>
-                  <a:tcPr>
-                    <a:solidFill>
-                      <a:schemeClr val="accent6">
-                        <a:lumMod val="20000"/>
-                        <a:lumOff val="80000"/>
-                      </a:schemeClr>
-                    </a:solidFill>
-                  </a:tcPr>
-                </a:tc>
-                <a:extLst>
-                  <a:ext uri="{0D108BD9-81ED-4DB2-BD59-A6C34878D82A}">
-                    <a16:rowId xmlns:a16="http://schemas.microsoft.com/office/drawing/2014/main" val="2180444501"/>
-                  </a:ext>
-                </a:extLst>
-              </a:tr>
-              <a:tr h="294398">
-                <a:tc>
-                  <a:txBody>
-                    <a:bodyPr/>
-                    <a:lstStyle/>
-                    <a:p>
-                      <a:r>
-                        <a:rPr lang="en-US" b="0" dirty="0"/>
-                        <a:t>c</a:t>
-                      </a:r>
-                    </a:p>
-                  </a:txBody>
-                  <a:tcPr>
-                    <a:solidFill>
-                      <a:schemeClr val="accent6">
-                        <a:lumMod val="20000"/>
-                        <a:lumOff val="80000"/>
-                      </a:schemeClr>
-                    </a:solidFill>
-                  </a:tcPr>
-                </a:tc>
-                <a:tc>
-                  <a:txBody>
-                    <a:bodyPr/>
-                    <a:lstStyle/>
-                    <a:p>
-                      <a:r>
-                        <a:rPr lang="en-US" b="0" dirty="0"/>
-                        <a:t>100</a:t>
-                      </a:r>
-                    </a:p>
-                  </a:txBody>
-                  <a:tcPr>
-                    <a:solidFill>
-                      <a:schemeClr val="accent6">
-                        <a:lumMod val="20000"/>
-                        <a:lumOff val="80000"/>
-                      </a:schemeClr>
-                    </a:solidFill>
-                  </a:tcPr>
-                </a:tc>
-                <a:extLst>
-                  <a:ext uri="{0D108BD9-81ED-4DB2-BD59-A6C34878D82A}">
-                    <a16:rowId xmlns:a16="http://schemas.microsoft.com/office/drawing/2014/main" val="2471311412"/>
-                  </a:ext>
-                </a:extLst>
-              </a:tr>
-              <a:tr h="294398">
-                <a:tc>
-                  <a:txBody>
-                    <a:bodyPr/>
-                    <a:lstStyle/>
-                    <a:p>
-                      <a:r>
-                        <a:rPr lang="en-US" b="0" dirty="0"/>
-                        <a:t>d</a:t>
-                      </a:r>
-                    </a:p>
-                  </a:txBody>
-                  <a:tcPr>
-                    <a:solidFill>
-                      <a:schemeClr val="accent6">
-                        <a:lumMod val="20000"/>
-                        <a:lumOff val="80000"/>
-                      </a:schemeClr>
-                    </a:solidFill>
-                  </a:tcPr>
-                </a:tc>
-                <a:tc>
-                  <a:txBody>
-                    <a:bodyPr/>
-                    <a:lstStyle/>
-                    <a:p>
-                      <a:r>
-                        <a:rPr lang="en-US" b="0" dirty="0"/>
-                        <a:t>500</a:t>
-                      </a:r>
-                    </a:p>
-                  </a:txBody>
-                  <a:tcPr>
-                    <a:solidFill>
-                      <a:schemeClr val="accent6">
-                        <a:lumMod val="20000"/>
-                        <a:lumOff val="80000"/>
-                      </a:schemeClr>
-                    </a:solidFill>
-                  </a:tcPr>
-                </a:tc>
-                <a:extLst>
-                  <a:ext uri="{0D108BD9-81ED-4DB2-BD59-A6C34878D82A}">
-                    <a16:rowId xmlns:a16="http://schemas.microsoft.com/office/drawing/2014/main" val="1878318573"/>
-                  </a:ext>
-                </a:extLst>
-              </a:tr>
-              <a:tr h="294398">
-                <a:tc>
-                  <a:txBody>
-                    <a:bodyPr/>
-                    <a:lstStyle/>
-                    <a:p>
-                      <a:r>
-                        <a:rPr lang="en-US" b="0" dirty="0"/>
-                        <a:t>m</a:t>
-                      </a:r>
-                    </a:p>
-                  </a:txBody>
-                  <a:tcPr>
-                    <a:solidFill>
-                      <a:schemeClr val="accent6">
-                        <a:lumMod val="20000"/>
-                        <a:lumOff val="80000"/>
-                      </a:schemeClr>
-                    </a:solidFill>
-                  </a:tcPr>
-                </a:tc>
-                <a:tc>
-                  <a:txBody>
-                    <a:bodyPr/>
-                    <a:lstStyle/>
-                    <a:p>
-                      <a:r>
-                        <a:rPr lang="en-US" b="0" dirty="0"/>
-                        <a:t>1000</a:t>
-                      </a:r>
-                    </a:p>
-                  </a:txBody>
-                  <a:tcPr>
-                    <a:solidFill>
-                      <a:schemeClr val="accent6">
-                        <a:lumMod val="20000"/>
-                        <a:lumOff val="80000"/>
-                      </a:schemeClr>
-                    </a:solidFill>
-                  </a:tcPr>
-                </a:tc>
-                <a:extLst>
-                  <a:ext uri="{0D108BD9-81ED-4DB2-BD59-A6C34878D82A}">
-                    <a16:rowId xmlns:a16="http://schemas.microsoft.com/office/drawing/2014/main" val="1911588720"/>
-                  </a:ext>
-                </a:extLst>
-              </a:tr>
-            </a:tbl>
-          </a:graphicData>
-        </a:graphic>
-      </p:graphicFrame>
       <p:cxnSp>
         <p:nvCxnSpPr>
           <p:cNvPr id="14" name="Straight Arrow Connector 13">
@@ -9092,8 +9643,8 @@
             </a:extLst>
           </p:cNvPr>
           <p:cNvCxnSpPr>
+            <a:cxnSpLocks/>
             <a:stCxn id="10" idx="2"/>
-            <a:endCxn id="12" idx="0"/>
           </p:cNvCxnSpPr>
           <p:nvPr/>
         </p:nvCxnSpPr>
@@ -9166,88 +9717,191 @@
           </a:fontRef>
         </p:style>
       </p:cxnSp>
-      <p:cxnSp>
-        <p:nvCxnSpPr>
-          <p:cNvPr id="19" name="Straight Connector 18">
+      <p:sp>
+        <p:nvSpPr>
+          <p:cNvPr id="5" name="TextBox 4">
             <a:extLst>
               <a:ext uri="{FF2B5EF4-FFF2-40B4-BE49-F238E27FC236}">
-                <a16:creationId xmlns:a16="http://schemas.microsoft.com/office/drawing/2014/main" id="{C464B923-9DD1-6A4C-8EB4-6470E697F375}"/>
+                <a16:creationId xmlns:a16="http://schemas.microsoft.com/office/drawing/2014/main" id="{34AED769-D2EE-564E-AE69-C39851199DF2}"/>
               </a:ext>
             </a:extLst>
           </p:cNvPr>
-          <p:cNvCxnSpPr/>
+          <p:cNvSpPr txBox="1"/>
           <p:nvPr/>
-        </p:nvCxnSpPr>
-        <p:spPr>
-          <a:xfrm flipH="1">
-            <a:off x="9984828" y="3984939"/>
-            <a:ext cx="1898778" cy="2731171"/>
-          </a:xfrm>
-          <a:prstGeom prst="line">
+        </p:nvSpPr>
+        <p:spPr>
+          <a:xfrm>
+            <a:off x="9870036" y="3916982"/>
+            <a:ext cx="2129134" cy="369332"/>
+          </a:xfrm>
+          <a:prstGeom prst="rect">
             <a:avLst/>
           </a:prstGeom>
-          <a:ln w="38100">
-            <a:solidFill>
-              <a:srgbClr val="FF0000"/>
-            </a:solidFill>
-          </a:ln>
-        </p:spPr>
-        <p:style>
-          <a:lnRef idx="1">
-            <a:schemeClr val="accent1"/>
-          </a:lnRef>
-          <a:fillRef idx="0">
-            <a:schemeClr val="accent1"/>
-          </a:fillRef>
-          <a:effectRef idx="0">
-            <a:schemeClr val="accent1"/>
-          </a:effectRef>
-          <a:fontRef idx="minor">
-            <a:schemeClr val="tx1"/>
-          </a:fontRef>
-        </p:style>
-      </p:cxnSp>
-      <p:cxnSp>
-        <p:nvCxnSpPr>
-          <p:cNvPr id="21" name="Straight Connector 20">
+          <a:noFill/>
+        </p:spPr>
+        <p:txBody>
+          <a:bodyPr wrap="square" rtlCol="0">
+            <a:spAutoFit/>
+          </a:bodyPr>
+          <a:lstStyle/>
+          <a:p>
+            <a:r>
+              <a:rPr lang="en-US" i="1" dirty="0"/>
+              <a:t>no bindings yet</a:t>
+            </a:r>
+          </a:p>
+        </p:txBody>
+      </p:sp>
+      <p:sp>
+        <p:nvSpPr>
+          <p:cNvPr id="6" name="TextBox 5">
             <a:extLst>
               <a:ext uri="{FF2B5EF4-FFF2-40B4-BE49-F238E27FC236}">
-                <a16:creationId xmlns:a16="http://schemas.microsoft.com/office/drawing/2014/main" id="{575BCEC0-0D78-D64D-82C6-E65D2DED2CA9}"/>
+                <a16:creationId xmlns:a16="http://schemas.microsoft.com/office/drawing/2014/main" id="{A9F6BF05-5BA7-4C4B-9763-196A276A580A}"/>
               </a:ext>
             </a:extLst>
           </p:cNvPr>
-          <p:cNvCxnSpPr/>
+          <p:cNvSpPr txBox="1"/>
           <p:nvPr/>
-        </p:nvCxnSpPr>
-        <p:spPr>
-          <a:xfrm flipH="1" flipV="1">
-            <a:off x="10089931" y="3804746"/>
-            <a:ext cx="1793675" cy="2816771"/>
-          </a:xfrm>
-          <a:prstGeom prst="line">
+        </p:nvSpPr>
+        <p:spPr>
+          <a:xfrm>
+            <a:off x="6683549" y="4497661"/>
+            <a:ext cx="5298245" cy="2123658"/>
+          </a:xfrm>
+          <a:prstGeom prst="rect">
             <a:avLst/>
           </a:prstGeom>
-          <a:ln w="38100">
+          <a:solidFill>
+            <a:schemeClr val="bg2">
+              <a:lumMod val="75000"/>
+            </a:schemeClr>
+          </a:solidFill>
+          <a:ln>
             <a:solidFill>
-              <a:srgbClr val="FF0000"/>
+              <a:srgbClr val="FFFF00"/>
             </a:solidFill>
           </a:ln>
         </p:spPr>
-        <p:style>
-          <a:lnRef idx="1">
-            <a:schemeClr val="accent1"/>
-          </a:lnRef>
-          <a:fillRef idx="0">
-            <a:schemeClr val="accent1"/>
-          </a:fillRef>
-          <a:effectRef idx="0">
-            <a:schemeClr val="accent1"/>
-          </a:effectRef>
-          <a:fontRef idx="minor">
-            <a:schemeClr val="tx1"/>
-          </a:fontRef>
-        </p:style>
-      </p:cxnSp>
+        <p:txBody>
+          <a:bodyPr wrap="none" rtlCol="0">
+            <a:spAutoFit/>
+          </a:bodyPr>
+          <a:lstStyle/>
+          <a:p>
+            <a:r>
+              <a:rPr lang="en-US" sz="1200" dirty="0">
+                <a:latin typeface="Andale Mono" panose="020B0509000000000004" pitchFamily="49" charset="0"/>
+              </a:rPr>
+              <a:t>Program</a:t>
+            </a:r>
+          </a:p>
+          <a:p>
+            <a:r>
+              <a:rPr lang="en-US" sz="1200" dirty="0">
+                <a:latin typeface="Andale Mono" panose="020B0509000000000004" pitchFamily="49" charset="0"/>
+              </a:rPr>
+              <a:t>%%%</a:t>
+            </a:r>
+          </a:p>
+          <a:p>
+            <a:endParaRPr lang="en-US" sz="1200" dirty="0">
+              <a:latin typeface="Andale Mono" panose="020B0509000000000004" pitchFamily="49" charset="0"/>
+            </a:endParaRPr>
+          </a:p>
+          <a:p>
+            <a:r>
+              <a:rPr lang="en-US" sz="1200" dirty="0">
+                <a:latin typeface="Andale Mono" panose="020B0509000000000004" pitchFamily="49" charset="0"/>
+              </a:rPr>
+              <a:t>    //// **** Note that this class is abstract. ****</a:t>
+            </a:r>
+          </a:p>
+          <a:p>
+            <a:endParaRPr lang="en-US" sz="1200" dirty="0">
+              <a:latin typeface="Andale Mono" panose="020B0509000000000004" pitchFamily="49" charset="0"/>
+            </a:endParaRPr>
+          </a:p>
+          <a:p>
+            <a:r>
+              <a:rPr lang="en-US" sz="1200" dirty="0">
+                <a:latin typeface="Andale Mono" panose="020B0509000000000004" pitchFamily="49" charset="0"/>
+              </a:rPr>
+              <a:t>    public static </a:t>
+            </a:r>
+            <a:r>
+              <a:rPr lang="en-US" sz="1200" dirty="0" err="1">
+                <a:latin typeface="Andale Mono" panose="020B0509000000000004" pitchFamily="49" charset="0"/>
+              </a:rPr>
+              <a:t>Env</a:t>
+            </a:r>
+            <a:r>
+              <a:rPr lang="en-US" sz="1200" dirty="0">
+                <a:latin typeface="Andale Mono" panose="020B0509000000000004" pitchFamily="49" charset="0"/>
+              </a:rPr>
+              <a:t> </a:t>
+            </a:r>
+            <a:r>
+              <a:rPr lang="en-US" sz="1200" dirty="0" err="1">
+                <a:latin typeface="Andale Mono" panose="020B0509000000000004" pitchFamily="49" charset="0"/>
+              </a:rPr>
+              <a:t>initEnv</a:t>
+            </a:r>
+            <a:r>
+              <a:rPr lang="en-US" sz="1200" dirty="0">
+                <a:latin typeface="Andale Mono" panose="020B0509000000000004" pitchFamily="49" charset="0"/>
+              </a:rPr>
+              <a:t> = </a:t>
+            </a:r>
+            <a:r>
+              <a:rPr lang="en-US" sz="1200" dirty="0" err="1">
+                <a:latin typeface="Andale Mono" panose="020B0509000000000004" pitchFamily="49" charset="0"/>
+              </a:rPr>
+              <a:t>Env.ENV_NULL.extendEnv</a:t>
+            </a:r>
+            <a:r>
+              <a:rPr lang="en-US" sz="1200" dirty="0">
+                <a:latin typeface="Andale Mono" panose="020B0509000000000004" pitchFamily="49" charset="0"/>
+              </a:rPr>
+              <a:t>(</a:t>
+            </a:r>
+          </a:p>
+          <a:p>
+            <a:r>
+              <a:rPr lang="en-US" sz="1200" dirty="0">
+                <a:latin typeface="Andale Mono" panose="020B0509000000000004" pitchFamily="49" charset="0"/>
+              </a:rPr>
+              <a:t>            new Bindings( new LinkedList&lt;&gt;() )</a:t>
+            </a:r>
+          </a:p>
+          <a:p>
+            <a:r>
+              <a:rPr lang="en-US" sz="1200" dirty="0">
+                <a:latin typeface="Andale Mono" panose="020B0509000000000004" pitchFamily="49" charset="0"/>
+              </a:rPr>
+              <a:t>    );</a:t>
+            </a:r>
+          </a:p>
+          <a:p>
+            <a:endParaRPr lang="en-US" sz="1200" dirty="0">
+              <a:latin typeface="Andale Mono" panose="020B0509000000000004" pitchFamily="49" charset="0"/>
+            </a:endParaRPr>
+          </a:p>
+          <a:p>
+            <a:r>
+              <a:rPr lang="en-US" sz="1200" dirty="0">
+                <a:latin typeface="Andale Mono" panose="020B0509000000000004" pitchFamily="49" charset="0"/>
+              </a:rPr>
+              <a:t>%%%</a:t>
+            </a:r>
+          </a:p>
+          <a:p>
+            <a:endParaRPr lang="en-US" sz="1200" dirty="0">
+              <a:latin typeface="Andale Mono" panose="020B0509000000000004" pitchFamily="49" charset="0"/>
+            </a:endParaRPr>
+          </a:p>
+        </p:txBody>
+      </p:sp>
     </p:spTree>
     <p:extLst>
       <p:ext uri="{BB962C8B-B14F-4D97-AF65-F5344CB8AC3E}">
@@ -9472,7 +10126,7 @@
                                 </p:cTn>
                               </p:par>
                               <p:par>
-                                <p:cTn id="22" presetID="9" presetClass="entr" presetSubtype="0" fill="hold" nodeType="withEffect">
+                                <p:cTn id="22" presetID="1" presetClass="entr" presetSubtype="0" fill="hold" grpId="0" nodeType="withEffect">
                                   <p:stCondLst>
                                     <p:cond delay="0"/>
                                   </p:stCondLst>
@@ -9485,87 +10139,7 @@
                                           </p:stCondLst>
                                         </p:cTn>
                                         <p:tgtEl>
-                                          <p:spTgt spid="12"/>
-                                        </p:tgtEl>
-                                        <p:attrNameLst>
-                                          <p:attrName>style.visibility</p:attrName>
-                                        </p:attrNameLst>
-                                      </p:cBhvr>
-                                      <p:to>
-                                        <p:strVal val="visible"/>
-                                      </p:to>
-                                    </p:set>
-                                    <p:animEffect transition="in" filter="dissolve">
-                                      <p:cBhvr>
-                                        <p:cTn id="24" dur="500"/>
-                                        <p:tgtEl>
-                                          <p:spTgt spid="12"/>
-                                        </p:tgtEl>
-                                      </p:cBhvr>
-                                    </p:animEffect>
-                                  </p:childTnLst>
-                                </p:cTn>
-                              </p:par>
-                            </p:childTnLst>
-                          </p:cTn>
-                        </p:par>
-                      </p:childTnLst>
-                    </p:cTn>
-                  </p:par>
-                  <p:par>
-                    <p:cTn id="25" fill="hold">
-                      <p:stCondLst>
-                        <p:cond delay="indefinite"/>
-                      </p:stCondLst>
-                      <p:childTnLst>
-                        <p:par>
-                          <p:cTn id="26" fill="hold">
-                            <p:stCondLst>
-                              <p:cond delay="0"/>
-                            </p:stCondLst>
-                            <p:childTnLst>
-                              <p:par>
-                                <p:cTn id="27" presetID="1" presetClass="entr" presetSubtype="0" fill="hold" nodeType="clickEffect">
-                                  <p:stCondLst>
-                                    <p:cond delay="0"/>
-                                  </p:stCondLst>
-                                  <p:childTnLst>
-                                    <p:set>
-                                      <p:cBhvr>
-                                        <p:cTn id="28" dur="1" fill="hold">
-                                          <p:stCondLst>
-                                            <p:cond delay="0"/>
-                                          </p:stCondLst>
-                                        </p:cTn>
-                                        <p:tgtEl>
-                                          <p:spTgt spid="21"/>
-                                        </p:tgtEl>
-                                        <p:attrNameLst>
-                                          <p:attrName>style.visibility</p:attrName>
-                                        </p:attrNameLst>
-                                      </p:cBhvr>
-                                      <p:to>
-                                        <p:strVal val="visible"/>
-                                      </p:to>
-                                    </p:set>
-                                  </p:childTnLst>
-                                </p:cTn>
-                              </p:par>
-                              <p:par>
-                                <p:cTn id="29" presetID="1" presetClass="entr" presetSubtype="0" fill="hold" nodeType="withEffect">
-                                  <p:stCondLst>
-                                    <p:cond delay="0"/>
-                                  </p:stCondLst>
-                                  <p:childTnLst>
-                                    <p:set>
-                                      <p:cBhvr>
-                                        <p:cTn id="30" dur="1" fill="hold">
-                                          <p:stCondLst>
-                                            <p:cond delay="0"/>
-                                          </p:stCondLst>
-                                        </p:cTn>
-                                        <p:tgtEl>
-                                          <p:spTgt spid="19"/>
+                                          <p:spTgt spid="6"/>
                                         </p:tgtEl>
                                         <p:attrNameLst>
                                           <p:attrName>style.visibility</p:attrName>
@@ -9609,12 +10183,13 @@
       <p:bldP spid="8" grpId="0"/>
       <p:bldP spid="9" grpId="0" animBg="1"/>
       <p:bldP spid="10" grpId="0" animBg="1"/>
+      <p:bldP spid="6" grpId="0" animBg="1"/>
     </p:bldLst>
   </p:timing>
 </p:sld>
 </file>
 
-<file path=ppt/slides/slide11.xml><?xml version="1.0" encoding="utf-8"?>
+<file path=ppt/slides/slide12.xml><?xml version="1.0" encoding="utf-8"?>
 <p:sld xmlns:a="http://schemas.openxmlformats.org/drawingml/2006/main" xmlns:r="http://schemas.openxmlformats.org/officeDocument/2006/relationships" xmlns:p="http://schemas.openxmlformats.org/presentationml/2006/main">
   <p:cSld>
     <p:spTree>
@@ -9903,9 +10478,9 @@
           <a:bodyPr/>
           <a:lstStyle/>
           <a:p>
-            <a:fld id="{B49021CA-4C20-F94D-84BA-4854C7257AF8}" type="datetime1">
+            <a:fld id="{3D89AA05-475C-A84C-AAEC-DFA336A5DA11}" type="datetime1">
               <a:rPr lang="en-US" smtClean="0"/>
-              <a:t>9/23/20</a:t>
+              <a:t>3/9/21</a:t>
             </a:fld>
             <a:endParaRPr lang="en-US"/>
           </a:p>
@@ -10158,277 +10733,6 @@
 </p:sld>
 </file>
 
-<file path=ppt/slides/slide12.xml><?xml version="1.0" encoding="utf-8"?>
-<p:sld xmlns:a="http://schemas.openxmlformats.org/drawingml/2006/main" xmlns:r="http://schemas.openxmlformats.org/officeDocument/2006/relationships" xmlns:p="http://schemas.openxmlformats.org/presentationml/2006/main">
-  <p:cSld>
-    <p:spTree>
-      <p:nvGrpSpPr>
-        <p:cNvPr id="1" name=""/>
-        <p:cNvGrpSpPr/>
-        <p:nvPr/>
-      </p:nvGrpSpPr>
-      <p:grpSpPr>
-        <a:xfrm>
-          <a:off x="0" y="0"/>
-          <a:ext cx="0" cy="0"/>
-          <a:chOff x="0" y="0"/>
-          <a:chExt cx="0" cy="0"/>
-        </a:xfrm>
-      </p:grpSpPr>
-      <p:sp>
-        <p:nvSpPr>
-          <p:cNvPr id="2" name="Title 1">
-            <a:extLst>
-              <a:ext uri="{FF2B5EF4-FFF2-40B4-BE49-F238E27FC236}">
-                <a16:creationId xmlns:a16="http://schemas.microsoft.com/office/drawing/2014/main" id="{520BE40D-FA6A-3E4B-B66B-DE2884465F66}"/>
-              </a:ext>
-            </a:extLst>
-          </p:cNvPr>
-          <p:cNvSpPr>
-            <a:spLocks noGrp="1"/>
-          </p:cNvSpPr>
-          <p:nvPr>
-            <p:ph type="title"/>
-          </p:nvPr>
-        </p:nvSpPr>
-        <p:spPr/>
-        <p:txBody>
-          <a:bodyPr/>
-          <a:lstStyle/>
-          <a:p>
-            <a:r>
-              <a:rPr lang="en-US" dirty="0"/>
-              <a:t>The New </a:t>
-            </a:r>
-            <a:r>
-              <a:rPr lang="en-US" dirty="0" err="1">
-                <a:latin typeface="Andale Mono" panose="020B0509000000000004" pitchFamily="49" charset="0"/>
-              </a:rPr>
-              <a:t>Env</a:t>
-            </a:r>
-            <a:r>
-              <a:rPr lang="en-US" dirty="0"/>
-              <a:t> (</a:t>
-            </a:r>
-            <a:r>
-              <a:rPr lang="en-US" dirty="0" err="1">
-                <a:latin typeface="Andale Mono" panose="020B0509000000000004" pitchFamily="49" charset="0"/>
-              </a:rPr>
-              <a:t>EnvNode</a:t>
-            </a:r>
-            <a:r>
-              <a:rPr lang="en-US" dirty="0"/>
-              <a:t>) Method </a:t>
-            </a:r>
-            <a:r>
-              <a:rPr lang="en-US" dirty="0" err="1">
-                <a:latin typeface="Andale Mono" panose="020B0509000000000004" pitchFamily="49" charset="0"/>
-              </a:rPr>
-              <a:t>addFirst</a:t>
-            </a:r>
-            <a:endParaRPr lang="en-US" dirty="0">
-              <a:latin typeface="Andale Mono" panose="020B0509000000000004" pitchFamily="49" charset="0"/>
-            </a:endParaRPr>
-          </a:p>
-        </p:txBody>
-      </p:sp>
-      <p:sp>
-        <p:nvSpPr>
-          <p:cNvPr id="3" name="Content Placeholder 2">
-            <a:extLst>
-              <a:ext uri="{FF2B5EF4-FFF2-40B4-BE49-F238E27FC236}">
-                <a16:creationId xmlns:a16="http://schemas.microsoft.com/office/drawing/2014/main" id="{ADB7A7C4-5571-BA42-AFAE-A3C9A1F50E6C}"/>
-              </a:ext>
-            </a:extLst>
-          </p:cNvPr>
-          <p:cNvSpPr>
-            <a:spLocks noGrp="1"/>
-          </p:cNvSpPr>
-          <p:nvPr>
-            <p:ph idx="1"/>
-          </p:nvPr>
-        </p:nvSpPr>
-        <p:spPr/>
-        <p:txBody>
-          <a:bodyPr>
-            <a:normAutofit lnSpcReduction="10000"/>
-          </a:bodyPr>
-          <a:lstStyle/>
-          <a:p>
-            <a:pPr marL="0" indent="0">
-              <a:buNone/>
-            </a:pPr>
-            <a:endParaRPr lang="en-US" dirty="0"/>
-          </a:p>
-          <a:p>
-            <a:pPr marL="0" indent="0">
-              <a:buNone/>
-            </a:pPr>
-            <a:r>
-              <a:rPr lang="en-US" dirty="0">
-                <a:latin typeface="Andale Mono" panose="020B0509000000000004" pitchFamily="49" charset="0"/>
-              </a:rPr>
-              <a:t>/**</a:t>
-            </a:r>
-          </a:p>
-          <a:p>
-            <a:pPr marL="0" indent="0">
-              <a:buNone/>
-            </a:pPr>
-            <a:r>
-              <a:rPr lang="en-US" dirty="0">
-                <a:latin typeface="Andale Mono" panose="020B0509000000000004" pitchFamily="49" charset="0"/>
-              </a:rPr>
-              <a:t> * Add a new binding to the front of this</a:t>
-            </a:r>
-          </a:p>
-          <a:p>
-            <a:pPr marL="0" indent="0">
-              <a:buNone/>
-            </a:pPr>
-            <a:r>
-              <a:rPr lang="en-US" dirty="0">
-                <a:latin typeface="Andale Mono" panose="020B0509000000000004" pitchFamily="49" charset="0"/>
-              </a:rPr>
-              <a:t> * environment's existing ones.</a:t>
-            </a:r>
-          </a:p>
-          <a:p>
-            <a:pPr marL="0" indent="0">
-              <a:buNone/>
-            </a:pPr>
-            <a:r>
-              <a:rPr lang="en-US" dirty="0">
-                <a:latin typeface="Andale Mono" panose="020B0509000000000004" pitchFamily="49" charset="0"/>
-              </a:rPr>
-              <a:t> */</a:t>
-            </a:r>
-          </a:p>
-          <a:p>
-            <a:pPr marL="0" indent="0">
-              <a:buNone/>
-            </a:pPr>
-            <a:r>
-              <a:rPr lang="en-US" dirty="0">
-                <a:latin typeface="Andale Mono" panose="020B0509000000000004" pitchFamily="49" charset="0"/>
-              </a:rPr>
-              <a:t>public void </a:t>
-            </a:r>
-            <a:r>
-              <a:rPr lang="en-US" dirty="0" err="1">
-                <a:latin typeface="Andale Mono" panose="020B0509000000000004" pitchFamily="49" charset="0"/>
-              </a:rPr>
-              <a:t>addFirst</a:t>
-            </a:r>
-            <a:r>
-              <a:rPr lang="en-US" dirty="0">
-                <a:latin typeface="Andale Mono" panose="020B0509000000000004" pitchFamily="49" charset="0"/>
-              </a:rPr>
-              <a:t>( Binding </a:t>
-            </a:r>
-            <a:r>
-              <a:rPr lang="en-US" dirty="0" err="1">
-                <a:latin typeface="Andale Mono" panose="020B0509000000000004" pitchFamily="49" charset="0"/>
-              </a:rPr>
-              <a:t>newBinding</a:t>
-            </a:r>
-            <a:r>
-              <a:rPr lang="en-US" dirty="0">
-                <a:latin typeface="Andale Mono" panose="020B0509000000000004" pitchFamily="49" charset="0"/>
-              </a:rPr>
-              <a:t> ) {</a:t>
-            </a:r>
-          </a:p>
-          <a:p>
-            <a:pPr marL="0" indent="0">
-              <a:buNone/>
-            </a:pPr>
-            <a:r>
-              <a:rPr lang="en-US" dirty="0">
-                <a:latin typeface="Andale Mono" panose="020B0509000000000004" pitchFamily="49" charset="0"/>
-              </a:rPr>
-              <a:t>    </a:t>
-            </a:r>
-            <a:r>
-              <a:rPr lang="en-US" dirty="0" err="1">
-                <a:latin typeface="Andale Mono" panose="020B0509000000000004" pitchFamily="49" charset="0"/>
-              </a:rPr>
-              <a:t>this.bindings.addFirst</a:t>
-            </a:r>
-            <a:r>
-              <a:rPr lang="en-US" dirty="0">
-                <a:latin typeface="Andale Mono" panose="020B0509000000000004" pitchFamily="49" charset="0"/>
-              </a:rPr>
-              <a:t>( </a:t>
-            </a:r>
-            <a:r>
-              <a:rPr lang="en-US" dirty="0" err="1">
-                <a:latin typeface="Andale Mono" panose="020B0509000000000004" pitchFamily="49" charset="0"/>
-              </a:rPr>
-              <a:t>newBinding</a:t>
-            </a:r>
-            <a:r>
-              <a:rPr lang="en-US" dirty="0">
-                <a:latin typeface="Andale Mono" panose="020B0509000000000004" pitchFamily="49" charset="0"/>
-              </a:rPr>
-              <a:t> );</a:t>
-            </a:r>
-          </a:p>
-          <a:p>
-            <a:pPr marL="0" indent="0">
-              <a:buNone/>
-            </a:pPr>
-            <a:r>
-              <a:rPr lang="en-US" dirty="0">
-                <a:latin typeface="Andale Mono" panose="020B0509000000000004" pitchFamily="49" charset="0"/>
-              </a:rPr>
-              <a:t>}</a:t>
-            </a:r>
-          </a:p>
-        </p:txBody>
-      </p:sp>
-      <p:sp>
-        <p:nvSpPr>
-          <p:cNvPr id="4" name="Date Placeholder 3">
-            <a:extLst>
-              <a:ext uri="{FF2B5EF4-FFF2-40B4-BE49-F238E27FC236}">
-                <a16:creationId xmlns:a16="http://schemas.microsoft.com/office/drawing/2014/main" id="{2AB7E80A-572E-A347-8916-F13416B7DF0E}"/>
-              </a:ext>
-            </a:extLst>
-          </p:cNvPr>
-          <p:cNvSpPr>
-            <a:spLocks noGrp="1"/>
-          </p:cNvSpPr>
-          <p:nvPr>
-            <p:ph type="dt" sz="half" idx="10"/>
-          </p:nvPr>
-        </p:nvSpPr>
-        <p:spPr/>
-        <p:txBody>
-          <a:bodyPr/>
-          <a:lstStyle/>
-          <a:p>
-            <a:fld id="{B8B85912-57B8-234B-8F8F-42424DAAB5BA}" type="datetime1">
-              <a:rPr lang="en-US" smtClean="0"/>
-              <a:t>9/23/20</a:t>
-            </a:fld>
-            <a:endParaRPr lang="en-US"/>
-          </a:p>
-        </p:txBody>
-      </p:sp>
-    </p:spTree>
-    <p:extLst>
-      <p:ext uri="{BB962C8B-B14F-4D97-AF65-F5344CB8AC3E}">
-        <p14:creationId xmlns:p14="http://schemas.microsoft.com/office/powerpoint/2010/main" val="3696589635"/>
-      </p:ext>
-    </p:extLst>
-  </p:cSld>
-  <p:clrMapOvr>
-    <a:masterClrMapping/>
-  </p:clrMapOvr>
-</p:sld>
-</file>
-
 <file path=ppt/slides/slide13.xml><?xml version="1.0" encoding="utf-8"?>
 <p:sld xmlns:a="http://schemas.openxmlformats.org/drawingml/2006/main" xmlns:r="http://schemas.openxmlformats.org/officeDocument/2006/relationships" xmlns:p="http://schemas.openxmlformats.org/presentationml/2006/main">
   <p:cSld>
@@ -10472,14 +10776,24 @@
               <a:t>The New </a:t>
             </a:r>
             <a:r>
-              <a:rPr lang="en-US" dirty="0">
-                <a:latin typeface="Andale Mono" panose="020B0509000000000004" pitchFamily="49" charset="0"/>
-              </a:rPr>
-              <a:t>Bindings</a:t>
+              <a:rPr lang="en-US" dirty="0" err="1">
+                <a:latin typeface="Andale Mono" panose="020B0509000000000004" pitchFamily="49" charset="0"/>
+              </a:rPr>
+              <a:t>Env</a:t>
             </a:r>
             <a:r>
               <a:rPr lang="en-US" dirty="0"/>
-              <a:t> Method </a:t>
+              <a:t> (</a:t>
+            </a:r>
+            <a:r>
+              <a:rPr lang="en-US" dirty="0" err="1">
+                <a:latin typeface="Andale Mono" panose="020B0509000000000004" pitchFamily="49" charset="0"/>
+              </a:rPr>
+              <a:t>EnvNode</a:t>
+            </a:r>
+            <a:r>
+              <a:rPr lang="en-US" dirty="0"/>
+              <a:t>) Method </a:t>
             </a:r>
             <a:r>
               <a:rPr lang="en-US" dirty="0" err="1">
@@ -10512,13 +10826,19 @@
         <p:spPr/>
         <p:txBody>
           <a:bodyPr>
-            <a:normAutofit/>
+            <a:normAutofit lnSpcReduction="10000"/>
           </a:bodyPr>
           <a:lstStyle/>
           <a:p>
             <a:pPr marL="0" indent="0">
               <a:buNone/>
             </a:pPr>
+            <a:endParaRPr lang="en-US" dirty="0"/>
+          </a:p>
+          <a:p>
+            <a:pPr marL="0" indent="0">
+              <a:buNone/>
+            </a:pPr>
             <a:r>
               <a:rPr lang="en-US" dirty="0">
                 <a:latin typeface="Andale Mono" panose="020B0509000000000004" pitchFamily="49" charset="0"/>
@@ -10534,19 +10854,64 @@
               <a:rPr lang="en-US" dirty="0">
                 <a:latin typeface="Andale Mono" panose="020B0509000000000004" pitchFamily="49" charset="0"/>
               </a:rPr>
-              <a:t> * Add a </a:t>
+              <a:t> * Add a new binding to the front of this</a:t>
+            </a:r>
+          </a:p>
+          <a:p>
+            <a:pPr marL="0" indent="0">
+              <a:buNone/>
+            </a:pPr>
+            <a:r>
+              <a:rPr lang="en-US" dirty="0">
+                <a:latin typeface="Andale Mono" panose="020B0509000000000004" pitchFamily="49" charset="0"/>
+              </a:rPr>
+              <a:t> * environment's existing ones.</a:t>
+            </a:r>
+          </a:p>
+          <a:p>
+            <a:pPr marL="0" indent="0">
+              <a:buNone/>
+            </a:pPr>
+            <a:r>
+              <a:rPr lang="en-US" dirty="0">
+                <a:latin typeface="Andale Mono" panose="020B0509000000000004" pitchFamily="49" charset="0"/>
+              </a:rPr>
+              <a:t> */</a:t>
+            </a:r>
+          </a:p>
+          <a:p>
+            <a:pPr marL="0" indent="0">
+              <a:buNone/>
+            </a:pPr>
+            <a:r>
+              <a:rPr lang="en-US" dirty="0">
+                <a:latin typeface="Andale Mono" panose="020B0509000000000004" pitchFamily="49" charset="0"/>
+              </a:rPr>
+              <a:t>public void </a:t>
             </a:r>
             <a:r>
               <a:rPr lang="en-US" dirty="0" err="1">
                 <a:latin typeface="Andale Mono" panose="020B0509000000000004" pitchFamily="49" charset="0"/>
               </a:rPr>
+              <a:t>addFirst</a:t>
+            </a:r>
+            <a:r>
+              <a:rPr lang="en-US" dirty="0">
+                <a:latin typeface="Andale Mono" panose="020B0509000000000004" pitchFamily="49" charset="0"/>
+              </a:rPr>
+              <a:t>( Binding </a:t>
+            </a:r>
+            <a:r>
+              <a:rPr lang="en-US" dirty="0" err="1">
+                <a:latin typeface="Andale Mono" panose="020B0509000000000004" pitchFamily="49" charset="0"/>
+              </a:rPr>
               <a:t>newBinding</a:t>
             </a:r>
             <a:r>
               <a:rPr lang="en-US" dirty="0">
                 <a:latin typeface="Andale Mono" panose="020B0509000000000004" pitchFamily="49" charset="0"/>
               </a:rPr>
-              <a:t> object to</a:t>
+              <a:t> ) {</a:t>
             </a:r>
           </a:p>
           <a:p>
@@ -10557,64 +10922,31 @@
               <a:rPr lang="en-US" dirty="0">
                 <a:latin typeface="Andale Mono" panose="020B0509000000000004" pitchFamily="49" charset="0"/>
               </a:rPr>
-              <a:t> * List of Bindings.</a:t>
-            </a:r>
-          </a:p>
-          <a:p>
-            <a:pPr marL="0" indent="0">
-              <a:buNone/>
-            </a:pPr>
+              <a:t>    </a:t>
+            </a:r>
+            <a:r>
+              <a:rPr lang="en-US" dirty="0" err="1">
+                <a:latin typeface="Andale Mono" panose="020B0509000000000004" pitchFamily="49" charset="0"/>
+              </a:rPr>
+              <a:t>this.bindings.addFirst</a:t>
+            </a:r>
             <a:r>
               <a:rPr lang="en-US" dirty="0">
                 <a:latin typeface="Andale Mono" panose="020B0509000000000004" pitchFamily="49" charset="0"/>
               </a:rPr>
-              <a:t> */</a:t>
-            </a:r>
-          </a:p>
-          <a:p>
-            <a:pPr marL="0" indent="0">
-              <a:buNone/>
-            </a:pPr>
+              <a:t>( </a:t>
+            </a:r>
+            <a:r>
+              <a:rPr lang="en-US" dirty="0" err="1">
+                <a:latin typeface="Andale Mono" panose="020B0509000000000004" pitchFamily="49" charset="0"/>
+              </a:rPr>
+              <a:t>newBinding</a:t>
+            </a:r>
             <a:r>
               <a:rPr lang="en-US" dirty="0">
                 <a:latin typeface="Andale Mono" panose="020B0509000000000004" pitchFamily="49" charset="0"/>
               </a:rPr>
-              <a:t>public void </a:t>
-            </a:r>
-            <a:r>
-              <a:rPr lang="en-US" dirty="0" err="1">
-                <a:latin typeface="Andale Mono" panose="020B0509000000000004" pitchFamily="49" charset="0"/>
-              </a:rPr>
-              <a:t>addFirst</a:t>
-            </a:r>
-            <a:r>
-              <a:rPr lang="en-US" dirty="0">
-                <a:latin typeface="Andale Mono" panose="020B0509000000000004" pitchFamily="49" charset="0"/>
-              </a:rPr>
-              <a:t>( Binding b ) {</a:t>
-            </a:r>
-          </a:p>
-          <a:p>
-            <a:pPr marL="0" indent="0">
-              <a:buNone/>
-            </a:pPr>
-            <a:r>
-              <a:rPr lang="en-US" dirty="0">
-                <a:latin typeface="Andale Mono" panose="020B0509000000000004" pitchFamily="49" charset="0"/>
-              </a:rPr>
-              <a:t>    </a:t>
-            </a:r>
-            <a:r>
-              <a:rPr lang="en-US" dirty="0" err="1">
-                <a:latin typeface="Andale Mono" panose="020B0509000000000004" pitchFamily="49" charset="0"/>
-              </a:rPr>
-              <a:t>bindingList.add</a:t>
-            </a:r>
-            <a:r>
-              <a:rPr lang="en-US" dirty="0">
-                <a:latin typeface="Andale Mono" panose="020B0509000000000004" pitchFamily="49" charset="0"/>
-              </a:rPr>
-              <a:t>( 0, b );</a:t>
+              <a:t> );</a:t>
             </a:r>
           </a:p>
           <a:p>
@@ -10651,9 +10983,9 @@
           <a:bodyPr/>
           <a:lstStyle/>
           <a:p>
-            <a:fld id="{6450DA33-D819-7D40-8D15-24495A23CAA4}" type="datetime1">
+            <a:fld id="{8BDAC35C-771A-764D-BCAC-C14F7B7E693A}" type="datetime1">
               <a:rPr lang="en-US" smtClean="0"/>
-              <a:t>9/23/20</a:t>
+              <a:t>3/9/21</a:t>
             </a:fld>
             <a:endParaRPr lang="en-US"/>
           </a:p>
@@ -10662,7 +10994,7 @@
     </p:spTree>
     <p:extLst>
       <p:ext uri="{BB962C8B-B14F-4D97-AF65-F5344CB8AC3E}">
-        <p14:creationId xmlns:p14="http://schemas.microsoft.com/office/powerpoint/2010/main" val="726609780"/>
+        <p14:creationId xmlns:p14="http://schemas.microsoft.com/office/powerpoint/2010/main" val="3696589635"/>
       </p:ext>
     </p:extLst>
   </p:cSld>
@@ -10694,7 +11026,7 @@
           <p:cNvPr id="2" name="Title 1">
             <a:extLst>
               <a:ext uri="{FF2B5EF4-FFF2-40B4-BE49-F238E27FC236}">
-                <a16:creationId xmlns:a16="http://schemas.microsoft.com/office/drawing/2014/main" id="{3F301FFE-A105-B94B-8F69-FB4AA18EA61B}"/>
+                <a16:creationId xmlns:a16="http://schemas.microsoft.com/office/drawing/2014/main" id="{520BE40D-FA6A-3E4B-B66B-DE2884465F66}"/>
               </a:ext>
             </a:extLst>
           </p:cNvPr>
@@ -10712,8 +11044,27 @@
           <a:p>
             <a:r>
               <a:rPr lang="en-US" dirty="0"/>
-              <a:t>Another Example</a:t>
-            </a:r>
+              <a:t>The New </a:t>
+            </a:r>
+            <a:r>
+              <a:rPr lang="en-US" dirty="0">
+                <a:latin typeface="Andale Mono" panose="020B0509000000000004" pitchFamily="49" charset="0"/>
+              </a:rPr>
+              <a:t>Bindings</a:t>
+            </a:r>
+            <a:r>
+              <a:rPr lang="en-US" dirty="0"/>
+              <a:t> Method </a:t>
+            </a:r>
+            <a:r>
+              <a:rPr lang="en-US" dirty="0" err="1">
+                <a:latin typeface="Andale Mono" panose="020B0509000000000004" pitchFamily="49" charset="0"/>
+              </a:rPr>
+              <a:t>addFirst</a:t>
+            </a:r>
+            <a:endParaRPr lang="en-US" dirty="0">
+              <a:latin typeface="Andale Mono" panose="020B0509000000000004" pitchFamily="49" charset="0"/>
+            </a:endParaRPr>
           </a:p>
         </p:txBody>
       </p:sp>
@@ -10722,7 +11073,7 @@
           <p:cNvPr id="3" name="Content Placeholder 2">
             <a:extLst>
               <a:ext uri="{FF2B5EF4-FFF2-40B4-BE49-F238E27FC236}">
-                <a16:creationId xmlns:a16="http://schemas.microsoft.com/office/drawing/2014/main" id="{572EFD51-9379-3E4A-8B71-C97C133C1EB0}"/>
+                <a16:creationId xmlns:a16="http://schemas.microsoft.com/office/drawing/2014/main" id="{ADB7A7C4-5571-BA42-AFAE-A3C9A1F50E6C}"/>
               </a:ext>
             </a:extLst>
           </p:cNvPr>
@@ -10733,12 +11084,7 @@
             <p:ph idx="1"/>
           </p:nvPr>
         </p:nvSpPr>
-        <p:spPr>
-          <a:xfrm>
-            <a:off x="680321" y="2336873"/>
-            <a:ext cx="11203285" cy="3599316"/>
-          </a:xfrm>
-        </p:spPr>
+        <p:spPr/>
         <p:txBody>
           <a:bodyPr>
             <a:normAutofit/>
@@ -10752,7 +11098,7 @@
               <a:rPr lang="en-US" dirty="0">
                 <a:latin typeface="Andale Mono" panose="020B0509000000000004" pitchFamily="49" charset="0"/>
               </a:rPr>
-              <a:t>$ rep</a:t>
+              <a:t>/**</a:t>
             </a:r>
           </a:p>
           <a:p>
@@ -10763,7 +11109,19 @@
               <a:rPr lang="en-US" dirty="0">
                 <a:latin typeface="Andale Mono" panose="020B0509000000000004" pitchFamily="49" charset="0"/>
               </a:rPr>
-              <a:t>--&gt; define z = 5</a:t>
+              <a:t> * Add a </a:t>
+            </a:r>
+            <a:r>
+              <a:rPr lang="en-US" dirty="0" err="1">
+                <a:latin typeface="Andale Mono" panose="020B0509000000000004" pitchFamily="49" charset="0"/>
+              </a:rPr>
+              <a:t>newBinding</a:t>
+            </a:r>
+            <a:r>
+              <a:rPr lang="en-US" dirty="0">
+                <a:latin typeface="Andale Mono" panose="020B0509000000000004" pitchFamily="49" charset="0"/>
+              </a:rPr>
+              <a:t> object to</a:t>
             </a:r>
           </a:p>
           <a:p>
@@ -10774,7 +11132,7 @@
               <a:rPr lang="en-US" dirty="0">
                 <a:latin typeface="Andale Mono" panose="020B0509000000000004" pitchFamily="49" charset="0"/>
               </a:rPr>
-              <a:t>z set to 5</a:t>
+              <a:t> * List of Bindings.</a:t>
             </a:r>
           </a:p>
           <a:p>
@@ -10785,7 +11143,7 @@
               <a:rPr lang="en-US" dirty="0">
                 <a:latin typeface="Andale Mono" panose="020B0509000000000004" pitchFamily="49" charset="0"/>
               </a:rPr>
-              <a:t>--&gt; define double = proc(x) *(x,2)</a:t>
+              <a:t> */</a:t>
             </a:r>
           </a:p>
           <a:p>
@@ -10796,31 +11154,42 @@
               <a:rPr lang="en-US" dirty="0">
                 <a:latin typeface="Andale Mono" panose="020B0509000000000004" pitchFamily="49" charset="0"/>
               </a:rPr>
-              <a:t>double set to CLOSURE&lt;</a:t>
-            </a:r>
-            <a:r>
-              <a:rPr lang="el-GR" dirty="0">
-                <a:latin typeface="Andale Mono" panose="020B0509000000000004" pitchFamily="49" charset="0"/>
-              </a:rPr>
-              <a:t>λ(</a:t>
+              <a:t>public void </a:t>
+            </a:r>
+            <a:r>
+              <a:rPr lang="en-US" dirty="0" err="1">
+                <a:latin typeface="Andale Mono" panose="020B0509000000000004" pitchFamily="49" charset="0"/>
+              </a:rPr>
+              <a:t>addFirst</a:t>
             </a:r>
             <a:r>
               <a:rPr lang="en-US" dirty="0">
                 <a:latin typeface="Andale Mono" panose="020B0509000000000004" pitchFamily="49" charset="0"/>
               </a:rPr>
-              <a:t>x) { return *(x,2) },</a:t>
+              <a:t>( Binding b ) {</a:t>
+            </a:r>
+          </a:p>
+          <a:p>
+            <a:pPr marL="0" indent="0">
+              <a:buNone/>
+            </a:pPr>
+            <a:r>
+              <a:rPr lang="en-US" dirty="0">
+                <a:latin typeface="Andale Mono" panose="020B0509000000000004" pitchFamily="49" charset="0"/>
+              </a:rPr>
+              <a:t>    </a:t>
             </a:r>
             <a:r>
               <a:rPr lang="en-US" dirty="0" err="1">
                 <a:latin typeface="Andale Mono" panose="020B0509000000000004" pitchFamily="49" charset="0"/>
               </a:rPr>
-              <a:t>env</a:t>
+              <a:t>bindingList.add</a:t>
             </a:r>
             <a:r>
               <a:rPr lang="en-US" dirty="0">
                 <a:latin typeface="Andale Mono" panose="020B0509000000000004" pitchFamily="49" charset="0"/>
               </a:rPr>
-              <a:t> not shown&gt;</a:t>
+              <a:t>( 0, b );</a:t>
             </a:r>
           </a:p>
           <a:p>
@@ -10831,18 +11200,7 @@
               <a:rPr lang="en-US" dirty="0">
                 <a:latin typeface="Andale Mono" panose="020B0509000000000004" pitchFamily="49" charset="0"/>
               </a:rPr>
-              <a:t>--&gt; .double(z)</a:t>
-            </a:r>
-          </a:p>
-          <a:p>
-            <a:pPr marL="0" indent="0">
-              <a:buNone/>
-            </a:pPr>
-            <a:r>
-              <a:rPr lang="en-US" dirty="0">
-                <a:latin typeface="Andale Mono" panose="020B0509000000000004" pitchFamily="49" charset="0"/>
-              </a:rPr>
-              <a:t>10</a:t>
+              <a:t>}</a:t>
             </a:r>
           </a:p>
         </p:txBody>
@@ -10852,7 +11210,7 @@
           <p:cNvPr id="4" name="Date Placeholder 3">
             <a:extLst>
               <a:ext uri="{FF2B5EF4-FFF2-40B4-BE49-F238E27FC236}">
-                <a16:creationId xmlns:a16="http://schemas.microsoft.com/office/drawing/2014/main" id="{C460692F-C8D8-0544-94DD-AE329063BE1C}"/>
+                <a16:creationId xmlns:a16="http://schemas.microsoft.com/office/drawing/2014/main" id="{2AB7E80A-572E-A347-8916-F13416B7DF0E}"/>
               </a:ext>
             </a:extLst>
           </p:cNvPr>
@@ -10868,9 +11226,9 @@
           <a:bodyPr/>
           <a:lstStyle/>
           <a:p>
-            <a:fld id="{E94FE9A0-9F1C-864D-9B5F-0A8AFC819710}" type="datetime1">
+            <a:fld id="{14C2F4D2-BF84-E54B-9873-88057B4B9D1E}" type="datetime1">
               <a:rPr lang="en-US" smtClean="0"/>
-              <a:t>9/23/20</a:t>
+              <a:t>3/9/21</a:t>
             </a:fld>
             <a:endParaRPr lang="en-US"/>
           </a:p>
@@ -10879,7 +11237,7 @@
     </p:spTree>
     <p:extLst>
       <p:ext uri="{BB962C8B-B14F-4D97-AF65-F5344CB8AC3E}">
-        <p14:creationId xmlns:p14="http://schemas.microsoft.com/office/powerpoint/2010/main" val="2262334496"/>
+        <p14:creationId xmlns:p14="http://schemas.microsoft.com/office/powerpoint/2010/main" val="726609780"/>
       </p:ext>
     </p:extLst>
   </p:cSld>
@@ -10911,7 +11269,7 @@
           <p:cNvPr id="2" name="Title 1">
             <a:extLst>
               <a:ext uri="{FF2B5EF4-FFF2-40B4-BE49-F238E27FC236}">
-                <a16:creationId xmlns:a16="http://schemas.microsoft.com/office/drawing/2014/main" id="{6EFBF593-AEEC-DD4E-9D33-1C2A9F335AB0}"/>
+                <a16:creationId xmlns:a16="http://schemas.microsoft.com/office/drawing/2014/main" id="{3F301FFE-A105-B94B-8F69-FB4AA18EA61B}"/>
               </a:ext>
             </a:extLst>
           </p:cNvPr>
@@ -10929,7 +11287,7 @@
           <a:p>
             <a:r>
               <a:rPr lang="en-US" dirty="0"/>
-              <a:t>Storing Definitions in Files</a:t>
+              <a:t>Another Example</a:t>
             </a:r>
           </a:p>
         </p:txBody>
@@ -10939,7 +11297,7 @@
           <p:cNvPr id="3" name="Content Placeholder 2">
             <a:extLst>
               <a:ext uri="{FF2B5EF4-FFF2-40B4-BE49-F238E27FC236}">
-                <a16:creationId xmlns:a16="http://schemas.microsoft.com/office/drawing/2014/main" id="{C331C7C7-0B96-7149-ADD2-EFE279E78E1E}"/>
+                <a16:creationId xmlns:a16="http://schemas.microsoft.com/office/drawing/2014/main" id="{572EFD51-9379-3E4A-8B71-C97C133C1EB0}"/>
               </a:ext>
             </a:extLst>
           </p:cNvPr>
@@ -10953,12 +11311,12 @@
         <p:spPr>
           <a:xfrm>
             <a:off x="680321" y="2336873"/>
-            <a:ext cx="10444879" cy="3599316"/>
+            <a:ext cx="11203285" cy="3599316"/>
           </a:xfrm>
         </p:spPr>
         <p:txBody>
           <a:bodyPr>
-            <a:normAutofit fontScale="92500"/>
+            <a:normAutofit/>
           </a:bodyPr>
           <a:lstStyle/>
           <a:p>
@@ -10969,19 +11327,75 @@
               <a:rPr lang="en-US" dirty="0">
                 <a:latin typeface="Andale Mono" panose="020B0509000000000004" pitchFamily="49" charset="0"/>
               </a:rPr>
-              <a:t>define fact = proc(n) if n then *(</a:t>
+              <a:t>$ rep</a:t>
+            </a:r>
+          </a:p>
+          <a:p>
+            <a:pPr marL="0" indent="0">
+              <a:buNone/>
+            </a:pPr>
+            <a:r>
+              <a:rPr lang="en-US" dirty="0">
+                <a:latin typeface="Andale Mono" panose="020B0509000000000004" pitchFamily="49" charset="0"/>
+              </a:rPr>
+              <a:t>--&gt; define z = 5</a:t>
+            </a:r>
+          </a:p>
+          <a:p>
+            <a:pPr marL="0" indent="0">
+              <a:buNone/>
+            </a:pPr>
+            <a:r>
+              <a:rPr lang="en-US" dirty="0">
+                <a:latin typeface="Andale Mono" panose="020B0509000000000004" pitchFamily="49" charset="0"/>
+              </a:rPr>
+              <a:t>z set to 5</a:t>
+            </a:r>
+          </a:p>
+          <a:p>
+            <a:pPr marL="0" indent="0">
+              <a:buNone/>
+            </a:pPr>
+            <a:r>
+              <a:rPr lang="en-US" dirty="0">
+                <a:latin typeface="Andale Mono" panose="020B0509000000000004" pitchFamily="49" charset="0"/>
+              </a:rPr>
+              <a:t>--&gt; define double = proc(x) *(x,2)</a:t>
+            </a:r>
+          </a:p>
+          <a:p>
+            <a:pPr marL="0" indent="0">
+              <a:buNone/>
+            </a:pPr>
+            <a:r>
+              <a:rPr lang="en-US" dirty="0">
+                <a:latin typeface="Andale Mono" panose="020B0509000000000004" pitchFamily="49" charset="0"/>
+              </a:rPr>
+              <a:t>double set to CLOSURE&lt;</a:t>
+            </a:r>
+            <a:r>
+              <a:rPr lang="el-GR" dirty="0">
+                <a:latin typeface="Andale Mono" panose="020B0509000000000004" pitchFamily="49" charset="0"/>
+              </a:rPr>
+              <a:t>λ(</a:t>
+            </a:r>
+            <a:r>
+              <a:rPr lang="en-US" dirty="0">
+                <a:latin typeface="Andale Mono" panose="020B0509000000000004" pitchFamily="49" charset="0"/>
+              </a:rPr>
+              <a:t>x) { return *(x,2) },</a:t>
             </a:r>
             <a:r>
               <a:rPr lang="en-US" dirty="0" err="1">
                 <a:latin typeface="Andale Mono" panose="020B0509000000000004" pitchFamily="49" charset="0"/>
               </a:rPr>
-              <a:t>n,.fact</a:t>
+              <a:t>env</a:t>
             </a:r>
             <a:r>
               <a:rPr lang="en-US" dirty="0">
                 <a:latin typeface="Andale Mono" panose="020B0509000000000004" pitchFamily="49" charset="0"/>
               </a:rPr>
-              <a:t>(sub1(n))) else 1</a:t>
+              <a:t> not shown&gt;</a:t>
             </a:r>
           </a:p>
           <a:p>
@@ -10992,7 +11406,7 @@
               <a:rPr lang="en-US" dirty="0">
                 <a:latin typeface="Andale Mono" panose="020B0509000000000004" pitchFamily="49" charset="0"/>
               </a:rPr>
-              <a:t>define hundred = 100</a:t>
+              <a:t>--&gt; .double(z)</a:t>
             </a:r>
           </a:p>
           <a:p>
@@ -11003,60 +11417,8 @@
               <a:rPr lang="en-US" dirty="0">
                 <a:latin typeface="Andale Mono" panose="020B0509000000000004" pitchFamily="49" charset="0"/>
               </a:rPr>
-              <a:t>define even? = proc(x) if zero?(x) then 1 else .odd?(sub1(x))</a:t>
-            </a:r>
-          </a:p>
-          <a:p>
-            <a:pPr marL="0" indent="0">
-              <a:buNone/>
-            </a:pPr>
-            <a:r>
-              <a:rPr lang="en-US" dirty="0">
-                <a:latin typeface="Andale Mono" panose="020B0509000000000004" pitchFamily="49" charset="0"/>
-              </a:rPr>
-              <a:t>define odd? = proc(x) if zero?(x) then 0 else .even?(sub1(x))</a:t>
-            </a:r>
-          </a:p>
-          <a:p>
-            <a:pPr marL="0" indent="0">
-              <a:buNone/>
-            </a:pPr>
-            <a:r>
-              <a:rPr lang="en-US" dirty="0">
-                <a:latin typeface="Andale Mono" panose="020B0509000000000004" pitchFamily="49" charset="0"/>
-              </a:rPr>
-              <a:t>define venti = 20</a:t>
-            </a:r>
-          </a:p>
-          <a:p>
-            <a:pPr marL="0" indent="0">
-              <a:buNone/>
-            </a:pPr>
-            <a:r>
-              <a:rPr lang="en-US" dirty="0">
-                <a:latin typeface="Andale Mono" panose="020B0509000000000004" pitchFamily="49" charset="0"/>
-              </a:rPr>
-              <a:t>define z = 5</a:t>
-            </a:r>
-          </a:p>
-          <a:p>
-            <a:pPr marL="0" indent="0">
-              <a:buNone/>
-            </a:pPr>
-            <a:r>
-              <a:rPr lang="en-US" dirty="0">
-                <a:latin typeface="Andale Mono" panose="020B0509000000000004" pitchFamily="49" charset="0"/>
-              </a:rPr>
-              <a:t>define double = proc(x) *(x,2)</a:t>
-            </a:r>
-          </a:p>
-          <a:p>
-            <a:pPr marL="0" indent="0">
-              <a:buNone/>
-            </a:pPr>
-            <a:endParaRPr lang="en-US" dirty="0">
-              <a:latin typeface="Andale Mono" panose="020B0509000000000004" pitchFamily="49" charset="0"/>
-            </a:endParaRPr>
+              <a:t>10</a:t>
+            </a:r>
           </a:p>
         </p:txBody>
       </p:sp>
@@ -11065,7 +11427,7 @@
           <p:cNvPr id="4" name="Date Placeholder 3">
             <a:extLst>
               <a:ext uri="{FF2B5EF4-FFF2-40B4-BE49-F238E27FC236}">
-                <a16:creationId xmlns:a16="http://schemas.microsoft.com/office/drawing/2014/main" id="{1AC3327D-8AFC-C447-A283-76A2C555F000}"/>
+                <a16:creationId xmlns:a16="http://schemas.microsoft.com/office/drawing/2014/main" id="{C460692F-C8D8-0544-94DD-AE329063BE1C}"/>
               </a:ext>
             </a:extLst>
           </p:cNvPr>
@@ -11081,53 +11443,18 @@
           <a:bodyPr/>
           <a:lstStyle/>
           <a:p>
-            <a:fld id="{D7FE19EE-6A1A-EE4B-89E4-91320E74E143}" type="datetime1">
+            <a:fld id="{77FFB6BD-7685-DA4B-93E7-FF503BAB09DC}" type="datetime1">
               <a:rPr lang="en-US" smtClean="0"/>
-              <a:t>9/23/20</a:t>
+              <a:t>3/9/21</a:t>
             </a:fld>
             <a:endParaRPr lang="en-US"/>
-          </a:p>
-        </p:txBody>
-      </p:sp>
-      <p:sp>
-        <p:nvSpPr>
-          <p:cNvPr id="7" name="TextBox 6">
-            <a:extLst>
-              <a:ext uri="{FF2B5EF4-FFF2-40B4-BE49-F238E27FC236}">
-                <a16:creationId xmlns:a16="http://schemas.microsoft.com/office/drawing/2014/main" id="{14538162-3D51-3A49-A339-0B224C6A0E8C}"/>
-              </a:ext>
-            </a:extLst>
-          </p:cNvPr>
-          <p:cNvSpPr txBox="1"/>
-          <p:nvPr/>
-        </p:nvSpPr>
-        <p:spPr>
-          <a:xfrm>
-            <a:off x="4509098" y="1602417"/>
-            <a:ext cx="978153" cy="369332"/>
-          </a:xfrm>
-          <a:prstGeom prst="rect">
-            <a:avLst/>
-          </a:prstGeom>
-          <a:noFill/>
-        </p:spPr>
-        <p:txBody>
-          <a:bodyPr wrap="none" rtlCol="0">
-            <a:spAutoFit/>
-          </a:bodyPr>
-          <a:lstStyle/>
-          <a:p>
-            <a:r>
-              <a:rPr lang="en-US" b="1" dirty="0"/>
-              <a:t>defs.v6</a:t>
-            </a:r>
           </a:p>
         </p:txBody>
       </p:sp>
     </p:spTree>
     <p:extLst>
       <p:ext uri="{BB962C8B-B14F-4D97-AF65-F5344CB8AC3E}">
-        <p14:creationId xmlns:p14="http://schemas.microsoft.com/office/powerpoint/2010/main" val="2992371177"/>
+        <p14:creationId xmlns:p14="http://schemas.microsoft.com/office/powerpoint/2010/main" val="2262334496"/>
       </p:ext>
     </p:extLst>
   </p:cSld>
@@ -11156,10 +11483,10 @@
       </p:grpSpPr>
       <p:sp>
         <p:nvSpPr>
-          <p:cNvPr id="7" name="Title 6">
+          <p:cNvPr id="2" name="Title 1">
             <a:extLst>
               <a:ext uri="{FF2B5EF4-FFF2-40B4-BE49-F238E27FC236}">
-                <a16:creationId xmlns:a16="http://schemas.microsoft.com/office/drawing/2014/main" id="{C02E6066-BD1E-3040-B301-6002C87CABD9}"/>
+                <a16:creationId xmlns:a16="http://schemas.microsoft.com/office/drawing/2014/main" id="{6EFBF593-AEEC-DD4E-9D33-1C2A9F335AB0}"/>
               </a:ext>
             </a:extLst>
           </p:cNvPr>
@@ -11177,17 +11504,17 @@
           <a:p>
             <a:r>
               <a:rPr lang="en-US" dirty="0"/>
-              <a:t>Samples of Execution</a:t>
-            </a:r>
-          </a:p>
-        </p:txBody>
-      </p:sp>
-      <p:sp>
-        <p:nvSpPr>
-          <p:cNvPr id="8" name="Content Placeholder 7">
+              <a:t>Storing Definitions in Files</a:t>
+            </a:r>
+          </a:p>
+        </p:txBody>
+      </p:sp>
+      <p:sp>
+        <p:nvSpPr>
+          <p:cNvPr id="3" name="Content Placeholder 2">
             <a:extLst>
               <a:ext uri="{FF2B5EF4-FFF2-40B4-BE49-F238E27FC236}">
-                <a16:creationId xmlns:a16="http://schemas.microsoft.com/office/drawing/2014/main" id="{902DE614-8D8A-BF43-8182-D20D00F90D29}"/>
+                <a16:creationId xmlns:a16="http://schemas.microsoft.com/office/drawing/2014/main" id="{C331C7C7-0B96-7149-ADD2-EFE279E78E1E}"/>
               </a:ext>
             </a:extLst>
           </p:cNvPr>
@@ -11195,23 +11522,18 @@
             <a:spLocks noGrp="1"/>
           </p:cNvSpPr>
           <p:nvPr>
-            <p:ph sz="half" idx="1"/>
-          </p:nvPr>
-        </p:nvSpPr>
-        <p:spPr>
-          <a:xfrm>
-            <a:off x="680319" y="2336873"/>
-            <a:ext cx="6245413" cy="3599316"/>
-          </a:xfrm>
-          <a:ln w="19050">
-            <a:solidFill>
-              <a:schemeClr val="bg1"/>
-            </a:solidFill>
-          </a:ln>
+            <p:ph idx="1"/>
+          </p:nvPr>
+        </p:nvSpPr>
+        <p:spPr>
+          <a:xfrm>
+            <a:off x="680321" y="2336873"/>
+            <a:ext cx="10444879" cy="3599316"/>
+          </a:xfrm>
         </p:spPr>
         <p:txBody>
           <a:bodyPr>
-            <a:noAutofit/>
+            <a:normAutofit fontScale="92500"/>
           </a:bodyPr>
           <a:lstStyle/>
           <a:p>
@@ -11219,10 +11541,22 @@
               <a:buNone/>
             </a:pPr>
             <a:r>
-              <a:rPr lang="en-US" sz="1600" dirty="0">
-                <a:latin typeface="Andale Mono" panose="020B0509000000000004" pitchFamily="49" charset="0"/>
-              </a:rPr>
-              <a:t>$ rep defs.v6 </a:t>
+              <a:rPr lang="en-US" dirty="0">
+                <a:latin typeface="Andale Mono" panose="020B0509000000000004" pitchFamily="49" charset="0"/>
+              </a:rPr>
+              <a:t>define fact = proc(n) if n then *(</a:t>
+            </a:r>
+            <a:r>
+              <a:rPr lang="en-US" dirty="0" err="1">
+                <a:latin typeface="Andale Mono" panose="020B0509000000000004" pitchFamily="49" charset="0"/>
+              </a:rPr>
+              <a:t>n,.fact</a:t>
+            </a:r>
+            <a:r>
+              <a:rPr lang="en-US" dirty="0">
+                <a:latin typeface="Andale Mono" panose="020B0509000000000004" pitchFamily="49" charset="0"/>
+              </a:rPr>
+              <a:t>(sub1(n))) else 1</a:t>
             </a:r>
           </a:p>
           <a:p>
@@ -11230,34 +11564,10 @@
               <a:buNone/>
             </a:pPr>
             <a:r>
-              <a:rPr lang="en-US" sz="1600" dirty="0">
-                <a:latin typeface="Andale Mono" panose="020B0509000000000004" pitchFamily="49" charset="0"/>
-              </a:rPr>
-              <a:t>fact set to CLOSURE&lt;</a:t>
-            </a:r>
-            <a:r>
-              <a:rPr lang="el-GR" sz="1600" dirty="0">
-                <a:latin typeface="Andale Mono" panose="020B0509000000000004" pitchFamily="49" charset="0"/>
-              </a:rPr>
-              <a:t>λ(</a:t>
-            </a:r>
-            <a:r>
-              <a:rPr lang="en-US" sz="1600" dirty="0">
-                <a:latin typeface="Andale Mono" panose="020B0509000000000004" pitchFamily="49" charset="0"/>
-              </a:rPr>
-              <a:t>n) { return n ? *(</a:t>
-            </a:r>
-            <a:r>
-              <a:rPr lang="en-US" sz="1600" dirty="0" err="1">
-                <a:latin typeface="Andale Mono" panose="020B0509000000000004" pitchFamily="49" charset="0"/>
-              </a:rPr>
-              <a:t>n,CALL</a:t>
-            </a:r>
-            <a:r>
-              <a:rPr lang="en-US" sz="1600" dirty="0">
-                <a:latin typeface="Andale Mono" panose="020B0509000000000004" pitchFamily="49" charset="0"/>
-              </a:rPr>
-              <a:t> [fact](sub1(n))) : 1 },..</a:t>
+              <a:rPr lang="en-US" dirty="0">
+                <a:latin typeface="Andale Mono" panose="020B0509000000000004" pitchFamily="49" charset="0"/>
+              </a:rPr>
+              <a:t>define hundred = 100</a:t>
             </a:r>
           </a:p>
           <a:p>
@@ -11265,10 +11575,10 @@
               <a:buNone/>
             </a:pPr>
             <a:r>
-              <a:rPr lang="en-US" sz="1600" dirty="0">
-                <a:latin typeface="Andale Mono" panose="020B0509000000000004" pitchFamily="49" charset="0"/>
-              </a:rPr>
-              <a:t>hundred set to 100</a:t>
+              <a:rPr lang="en-US" dirty="0">
+                <a:latin typeface="Andale Mono" panose="020B0509000000000004" pitchFamily="49" charset="0"/>
+              </a:rPr>
+              <a:t>define even? = proc(x) if zero?(x) then 1 else .odd?(sub1(x))</a:t>
             </a:r>
           </a:p>
           <a:p>
@@ -11276,22 +11586,10 @@
               <a:buNone/>
             </a:pPr>
             <a:r>
-              <a:rPr lang="en-US" sz="1600" dirty="0">
-                <a:latin typeface="Andale Mono" panose="020B0509000000000004" pitchFamily="49" charset="0"/>
-              </a:rPr>
-              <a:t>even? set to CLOSURE&lt;</a:t>
-            </a:r>
-            <a:r>
-              <a:rPr lang="el-GR" sz="1600" dirty="0">
-                <a:latin typeface="Andale Mono" panose="020B0509000000000004" pitchFamily="49" charset="0"/>
-              </a:rPr>
-              <a:t>λ(</a:t>
-            </a:r>
-            <a:r>
-              <a:rPr lang="en-US" sz="1600" dirty="0">
-                <a:latin typeface="Andale Mono" panose="020B0509000000000004" pitchFamily="49" charset="0"/>
-              </a:rPr>
-              <a:t>x) { return sub1(x) ? 1 : CALL [odd?](sub1(x)) },.</a:t>
+              <a:rPr lang="en-US" dirty="0">
+                <a:latin typeface="Andale Mono" panose="020B0509000000000004" pitchFamily="49" charset="0"/>
+              </a:rPr>
+              <a:t>define odd? = proc(x) if zero?(x) then 0 else .even?(sub1(x))</a:t>
             </a:r>
           </a:p>
           <a:p>
@@ -11299,22 +11597,10 @@
               <a:buNone/>
             </a:pPr>
             <a:r>
-              <a:rPr lang="en-US" sz="1600" dirty="0">
-                <a:latin typeface="Andale Mono" panose="020B0509000000000004" pitchFamily="49" charset="0"/>
-              </a:rPr>
-              <a:t>odd? set to CLOSURE&lt;</a:t>
-            </a:r>
-            <a:r>
-              <a:rPr lang="el-GR" sz="1600" dirty="0">
-                <a:latin typeface="Andale Mono" panose="020B0509000000000004" pitchFamily="49" charset="0"/>
-              </a:rPr>
-              <a:t>λ(</a:t>
-            </a:r>
-            <a:r>
-              <a:rPr lang="en-US" sz="1600" dirty="0">
-                <a:latin typeface="Andale Mono" panose="020B0509000000000004" pitchFamily="49" charset="0"/>
-              </a:rPr>
-              <a:t>x) { return sub1(x) ? 0 : CALL [even?](sub1(x)) },..</a:t>
+              <a:rPr lang="en-US" dirty="0">
+                <a:latin typeface="Andale Mono" panose="020B0509000000000004" pitchFamily="49" charset="0"/>
+              </a:rPr>
+              <a:t>define venti = 20</a:t>
             </a:r>
           </a:p>
           <a:p>
@@ -11322,10 +11608,10 @@
               <a:buNone/>
             </a:pPr>
             <a:r>
-              <a:rPr lang="en-US" sz="1600" dirty="0">
-                <a:latin typeface="Andale Mono" panose="020B0509000000000004" pitchFamily="49" charset="0"/>
-              </a:rPr>
-              <a:t>venti set to 20</a:t>
+              <a:rPr lang="en-US" dirty="0">
+                <a:latin typeface="Andale Mono" panose="020B0509000000000004" pitchFamily="49" charset="0"/>
+              </a:rPr>
+              <a:t>define z = 5</a:t>
             </a:r>
           </a:p>
           <a:p>
@@ -11333,43 +11619,28 @@
               <a:buNone/>
             </a:pPr>
             <a:r>
-              <a:rPr lang="en-US" sz="1600" dirty="0">
-                <a:latin typeface="Andale Mono" panose="020B0509000000000004" pitchFamily="49" charset="0"/>
-              </a:rPr>
-              <a:t>z set to 5</a:t>
+              <a:rPr lang="en-US" dirty="0">
+                <a:latin typeface="Andale Mono" panose="020B0509000000000004" pitchFamily="49" charset="0"/>
+              </a:rPr>
+              <a:t>define double = proc(x) *(x,2)</a:t>
             </a:r>
           </a:p>
           <a:p>
             <a:pPr marL="0" indent="0">
               <a:buNone/>
             </a:pPr>
-            <a:r>
-              <a:rPr lang="en-US" sz="1600" dirty="0">
-                <a:latin typeface="Andale Mono" panose="020B0509000000000004" pitchFamily="49" charset="0"/>
-              </a:rPr>
-              <a:t>double set to CLOSURE&lt;</a:t>
-            </a:r>
-            <a:r>
-              <a:rPr lang="el-GR" sz="1600" dirty="0">
-                <a:latin typeface="Andale Mono" panose="020B0509000000000004" pitchFamily="49" charset="0"/>
-              </a:rPr>
-              <a:t>λ(</a:t>
-            </a:r>
-            <a:r>
-              <a:rPr lang="en-US" sz="1600" dirty="0">
-                <a:latin typeface="Andale Mono" panose="020B0509000000000004" pitchFamily="49" charset="0"/>
-              </a:rPr>
-              <a:t>x) { return *(x,2) },..</a:t>
-            </a:r>
-          </a:p>
-        </p:txBody>
-      </p:sp>
-      <p:sp>
-        <p:nvSpPr>
-          <p:cNvPr id="9" name="Content Placeholder 8">
+            <a:endParaRPr lang="en-US" dirty="0">
+              <a:latin typeface="Andale Mono" panose="020B0509000000000004" pitchFamily="49" charset="0"/>
+            </a:endParaRPr>
+          </a:p>
+        </p:txBody>
+      </p:sp>
+      <p:sp>
+        <p:nvSpPr>
+          <p:cNvPr id="4" name="Date Placeholder 3">
             <a:extLst>
               <a:ext uri="{FF2B5EF4-FFF2-40B4-BE49-F238E27FC236}">
-                <a16:creationId xmlns:a16="http://schemas.microsoft.com/office/drawing/2014/main" id="{4D35DE7A-88DE-F548-BB04-54CAB370B105}"/>
+                <a16:creationId xmlns:a16="http://schemas.microsoft.com/office/drawing/2014/main" id="{1AC3327D-8AFC-C447-A283-76A2C555F000}"/>
               </a:ext>
             </a:extLst>
           </p:cNvPr>
@@ -11377,170 +11648,61 @@
             <a:spLocks noGrp="1"/>
           </p:cNvSpPr>
           <p:nvPr>
-            <p:ph sz="half" idx="2"/>
-          </p:nvPr>
-        </p:nvSpPr>
-        <p:spPr>
-          <a:xfrm>
-            <a:off x="7213599" y="2336873"/>
-            <a:ext cx="3080581" cy="3599316"/>
-          </a:xfrm>
-          <a:ln w="19050">
-            <a:solidFill>
-              <a:schemeClr val="bg1"/>
-            </a:solidFill>
-          </a:ln>
-        </p:spPr>
-        <p:txBody>
-          <a:bodyPr>
-            <a:normAutofit/>
-          </a:bodyPr>
+            <p:ph type="dt" sz="half" idx="10"/>
+          </p:nvPr>
+        </p:nvSpPr>
+        <p:spPr/>
+        <p:txBody>
+          <a:bodyPr/>
           <a:lstStyle/>
           <a:p>
-            <a:pPr marL="0" indent="0">
-              <a:buNone/>
-            </a:pPr>
-            <a:r>
-              <a:rPr lang="en-US" sz="1600" dirty="0">
-                <a:latin typeface="Andale Mono" panose="020B0509000000000004" pitchFamily="49" charset="0"/>
-              </a:rPr>
-              <a:t>--&gt; .even?(z)</a:t>
-            </a:r>
-          </a:p>
-          <a:p>
-            <a:pPr marL="0" indent="0">
-              <a:buNone/>
-            </a:pPr>
-            <a:r>
-              <a:rPr lang="en-US" sz="1600" dirty="0">
-                <a:latin typeface="Andale Mono" panose="020B0509000000000004" pitchFamily="49" charset="0"/>
-              </a:rPr>
-              <a:t>0</a:t>
-            </a:r>
-          </a:p>
-          <a:p>
-            <a:pPr marL="0" indent="0">
-              <a:buNone/>
-            </a:pPr>
-            <a:r>
-              <a:rPr lang="en-US" sz="1600" dirty="0">
-                <a:latin typeface="Andale Mono" panose="020B0509000000000004" pitchFamily="49" charset="0"/>
-              </a:rPr>
-              <a:t>--&gt; .even?(.double(z))</a:t>
-            </a:r>
-          </a:p>
-          <a:p>
-            <a:pPr marL="0" indent="0">
-              <a:buNone/>
-            </a:pPr>
-            <a:r>
-              <a:rPr lang="en-US" sz="1600" dirty="0">
-                <a:latin typeface="Andale Mono" panose="020B0509000000000004" pitchFamily="49" charset="0"/>
-              </a:rPr>
-              <a:t>1</a:t>
-            </a:r>
-          </a:p>
-          <a:p>
-            <a:pPr marL="0" indent="0">
-              <a:buNone/>
-            </a:pPr>
-            <a:r>
-              <a:rPr lang="en-US" sz="1600" dirty="0">
-                <a:latin typeface="Andale Mono" panose="020B0509000000000004" pitchFamily="49" charset="0"/>
-              </a:rPr>
-              <a:t>--&gt; .fact(5)</a:t>
-            </a:r>
-          </a:p>
-          <a:p>
-            <a:pPr marL="0" indent="0">
-              <a:buNone/>
-            </a:pPr>
-            <a:r>
-              <a:rPr lang="en-US" sz="1600" dirty="0">
-                <a:latin typeface="Andale Mono" panose="020B0509000000000004" pitchFamily="49" charset="0"/>
-              </a:rPr>
-              <a:t>120</a:t>
-            </a:r>
-          </a:p>
-          <a:p>
-            <a:pPr marL="0" indent="0">
-              <a:buNone/>
-            </a:pPr>
-            <a:r>
-              <a:rPr lang="en-US" sz="1600" dirty="0">
-                <a:latin typeface="Andale Mono" panose="020B0509000000000004" pitchFamily="49" charset="0"/>
-              </a:rPr>
-              <a:t>--&gt; .fact(18)</a:t>
-            </a:r>
-          </a:p>
-          <a:p>
-            <a:pPr marL="0" indent="0">
-              <a:buNone/>
-            </a:pPr>
-            <a:r>
-              <a:rPr lang="en-US" sz="1600" dirty="0">
-                <a:latin typeface="Andale Mono" panose="020B0509000000000004" pitchFamily="49" charset="0"/>
-              </a:rPr>
-              <a:t>-898433024</a:t>
-            </a:r>
-          </a:p>
-          <a:p>
-            <a:pPr marL="0" indent="0">
-              <a:buNone/>
-            </a:pPr>
-            <a:r>
-              <a:rPr lang="en-US" sz="1600" dirty="0">
-                <a:latin typeface="Andale Mono" panose="020B0509000000000004" pitchFamily="49" charset="0"/>
-              </a:rPr>
-              <a:t>--&gt; .fact(16)</a:t>
-            </a:r>
-          </a:p>
-          <a:p>
-            <a:pPr marL="0" indent="0">
-              <a:buNone/>
-            </a:pPr>
-            <a:r>
-              <a:rPr lang="en-US" sz="1600" dirty="0">
-                <a:latin typeface="Andale Mono" panose="020B0509000000000004" pitchFamily="49" charset="0"/>
-              </a:rPr>
-              <a:t>2004189184</a:t>
-            </a:r>
-          </a:p>
-        </p:txBody>
-      </p:sp>
-      <p:sp>
-        <p:nvSpPr>
-          <p:cNvPr id="4" name="Date Placeholder 3">
+            <a:fld id="{677530C9-F46B-0842-AEF1-00F0064F430D}" type="datetime1">
+              <a:rPr lang="en-US" smtClean="0"/>
+              <a:t>3/9/21</a:t>
+            </a:fld>
+            <a:endParaRPr lang="en-US"/>
+          </a:p>
+        </p:txBody>
+      </p:sp>
+      <p:sp>
+        <p:nvSpPr>
+          <p:cNvPr id="7" name="TextBox 6">
             <a:extLst>
               <a:ext uri="{FF2B5EF4-FFF2-40B4-BE49-F238E27FC236}">
-                <a16:creationId xmlns:a16="http://schemas.microsoft.com/office/drawing/2014/main" id="{F5835B27-5E30-F44D-A575-AB8AF9C2CACF}"/>
+                <a16:creationId xmlns:a16="http://schemas.microsoft.com/office/drawing/2014/main" id="{14538162-3D51-3A49-A339-0B224C6A0E8C}"/>
               </a:ext>
             </a:extLst>
           </p:cNvPr>
-          <p:cNvSpPr>
-            <a:spLocks noGrp="1"/>
-          </p:cNvSpPr>
-          <p:nvPr>
-            <p:ph type="dt" sz="half" idx="10"/>
-          </p:nvPr>
-        </p:nvSpPr>
-        <p:spPr/>
-        <p:txBody>
-          <a:bodyPr/>
+          <p:cNvSpPr txBox="1"/>
+          <p:nvPr/>
+        </p:nvSpPr>
+        <p:spPr>
+          <a:xfrm>
+            <a:off x="4509098" y="1602417"/>
+            <a:ext cx="978153" cy="369332"/>
+          </a:xfrm>
+          <a:prstGeom prst="rect">
+            <a:avLst/>
+          </a:prstGeom>
+          <a:noFill/>
+        </p:spPr>
+        <p:txBody>
+          <a:bodyPr wrap="none" rtlCol="0">
+            <a:spAutoFit/>
+          </a:bodyPr>
           <a:lstStyle/>
           <a:p>
-            <a:fld id="{7A3DFD09-C7F5-6C49-9ED2-E70A079C2D8C}" type="datetime1">
-              <a:rPr lang="en-US" smtClean="0"/>
-              <a:t>9/23/20</a:t>
-            </a:fld>
-            <a:endParaRPr lang="en-US"/>
+            <a:r>
+              <a:rPr lang="en-US" b="1" dirty="0"/>
+              <a:t>defs.v6</a:t>
+            </a:r>
           </a:p>
         </p:txBody>
       </p:sp>
     </p:spTree>
     <p:extLst>
       <p:ext uri="{BB962C8B-B14F-4D97-AF65-F5344CB8AC3E}">
-        <p14:creationId xmlns:p14="http://schemas.microsoft.com/office/powerpoint/2010/main" val="2746279123"/>
+        <p14:creationId xmlns:p14="http://schemas.microsoft.com/office/powerpoint/2010/main" val="2992371177"/>
       </p:ext>
     </p:extLst>
   </p:cSld>
@@ -11569,10 +11731,10 @@
       </p:grpSpPr>
       <p:sp>
         <p:nvSpPr>
-          <p:cNvPr id="2" name="Title 1">
+          <p:cNvPr id="7" name="Title 6">
             <a:extLst>
               <a:ext uri="{FF2B5EF4-FFF2-40B4-BE49-F238E27FC236}">
-                <a16:creationId xmlns:a16="http://schemas.microsoft.com/office/drawing/2014/main" id="{4B9FDA56-4DB0-644A-885D-98611EE937CC}"/>
+                <a16:creationId xmlns:a16="http://schemas.microsoft.com/office/drawing/2014/main" id="{C02E6066-BD1E-3040-B301-6002C87CABD9}"/>
               </a:ext>
             </a:extLst>
           </p:cNvPr>
@@ -11590,17 +11752,17 @@
           <a:p>
             <a:r>
               <a:rPr lang="en-US" dirty="0"/>
-              <a:t>Thought Exercise</a:t>
-            </a:r>
-          </a:p>
-        </p:txBody>
-      </p:sp>
-      <p:sp>
-        <p:nvSpPr>
-          <p:cNvPr id="3" name="Content Placeholder 2">
+              <a:t>Samples of Execution</a:t>
+            </a:r>
+          </a:p>
+        </p:txBody>
+      </p:sp>
+      <p:sp>
+        <p:nvSpPr>
+          <p:cNvPr id="8" name="Content Placeholder 7">
             <a:extLst>
               <a:ext uri="{FF2B5EF4-FFF2-40B4-BE49-F238E27FC236}">
-                <a16:creationId xmlns:a16="http://schemas.microsoft.com/office/drawing/2014/main" id="{D3C253A9-3D93-3146-B425-7B915D03D108}"/>
+                <a16:creationId xmlns:a16="http://schemas.microsoft.com/office/drawing/2014/main" id="{902DE614-8D8A-BF43-8182-D20D00F90D29}"/>
               </a:ext>
             </a:extLst>
           </p:cNvPr>
@@ -11608,40 +11770,315 @@
             <a:spLocks noGrp="1"/>
           </p:cNvSpPr>
           <p:nvPr>
-            <p:ph idx="1"/>
-          </p:nvPr>
-        </p:nvSpPr>
-        <p:spPr/>
-        <p:txBody>
-          <a:bodyPr/>
+            <p:ph sz="half" idx="1"/>
+          </p:nvPr>
+        </p:nvSpPr>
+        <p:spPr>
+          <a:xfrm>
+            <a:off x="680319" y="2336873"/>
+            <a:ext cx="6245413" cy="3599316"/>
+          </a:xfrm>
+          <a:ln w="19050">
+            <a:solidFill>
+              <a:schemeClr val="bg1"/>
+            </a:solidFill>
+          </a:ln>
+        </p:spPr>
+        <p:txBody>
+          <a:bodyPr>
+            <a:noAutofit/>
+          </a:bodyPr>
           <a:lstStyle/>
           <a:p>
-            <a:r>
-              <a:rPr lang="en-US" dirty="0"/>
-              <a:t>Is it now possible to </a:t>
-            </a:r>
-            <a:r>
-              <a:rPr lang="en-US" i="1" dirty="0"/>
-              <a:t>re</a:t>
-            </a:r>
-            <a:r>
-              <a:rPr lang="en-US" dirty="0"/>
-              <a:t>define a variable?</a:t>
-            </a:r>
-          </a:p>
-          <a:p>
-            <a:endParaRPr lang="en-US" dirty="0"/>
-          </a:p>
-          <a:p>
-            <a:r>
-              <a:rPr lang="en-US" dirty="0"/>
-              <a:t>Come up with an answer, and give a reason.</a:t>
-            </a:r>
-          </a:p>
-          <a:p>
-            <a:r>
-              <a:rPr lang="en-US" dirty="0"/>
-              <a:t>Hand them in!</a:t>
+            <a:pPr marL="0" indent="0">
+              <a:buNone/>
+            </a:pPr>
+            <a:r>
+              <a:rPr lang="en-US" sz="1600" dirty="0">
+                <a:latin typeface="Andale Mono" panose="020B0509000000000004" pitchFamily="49" charset="0"/>
+              </a:rPr>
+              <a:t>$ rep defs.v6 </a:t>
+            </a:r>
+          </a:p>
+          <a:p>
+            <a:pPr marL="0" indent="0">
+              <a:buNone/>
+            </a:pPr>
+            <a:r>
+              <a:rPr lang="en-US" sz="1600" dirty="0">
+                <a:latin typeface="Andale Mono" panose="020B0509000000000004" pitchFamily="49" charset="0"/>
+              </a:rPr>
+              <a:t>fact set to CLOSURE&lt;</a:t>
+            </a:r>
+            <a:r>
+              <a:rPr lang="el-GR" sz="1600" dirty="0">
+                <a:latin typeface="Andale Mono" panose="020B0509000000000004" pitchFamily="49" charset="0"/>
+              </a:rPr>
+              <a:t>λ(</a:t>
+            </a:r>
+            <a:r>
+              <a:rPr lang="en-US" sz="1600" dirty="0">
+                <a:latin typeface="Andale Mono" panose="020B0509000000000004" pitchFamily="49" charset="0"/>
+              </a:rPr>
+              <a:t>n) { return n ? *(</a:t>
+            </a:r>
+            <a:r>
+              <a:rPr lang="en-US" sz="1600" dirty="0" err="1">
+                <a:latin typeface="Andale Mono" panose="020B0509000000000004" pitchFamily="49" charset="0"/>
+              </a:rPr>
+              <a:t>n,CALL</a:t>
+            </a:r>
+            <a:r>
+              <a:rPr lang="en-US" sz="1600" dirty="0">
+                <a:latin typeface="Andale Mono" panose="020B0509000000000004" pitchFamily="49" charset="0"/>
+              </a:rPr>
+              <a:t> [fact](sub1(n))) : 1 },..</a:t>
+            </a:r>
+          </a:p>
+          <a:p>
+            <a:pPr marL="0" indent="0">
+              <a:buNone/>
+            </a:pPr>
+            <a:r>
+              <a:rPr lang="en-US" sz="1600" dirty="0">
+                <a:latin typeface="Andale Mono" panose="020B0509000000000004" pitchFamily="49" charset="0"/>
+              </a:rPr>
+              <a:t>hundred set to 100</a:t>
+            </a:r>
+          </a:p>
+          <a:p>
+            <a:pPr marL="0" indent="0">
+              <a:buNone/>
+            </a:pPr>
+            <a:r>
+              <a:rPr lang="en-US" sz="1600" dirty="0">
+                <a:latin typeface="Andale Mono" panose="020B0509000000000004" pitchFamily="49" charset="0"/>
+              </a:rPr>
+              <a:t>even? set to CLOSURE&lt;</a:t>
+            </a:r>
+            <a:r>
+              <a:rPr lang="el-GR" sz="1600" dirty="0">
+                <a:latin typeface="Andale Mono" panose="020B0509000000000004" pitchFamily="49" charset="0"/>
+              </a:rPr>
+              <a:t>λ(</a:t>
+            </a:r>
+            <a:r>
+              <a:rPr lang="en-US" sz="1600" dirty="0">
+                <a:latin typeface="Andale Mono" panose="020B0509000000000004" pitchFamily="49" charset="0"/>
+              </a:rPr>
+              <a:t>x) { return sub1(x) ? 1 : CALL [odd?](sub1(x)) },.</a:t>
+            </a:r>
+          </a:p>
+          <a:p>
+            <a:pPr marL="0" indent="0">
+              <a:buNone/>
+            </a:pPr>
+            <a:r>
+              <a:rPr lang="en-US" sz="1600" dirty="0">
+                <a:latin typeface="Andale Mono" panose="020B0509000000000004" pitchFamily="49" charset="0"/>
+              </a:rPr>
+              <a:t>odd? set to CLOSURE&lt;</a:t>
+            </a:r>
+            <a:r>
+              <a:rPr lang="el-GR" sz="1600" dirty="0">
+                <a:latin typeface="Andale Mono" panose="020B0509000000000004" pitchFamily="49" charset="0"/>
+              </a:rPr>
+              <a:t>λ(</a:t>
+            </a:r>
+            <a:r>
+              <a:rPr lang="en-US" sz="1600" dirty="0">
+                <a:latin typeface="Andale Mono" panose="020B0509000000000004" pitchFamily="49" charset="0"/>
+              </a:rPr>
+              <a:t>x) { return sub1(x) ? 0 : CALL [even?](sub1(x)) },..</a:t>
+            </a:r>
+          </a:p>
+          <a:p>
+            <a:pPr marL="0" indent="0">
+              <a:buNone/>
+            </a:pPr>
+            <a:r>
+              <a:rPr lang="en-US" sz="1600" dirty="0">
+                <a:latin typeface="Andale Mono" panose="020B0509000000000004" pitchFamily="49" charset="0"/>
+              </a:rPr>
+              <a:t>venti set to 20</a:t>
+            </a:r>
+          </a:p>
+          <a:p>
+            <a:pPr marL="0" indent="0">
+              <a:buNone/>
+            </a:pPr>
+            <a:r>
+              <a:rPr lang="en-US" sz="1600" dirty="0">
+                <a:latin typeface="Andale Mono" panose="020B0509000000000004" pitchFamily="49" charset="0"/>
+              </a:rPr>
+              <a:t>z set to 5</a:t>
+            </a:r>
+          </a:p>
+          <a:p>
+            <a:pPr marL="0" indent="0">
+              <a:buNone/>
+            </a:pPr>
+            <a:r>
+              <a:rPr lang="en-US" sz="1600" dirty="0">
+                <a:latin typeface="Andale Mono" panose="020B0509000000000004" pitchFamily="49" charset="0"/>
+              </a:rPr>
+              <a:t>double set to CLOSURE&lt;</a:t>
+            </a:r>
+            <a:r>
+              <a:rPr lang="el-GR" sz="1600" dirty="0">
+                <a:latin typeface="Andale Mono" panose="020B0509000000000004" pitchFamily="49" charset="0"/>
+              </a:rPr>
+              <a:t>λ(</a:t>
+            </a:r>
+            <a:r>
+              <a:rPr lang="en-US" sz="1600" dirty="0">
+                <a:latin typeface="Andale Mono" panose="020B0509000000000004" pitchFamily="49" charset="0"/>
+              </a:rPr>
+              <a:t>x) { return *(x,2) },..</a:t>
+            </a:r>
+          </a:p>
+        </p:txBody>
+      </p:sp>
+      <p:sp>
+        <p:nvSpPr>
+          <p:cNvPr id="9" name="Content Placeholder 8">
+            <a:extLst>
+              <a:ext uri="{FF2B5EF4-FFF2-40B4-BE49-F238E27FC236}">
+                <a16:creationId xmlns:a16="http://schemas.microsoft.com/office/drawing/2014/main" id="{4D35DE7A-88DE-F548-BB04-54CAB370B105}"/>
+              </a:ext>
+            </a:extLst>
+          </p:cNvPr>
+          <p:cNvSpPr>
+            <a:spLocks noGrp="1"/>
+          </p:cNvSpPr>
+          <p:nvPr>
+            <p:ph sz="half" idx="2"/>
+          </p:nvPr>
+        </p:nvSpPr>
+        <p:spPr>
+          <a:xfrm>
+            <a:off x="7213599" y="2336873"/>
+            <a:ext cx="3080581" cy="3599316"/>
+          </a:xfrm>
+          <a:ln w="19050">
+            <a:solidFill>
+              <a:schemeClr val="bg1"/>
+            </a:solidFill>
+          </a:ln>
+        </p:spPr>
+        <p:txBody>
+          <a:bodyPr>
+            <a:normAutofit/>
+          </a:bodyPr>
+          <a:lstStyle/>
+          <a:p>
+            <a:pPr marL="0" indent="0">
+              <a:buNone/>
+            </a:pPr>
+            <a:r>
+              <a:rPr lang="en-US" sz="1600" dirty="0">
+                <a:latin typeface="Andale Mono" panose="020B0509000000000004" pitchFamily="49" charset="0"/>
+              </a:rPr>
+              <a:t>--&gt; .even?(z)</a:t>
+            </a:r>
+          </a:p>
+          <a:p>
+            <a:pPr marL="0" indent="0">
+              <a:buNone/>
+            </a:pPr>
+            <a:r>
+              <a:rPr lang="en-US" sz="1600" dirty="0">
+                <a:latin typeface="Andale Mono" panose="020B0509000000000004" pitchFamily="49" charset="0"/>
+              </a:rPr>
+              <a:t>0</a:t>
+            </a:r>
+          </a:p>
+          <a:p>
+            <a:pPr marL="0" indent="0">
+              <a:buNone/>
+            </a:pPr>
+            <a:r>
+              <a:rPr lang="en-US" sz="1600" dirty="0">
+                <a:latin typeface="Andale Mono" panose="020B0509000000000004" pitchFamily="49" charset="0"/>
+              </a:rPr>
+              <a:t>--&gt; .even?(.double(z))</a:t>
+            </a:r>
+          </a:p>
+          <a:p>
+            <a:pPr marL="0" indent="0">
+              <a:buNone/>
+            </a:pPr>
+            <a:r>
+              <a:rPr lang="en-US" sz="1600" dirty="0">
+                <a:latin typeface="Andale Mono" panose="020B0509000000000004" pitchFamily="49" charset="0"/>
+              </a:rPr>
+              <a:t>1</a:t>
+            </a:r>
+          </a:p>
+          <a:p>
+            <a:pPr marL="0" indent="0">
+              <a:buNone/>
+            </a:pPr>
+            <a:r>
+              <a:rPr lang="en-US" sz="1600" dirty="0">
+                <a:latin typeface="Andale Mono" panose="020B0509000000000004" pitchFamily="49" charset="0"/>
+              </a:rPr>
+              <a:t>--&gt; .fact(5)</a:t>
+            </a:r>
+          </a:p>
+          <a:p>
+            <a:pPr marL="0" indent="0">
+              <a:buNone/>
+            </a:pPr>
+            <a:r>
+              <a:rPr lang="en-US" sz="1600" dirty="0">
+                <a:latin typeface="Andale Mono" panose="020B0509000000000004" pitchFamily="49" charset="0"/>
+              </a:rPr>
+              <a:t>120</a:t>
+            </a:r>
+          </a:p>
+          <a:p>
+            <a:pPr marL="0" indent="0">
+              <a:buNone/>
+            </a:pPr>
+            <a:r>
+              <a:rPr lang="en-US" sz="1600" dirty="0">
+                <a:latin typeface="Andale Mono" panose="020B0509000000000004" pitchFamily="49" charset="0"/>
+              </a:rPr>
+              <a:t>--&gt; .fact(18)</a:t>
+            </a:r>
+          </a:p>
+          <a:p>
+            <a:pPr marL="0" indent="0">
+              <a:buNone/>
+            </a:pPr>
+            <a:r>
+              <a:rPr lang="en-US" sz="1600" dirty="0">
+                <a:latin typeface="Andale Mono" panose="020B0509000000000004" pitchFamily="49" charset="0"/>
+              </a:rPr>
+              <a:t>-898433024</a:t>
+            </a:r>
+          </a:p>
+          <a:p>
+            <a:pPr marL="0" indent="0">
+              <a:buNone/>
+            </a:pPr>
+            <a:r>
+              <a:rPr lang="en-US" sz="1600" dirty="0">
+                <a:latin typeface="Andale Mono" panose="020B0509000000000004" pitchFamily="49" charset="0"/>
+              </a:rPr>
+              <a:t>--&gt; .fact(16)</a:t>
+            </a:r>
+          </a:p>
+          <a:p>
+            <a:pPr marL="0" indent="0">
+              <a:buNone/>
+            </a:pPr>
+            <a:r>
+              <a:rPr lang="en-US" sz="1600" dirty="0">
+                <a:latin typeface="Andale Mono" panose="020B0509000000000004" pitchFamily="49" charset="0"/>
+              </a:rPr>
+              <a:t>2004189184</a:t>
             </a:r>
           </a:p>
         </p:txBody>
@@ -11651,7 +12088,7 @@
           <p:cNvPr id="4" name="Date Placeholder 3">
             <a:extLst>
               <a:ext uri="{FF2B5EF4-FFF2-40B4-BE49-F238E27FC236}">
-                <a16:creationId xmlns:a16="http://schemas.microsoft.com/office/drawing/2014/main" id="{4F2A57E0-079B-0E49-AF48-F1581BA10DCE}"/>
+                <a16:creationId xmlns:a16="http://schemas.microsoft.com/office/drawing/2014/main" id="{F5835B27-5E30-F44D-A575-AB8AF9C2CACF}"/>
               </a:ext>
             </a:extLst>
           </p:cNvPr>
@@ -11667,9 +12104,9 @@
           <a:bodyPr/>
           <a:lstStyle/>
           <a:p>
-            <a:fld id="{4597D586-92C9-D240-A566-24E8D8B6A56D}" type="datetime1">
+            <a:fld id="{21DA75D9-AEE9-C944-AAD8-D346C494211F}" type="datetime1">
               <a:rPr lang="en-US" smtClean="0"/>
-              <a:t>9/23/20</a:t>
+              <a:t>3/9/21</a:t>
             </a:fld>
             <a:endParaRPr lang="en-US"/>
           </a:p>
@@ -11678,7 +12115,7 @@
     </p:spTree>
     <p:extLst>
       <p:ext uri="{BB962C8B-B14F-4D97-AF65-F5344CB8AC3E}">
-        <p14:creationId xmlns:p14="http://schemas.microsoft.com/office/powerpoint/2010/main" val="1917425704"/>
+        <p14:creationId xmlns:p14="http://schemas.microsoft.com/office/powerpoint/2010/main" val="2746279123"/>
       </p:ext>
     </p:extLst>
   </p:cSld>
@@ -11689,7 +12126,7 @@
 </file>
 
 <file path=ppt/slides/slide18.xml><?xml version="1.0" encoding="utf-8"?>
-<p:sld xmlns:a="http://schemas.openxmlformats.org/drawingml/2006/main" xmlns:r="http://schemas.openxmlformats.org/officeDocument/2006/relationships" xmlns:p="http://schemas.openxmlformats.org/presentationml/2006/main">
+<p:sld xmlns:a="http://schemas.openxmlformats.org/drawingml/2006/main" xmlns:r="http://schemas.openxmlformats.org/officeDocument/2006/relationships" xmlns:p="http://schemas.openxmlformats.org/presentationml/2006/main" show="0">
   <p:cSld>
     <p:spTree>
       <p:nvGrpSpPr>
@@ -11707,10 +12144,10 @@
       </p:grpSpPr>
       <p:sp>
         <p:nvSpPr>
-          <p:cNvPr id="7" name="Title 6">
+          <p:cNvPr id="2" name="Title 1">
             <a:extLst>
               <a:ext uri="{FF2B5EF4-FFF2-40B4-BE49-F238E27FC236}">
-                <a16:creationId xmlns:a16="http://schemas.microsoft.com/office/drawing/2014/main" id="{BF6DBBB4-07A7-934F-8B1F-812661D2BDB1}"/>
+                <a16:creationId xmlns:a16="http://schemas.microsoft.com/office/drawing/2014/main" id="{4B9FDA56-4DB0-644A-885D-98611EE937CC}"/>
               </a:ext>
             </a:extLst>
           </p:cNvPr>
@@ -11728,370 +12165,68 @@
           <a:p>
             <a:r>
               <a:rPr lang="en-US" dirty="0"/>
-              <a:t>Tally</a:t>
-            </a:r>
-          </a:p>
-        </p:txBody>
-      </p:sp>
-      <p:graphicFrame>
-        <p:nvGraphicFramePr>
-          <p:cNvPr id="11" name="Content Placeholder 10">
+              <a:t>Thought Exercise</a:t>
+            </a:r>
+          </a:p>
+        </p:txBody>
+      </p:sp>
+      <p:sp>
+        <p:nvSpPr>
+          <p:cNvPr id="3" name="Content Placeholder 2">
             <a:extLst>
               <a:ext uri="{FF2B5EF4-FFF2-40B4-BE49-F238E27FC236}">
-                <a16:creationId xmlns:a16="http://schemas.microsoft.com/office/drawing/2014/main" id="{6B8BC354-EFC2-B04D-A022-C64DFCCC006C}"/>
+                <a16:creationId xmlns:a16="http://schemas.microsoft.com/office/drawing/2014/main" id="{D3C253A9-3D93-3146-B425-7B915D03D108}"/>
               </a:ext>
             </a:extLst>
           </p:cNvPr>
-          <p:cNvGraphicFramePr>
-            <a:graphicFrameLocks noGrp="1"/>
-          </p:cNvGraphicFramePr>
+          <p:cNvSpPr>
+            <a:spLocks noGrp="1"/>
+          </p:cNvSpPr>
           <p:nvPr>
             <p:ph idx="1"/>
-            <p:extLst>
-              <p:ext uri="{D42A27DB-BD31-4B8C-83A1-F6EECF244321}">
-                <p14:modId xmlns:p14="http://schemas.microsoft.com/office/powerpoint/2010/main" val="2754290600"/>
-              </p:ext>
-            </p:extLst>
-          </p:nvPr>
-        </p:nvGraphicFramePr>
-        <p:xfrm>
-          <a:off x="681038" y="2039007"/>
-          <a:ext cx="9613899" cy="4230540"/>
-        </p:xfrm>
-        <a:graphic>
-          <a:graphicData uri="http://schemas.openxmlformats.org/drawingml/2006/table">
-            <a:tbl>
-              <a:tblPr firstRow="1" bandRow="1">
-                <a:tableStyleId>{16D9F66E-5EB9-4882-86FB-DCBF35E3C3E4}</a:tableStyleId>
-              </a:tblPr>
-              <a:tblGrid>
-                <a:gridCol w="3204633">
-                  <a:extLst>
-                    <a:ext uri="{9D8B030D-6E8A-4147-A177-3AD203B41FA5}">
-                      <a16:colId xmlns:a16="http://schemas.microsoft.com/office/drawing/2014/main" val="3342677830"/>
-                    </a:ext>
-                  </a:extLst>
-                </a:gridCol>
-                <a:gridCol w="3204633">
-                  <a:extLst>
-                    <a:ext uri="{9D8B030D-6E8A-4147-A177-3AD203B41FA5}">
-                      <a16:colId xmlns:a16="http://schemas.microsoft.com/office/drawing/2014/main" val="1092482736"/>
-                    </a:ext>
-                  </a:extLst>
-                </a:gridCol>
-                <a:gridCol w="3204633">
-                  <a:extLst>
-                    <a:ext uri="{9D8B030D-6E8A-4147-A177-3AD203B41FA5}">
-                      <a16:colId xmlns:a16="http://schemas.microsoft.com/office/drawing/2014/main" val="1095834134"/>
-                    </a:ext>
-                  </a:extLst>
-                </a:gridCol>
-              </a:tblGrid>
-              <a:tr h="556740">
-                <a:tc>
-                  <a:txBody>
-                    <a:bodyPr/>
-                    <a:lstStyle/>
-                    <a:p>
-                      <a:r>
-                        <a:rPr lang="en-US" dirty="0"/>
-                        <a:t>Yes: IIIII </a:t>
-                      </a:r>
-                      <a:r>
-                        <a:rPr lang="en-US"/>
-                        <a:t>IIIII IIIII</a:t>
-                      </a:r>
-                      <a:endParaRPr lang="en-US" dirty="0"/>
-                    </a:p>
-                  </a:txBody>
-                  <a:tcPr/>
-                </a:tc>
-                <a:tc>
-                  <a:txBody>
-                    <a:bodyPr/>
-                    <a:lstStyle/>
-                    <a:p>
-                      <a:endParaRPr lang="en-US" dirty="0"/>
-                    </a:p>
-                  </a:txBody>
-                  <a:tcPr/>
-                </a:tc>
-                <a:tc>
-                  <a:txBody>
-                    <a:bodyPr/>
-                    <a:lstStyle/>
-                    <a:p>
-                      <a:r>
-                        <a:rPr lang="en-US" dirty="0"/>
-                        <a:t>No: IIIII</a:t>
-                      </a:r>
-                    </a:p>
-                  </a:txBody>
-                  <a:tcPr/>
-                </a:tc>
-                <a:extLst>
-                  <a:ext uri="{0D108BD9-81ED-4DB2-BD59-A6C34878D82A}">
-                    <a16:rowId xmlns:a16="http://schemas.microsoft.com/office/drawing/2014/main" val="1380672721"/>
-                  </a:ext>
-                </a:extLst>
-              </a:tr>
-              <a:tr h="556740">
-                <a:tc>
-                  <a:txBody>
-                    <a:bodyPr/>
-                    <a:lstStyle/>
-                    <a:p>
-                      <a:r>
-                        <a:rPr lang="en-US" dirty="0"/>
-                        <a:t>??</a:t>
-                      </a:r>
-                    </a:p>
-                  </a:txBody>
-                  <a:tcPr/>
-                </a:tc>
-                <a:tc>
-                  <a:txBody>
-                    <a:bodyPr/>
-                    <a:lstStyle/>
-                    <a:p>
-                      <a:endParaRPr lang="en-US" dirty="0"/>
-                    </a:p>
-                  </a:txBody>
-                  <a:tcPr/>
-                </a:tc>
-                <a:tc>
-                  <a:txBody>
-                    <a:bodyPr/>
-                    <a:lstStyle/>
-                    <a:p>
-                      <a:r>
-                        <a:rPr lang="en-US" dirty="0" err="1"/>
-                        <a:t>addFirst</a:t>
-                      </a:r>
-                      <a:r>
-                        <a:rPr lang="en-US" dirty="0"/>
-                        <a:t> means the old value is seen</a:t>
-                      </a:r>
-                    </a:p>
-                  </a:txBody>
-                  <a:tcPr/>
-                </a:tc>
-                <a:extLst>
-                  <a:ext uri="{0D108BD9-81ED-4DB2-BD59-A6C34878D82A}">
-                    <a16:rowId xmlns:a16="http://schemas.microsoft.com/office/drawing/2014/main" val="161367770"/>
-                  </a:ext>
-                </a:extLst>
-              </a:tr>
-              <a:tr h="556740">
-                <a:tc>
-                  <a:txBody>
-                    <a:bodyPr/>
-                    <a:lstStyle/>
-                    <a:p>
-                      <a:r>
-                        <a:rPr lang="en-US" dirty="0"/>
-                        <a:t>old value becomes inaccessible</a:t>
-                      </a:r>
-                    </a:p>
-                  </a:txBody>
-                  <a:tcPr/>
-                </a:tc>
-                <a:tc>
-                  <a:txBody>
-                    <a:bodyPr/>
-                    <a:lstStyle/>
-                    <a:p>
-                      <a:endParaRPr lang="en-US"/>
-                    </a:p>
-                  </a:txBody>
-                  <a:tcPr/>
-                </a:tc>
-                <a:tc>
-                  <a:txBody>
-                    <a:bodyPr/>
-                    <a:lstStyle/>
-                    <a:p>
-                      <a:r>
-                        <a:rPr lang="en-US" dirty="0"/>
-                        <a:t>it won't replace the old binding; it will add one.</a:t>
-                      </a:r>
-                    </a:p>
-                  </a:txBody>
-                  <a:tcPr/>
-                </a:tc>
-                <a:extLst>
-                  <a:ext uri="{0D108BD9-81ED-4DB2-BD59-A6C34878D82A}">
-                    <a16:rowId xmlns:a16="http://schemas.microsoft.com/office/drawing/2014/main" val="3756718852"/>
-                  </a:ext>
-                </a:extLst>
-              </a:tr>
-              <a:tr h="556740">
-                <a:tc>
-                  <a:txBody>
-                    <a:bodyPr/>
-                    <a:lstStyle/>
-                    <a:p>
-                      <a:r>
-                        <a:rPr lang="en-US" dirty="0"/>
-                        <a:t>it should work; seems natural</a:t>
-                      </a:r>
-                    </a:p>
-                  </a:txBody>
-                  <a:tcPr/>
-                </a:tc>
-                <a:tc>
-                  <a:txBody>
-                    <a:bodyPr/>
-                    <a:lstStyle/>
-                    <a:p>
-                      <a:endParaRPr lang="en-US"/>
-                    </a:p>
-                  </a:txBody>
-                  <a:tcPr/>
-                </a:tc>
-                <a:tc>
-                  <a:txBody>
-                    <a:bodyPr/>
-                    <a:lstStyle/>
-                    <a:p>
-                      <a:r>
-                        <a:rPr lang="en-US" dirty="0"/>
-                        <a:t>because the old value will always be used</a:t>
-                      </a:r>
-                    </a:p>
-                  </a:txBody>
-                  <a:tcPr/>
-                </a:tc>
-                <a:extLst>
-                  <a:ext uri="{0D108BD9-81ED-4DB2-BD59-A6C34878D82A}">
-                    <a16:rowId xmlns:a16="http://schemas.microsoft.com/office/drawing/2014/main" val="1868775194"/>
-                  </a:ext>
-                </a:extLst>
-              </a:tr>
-              <a:tr h="556740">
-                <a:tc>
-                  <a:txBody>
-                    <a:bodyPr/>
-                    <a:lstStyle/>
-                    <a:p>
-                      <a:r>
-                        <a:rPr lang="en-US" dirty="0"/>
-                        <a:t>it will overwrite the previous binding.</a:t>
-                      </a:r>
-                    </a:p>
-                  </a:txBody>
-                  <a:tcPr/>
-                </a:tc>
-                <a:tc>
-                  <a:txBody>
-                    <a:bodyPr/>
-                    <a:lstStyle/>
-                    <a:p>
-                      <a:endParaRPr lang="en-US"/>
-                    </a:p>
-                  </a:txBody>
-                  <a:tcPr/>
-                </a:tc>
-                <a:tc>
-                  <a:txBody>
-                    <a:bodyPr/>
-                    <a:lstStyle/>
-                    <a:p>
-                      <a:endParaRPr lang="en-US"/>
-                    </a:p>
-                  </a:txBody>
-                  <a:tcPr/>
-                </a:tc>
-                <a:extLst>
-                  <a:ext uri="{0D108BD9-81ED-4DB2-BD59-A6C34878D82A}">
-                    <a16:rowId xmlns:a16="http://schemas.microsoft.com/office/drawing/2014/main" val="920036602"/>
-                  </a:ext>
-                </a:extLst>
-              </a:tr>
-              <a:tr h="556740">
-                <a:tc>
-                  <a:txBody>
-                    <a:bodyPr/>
-                    <a:lstStyle/>
-                    <a:p>
-                      <a:endParaRPr lang="en-US"/>
-                    </a:p>
-                  </a:txBody>
-                  <a:tcPr/>
-                </a:tc>
-                <a:tc>
-                  <a:txBody>
-                    <a:bodyPr/>
-                    <a:lstStyle/>
-                    <a:p>
-                      <a:endParaRPr lang="en-US"/>
-                    </a:p>
-                  </a:txBody>
-                  <a:tcPr/>
-                </a:tc>
-                <a:tc>
-                  <a:txBody>
-                    <a:bodyPr/>
-                    <a:lstStyle/>
-                    <a:p>
-                      <a:endParaRPr lang="en-US"/>
-                    </a:p>
-                  </a:txBody>
-                  <a:tcPr/>
-                </a:tc>
-                <a:extLst>
-                  <a:ext uri="{0D108BD9-81ED-4DB2-BD59-A6C34878D82A}">
-                    <a16:rowId xmlns:a16="http://schemas.microsoft.com/office/drawing/2014/main" val="2529137126"/>
-                  </a:ext>
-                </a:extLst>
-              </a:tr>
-              <a:tr h="556740">
-                <a:tc>
-                  <a:txBody>
-                    <a:bodyPr/>
-                    <a:lstStyle/>
-                    <a:p>
-                      <a:endParaRPr lang="en-US"/>
-                    </a:p>
-                  </a:txBody>
-                  <a:tcPr/>
-                </a:tc>
-                <a:tc>
-                  <a:txBody>
-                    <a:bodyPr/>
-                    <a:lstStyle/>
-                    <a:p>
-                      <a:endParaRPr lang="en-US"/>
-                    </a:p>
-                  </a:txBody>
-                  <a:tcPr/>
-                </a:tc>
-                <a:tc>
-                  <a:txBody>
-                    <a:bodyPr/>
-                    <a:lstStyle/>
-                    <a:p>
-                      <a:endParaRPr lang="en-US" dirty="0"/>
-                    </a:p>
-                  </a:txBody>
-                  <a:tcPr/>
-                </a:tc>
-                <a:extLst>
-                  <a:ext uri="{0D108BD9-81ED-4DB2-BD59-A6C34878D82A}">
-                    <a16:rowId xmlns:a16="http://schemas.microsoft.com/office/drawing/2014/main" val="871208267"/>
-                  </a:ext>
-                </a:extLst>
-              </a:tr>
-            </a:tbl>
-          </a:graphicData>
-        </a:graphic>
-      </p:graphicFrame>
+          </p:nvPr>
+        </p:nvSpPr>
+        <p:spPr/>
+        <p:txBody>
+          <a:bodyPr/>
+          <a:lstStyle/>
+          <a:p>
+            <a:r>
+              <a:rPr lang="en-US" dirty="0"/>
+              <a:t>Is it now possible to </a:t>
+            </a:r>
+            <a:r>
+              <a:rPr lang="en-US" i="1" dirty="0"/>
+              <a:t>re</a:t>
+            </a:r>
+            <a:r>
+              <a:rPr lang="en-US" dirty="0"/>
+              <a:t>define a variable?</a:t>
+            </a:r>
+          </a:p>
+          <a:p>
+            <a:endParaRPr lang="en-US" dirty="0"/>
+          </a:p>
+          <a:p>
+            <a:r>
+              <a:rPr lang="en-US" dirty="0"/>
+              <a:t>Come up with an answer, and give a reason.</a:t>
+            </a:r>
+          </a:p>
+          <a:p>
+            <a:r>
+              <a:rPr lang="en-US" dirty="0"/>
+              <a:t>Hand them in!</a:t>
+            </a:r>
+          </a:p>
+        </p:txBody>
+      </p:sp>
       <p:sp>
         <p:nvSpPr>
           <p:cNvPr id="4" name="Date Placeholder 3">
             <a:extLst>
               <a:ext uri="{FF2B5EF4-FFF2-40B4-BE49-F238E27FC236}">
-                <a16:creationId xmlns:a16="http://schemas.microsoft.com/office/drawing/2014/main" id="{7DEACD4F-BA2F-DF47-BEB1-981C26725443}"/>
+                <a16:creationId xmlns:a16="http://schemas.microsoft.com/office/drawing/2014/main" id="{4F2A57E0-079B-0E49-AF48-F1581BA10DCE}"/>
               </a:ext>
             </a:extLst>
           </p:cNvPr>
@@ -12107,9 +12242,9 @@
           <a:bodyPr/>
           <a:lstStyle/>
           <a:p>
-            <a:fld id="{FB7608F7-2DCD-794C-AB70-32C5D5BBCBF0}" type="datetime1">
+            <a:fld id="{926F23B7-3996-1E4A-9793-DE185ABF9F4F}" type="datetime1">
               <a:rPr lang="en-US" smtClean="0"/>
-              <a:t>9/23/20</a:t>
+              <a:t>3/9/21</a:t>
             </a:fld>
             <a:endParaRPr lang="en-US"/>
           </a:p>
@@ -12118,485 +12253,7 @@
     </p:spTree>
     <p:extLst>
       <p:ext uri="{BB962C8B-B14F-4D97-AF65-F5344CB8AC3E}">
-        <p14:creationId xmlns:p14="http://schemas.microsoft.com/office/powerpoint/2010/main" val="3501333940"/>
-      </p:ext>
-    </p:extLst>
-  </p:cSld>
-  <p:clrMapOvr>
-    <a:masterClrMapping/>
-  </p:clrMapOvr>
-</p:sld>
-</file>
-
-<file path=ppt/slides/slide19.xml><?xml version="1.0" encoding="utf-8"?>
-<p:sld xmlns:a="http://schemas.openxmlformats.org/drawingml/2006/main" xmlns:r="http://schemas.openxmlformats.org/officeDocument/2006/relationships" xmlns:p="http://schemas.openxmlformats.org/presentationml/2006/main">
-  <p:cSld>
-    <p:spTree>
-      <p:nvGrpSpPr>
-        <p:cNvPr id="1" name=""/>
-        <p:cNvGrpSpPr/>
-        <p:nvPr/>
-      </p:nvGrpSpPr>
-      <p:grpSpPr>
-        <a:xfrm>
-          <a:off x="0" y="0"/>
-          <a:ext cx="0" cy="0"/>
-          <a:chOff x="0" y="0"/>
-          <a:chExt cx="0" cy="0"/>
-        </a:xfrm>
-      </p:grpSpPr>
-      <p:sp>
-        <p:nvSpPr>
-          <p:cNvPr id="7" name="Title 6">
-            <a:extLst>
-              <a:ext uri="{FF2B5EF4-FFF2-40B4-BE49-F238E27FC236}">
-                <a16:creationId xmlns:a16="http://schemas.microsoft.com/office/drawing/2014/main" id="{BF6DBBB4-07A7-934F-8B1F-812661D2BDB1}"/>
-              </a:ext>
-            </a:extLst>
-          </p:cNvPr>
-          <p:cNvSpPr>
-            <a:spLocks noGrp="1"/>
-          </p:cNvSpPr>
-          <p:nvPr>
-            <p:ph type="title"/>
-          </p:nvPr>
-        </p:nvSpPr>
-        <p:spPr/>
-        <p:txBody>
-          <a:bodyPr/>
-          <a:lstStyle/>
-          <a:p>
-            <a:r>
-              <a:rPr lang="en-US" dirty="0"/>
-              <a:t>Tally</a:t>
-            </a:r>
-          </a:p>
-        </p:txBody>
-      </p:sp>
-      <p:graphicFrame>
-        <p:nvGraphicFramePr>
-          <p:cNvPr id="11" name="Content Placeholder 10">
-            <a:extLst>
-              <a:ext uri="{FF2B5EF4-FFF2-40B4-BE49-F238E27FC236}">
-                <a16:creationId xmlns:a16="http://schemas.microsoft.com/office/drawing/2014/main" id="{6B8BC354-EFC2-B04D-A022-C64DFCCC006C}"/>
-              </a:ext>
-            </a:extLst>
-          </p:cNvPr>
-          <p:cNvGraphicFramePr>
-            <a:graphicFrameLocks noGrp="1"/>
-          </p:cNvGraphicFramePr>
-          <p:nvPr>
-            <p:ph idx="1"/>
-            <p:extLst/>
-          </p:nvPr>
-        </p:nvGraphicFramePr>
-        <p:xfrm>
-          <a:off x="681038" y="2039007"/>
-          <a:ext cx="9613899" cy="4147200"/>
-        </p:xfrm>
-        <a:graphic>
-          <a:graphicData uri="http://schemas.openxmlformats.org/drawingml/2006/table">
-            <a:tbl>
-              <a:tblPr firstRow="1" bandRow="1">
-                <a:tableStyleId>{16D9F66E-5EB9-4882-86FB-DCBF35E3C3E4}</a:tableStyleId>
-              </a:tblPr>
-              <a:tblGrid>
-                <a:gridCol w="3204633">
-                  <a:extLst>
-                    <a:ext uri="{9D8B030D-6E8A-4147-A177-3AD203B41FA5}">
-                      <a16:colId xmlns:a16="http://schemas.microsoft.com/office/drawing/2014/main" val="3342677830"/>
-                    </a:ext>
-                  </a:extLst>
-                </a:gridCol>
-                <a:gridCol w="3204633">
-                  <a:extLst>
-                    <a:ext uri="{9D8B030D-6E8A-4147-A177-3AD203B41FA5}">
-                      <a16:colId xmlns:a16="http://schemas.microsoft.com/office/drawing/2014/main" val="1092482736"/>
-                    </a:ext>
-                  </a:extLst>
-                </a:gridCol>
-                <a:gridCol w="3204633">
-                  <a:extLst>
-                    <a:ext uri="{9D8B030D-6E8A-4147-A177-3AD203B41FA5}">
-                      <a16:colId xmlns:a16="http://schemas.microsoft.com/office/drawing/2014/main" val="1095834134"/>
-                    </a:ext>
-                  </a:extLst>
-                </a:gridCol>
-              </a:tblGrid>
-              <a:tr h="556740">
-                <a:tc>
-                  <a:txBody>
-                    <a:bodyPr/>
-                    <a:lstStyle/>
-                    <a:p>
-                      <a:r>
-                        <a:rPr lang="en-US" dirty="0"/>
-                        <a:t>yes </a:t>
-                      </a:r>
-                      <a:r>
-                        <a:rPr lang="en-US" dirty="0" err="1"/>
-                        <a:t>votes:IIIII</a:t>
-                      </a:r>
-                      <a:r>
-                        <a:rPr lang="en-US" dirty="0"/>
-                        <a:t> III</a:t>
-                      </a:r>
-                    </a:p>
-                  </a:txBody>
-                  <a:tcPr/>
-                </a:tc>
-                <a:tc>
-                  <a:txBody>
-                    <a:bodyPr/>
-                    <a:lstStyle/>
-                    <a:p>
-                      <a:endParaRPr lang="en-US" dirty="0"/>
-                    </a:p>
-                  </a:txBody>
-                  <a:tcPr/>
-                </a:tc>
-                <a:tc>
-                  <a:txBody>
-                    <a:bodyPr/>
-                    <a:lstStyle/>
-                    <a:p>
-                      <a:r>
-                        <a:rPr lang="en-US" dirty="0"/>
-                        <a:t>no </a:t>
-                      </a:r>
-                      <a:r>
-                        <a:rPr lang="en-US" dirty="0" err="1"/>
-                        <a:t>votes:II</a:t>
-                      </a:r>
-                      <a:endParaRPr lang="en-US" dirty="0"/>
-                    </a:p>
-                  </a:txBody>
-                  <a:tcPr/>
-                </a:tc>
-                <a:extLst>
-                  <a:ext uri="{0D108BD9-81ED-4DB2-BD59-A6C34878D82A}">
-                    <a16:rowId xmlns:a16="http://schemas.microsoft.com/office/drawing/2014/main" val="1380672721"/>
-                  </a:ext>
-                </a:extLst>
-              </a:tr>
-              <a:tr h="556740">
-                <a:tc>
-                  <a:txBody>
-                    <a:bodyPr/>
-                    <a:lstStyle/>
-                    <a:p>
-                      <a:r>
-                        <a:rPr lang="en-US" dirty="0"/>
-                        <a:t>new </a:t>
-                      </a:r>
-                      <a:r>
-                        <a:rPr lang="en-US" dirty="0" err="1"/>
-                        <a:t>val</a:t>
-                      </a:r>
-                      <a:r>
-                        <a:rPr lang="en-US" dirty="0"/>
-                        <a:t> in </a:t>
-                      </a:r>
-                      <a:r>
-                        <a:rPr lang="en-US" u="sng" dirty="0"/>
-                        <a:t>front</a:t>
-                      </a:r>
-                      <a:r>
-                        <a:rPr lang="en-US" u="none" dirty="0"/>
-                        <a:t> of bindings</a:t>
-                      </a:r>
-                      <a:br>
-                        <a:rPr lang="en-US" u="none" dirty="0"/>
-                      </a:br>
-                      <a:r>
-                        <a:rPr lang="en-US" u="none" dirty="0"/>
-                        <a:t>(old still there)</a:t>
-                      </a:r>
-                      <a:endParaRPr lang="en-US" dirty="0"/>
-                    </a:p>
-                  </a:txBody>
-                  <a:tcPr/>
-                </a:tc>
-                <a:tc>
-                  <a:txBody>
-                    <a:bodyPr/>
-                    <a:lstStyle/>
-                    <a:p>
-                      <a:r>
-                        <a:rPr lang="en-US" dirty="0"/>
-                        <a:t>but not for old procs?</a:t>
-                      </a:r>
-                    </a:p>
-                  </a:txBody>
-                  <a:tcPr/>
-                </a:tc>
-                <a:tc>
-                  <a:txBody>
-                    <a:bodyPr/>
-                    <a:lstStyle/>
-                    <a:p>
-                      <a:r>
-                        <a:rPr lang="en-US" dirty="0"/>
-                        <a:t>binding is not initially set up anyway, so can't change</a:t>
-                      </a:r>
-                    </a:p>
-                  </a:txBody>
-                  <a:tcPr/>
-                </a:tc>
-                <a:extLst>
-                  <a:ext uri="{0D108BD9-81ED-4DB2-BD59-A6C34878D82A}">
-                    <a16:rowId xmlns:a16="http://schemas.microsoft.com/office/drawing/2014/main" val="161367770"/>
-                  </a:ext>
-                </a:extLst>
-              </a:tr>
-              <a:tr h="556740">
-                <a:tc>
-                  <a:txBody>
-                    <a:bodyPr/>
-                    <a:lstStyle/>
-                    <a:p>
-                      <a:r>
-                        <a:rPr lang="en-US" dirty="0"/>
-                        <a:t>It creates a new </a:t>
-                      </a:r>
-                      <a:r>
-                        <a:rPr lang="en-US" dirty="0" err="1"/>
-                        <a:t>env</a:t>
-                      </a:r>
-                      <a:r>
-                        <a:rPr lang="en-US" dirty="0"/>
-                        <a:t>.</a:t>
-                      </a:r>
-                    </a:p>
-                  </a:txBody>
-                  <a:tcPr/>
-                </a:tc>
-                <a:tc>
-                  <a:txBody>
-                    <a:bodyPr/>
-                    <a:lstStyle/>
-                    <a:p>
-                      <a:endParaRPr lang="en-US"/>
-                    </a:p>
-                  </a:txBody>
-                  <a:tcPr/>
-                </a:tc>
-                <a:tc>
-                  <a:txBody>
-                    <a:bodyPr/>
-                    <a:lstStyle/>
-                    <a:p>
-                      <a:r>
-                        <a:rPr lang="en-US" dirty="0"/>
-                        <a:t>a NEW binding is made; the old one is still there.</a:t>
-                      </a:r>
-                    </a:p>
-                  </a:txBody>
-                  <a:tcPr/>
-                </a:tc>
-                <a:extLst>
-                  <a:ext uri="{0D108BD9-81ED-4DB2-BD59-A6C34878D82A}">
-                    <a16:rowId xmlns:a16="http://schemas.microsoft.com/office/drawing/2014/main" val="3756718852"/>
-                  </a:ext>
-                </a:extLst>
-              </a:tr>
-              <a:tr h="556740">
-                <a:tc>
-                  <a:txBody>
-                    <a:bodyPr/>
-                    <a:lstStyle/>
-                    <a:p>
-                      <a:r>
-                        <a:rPr lang="en-US" dirty="0"/>
-                        <a:t>(no reason given)</a:t>
-                      </a:r>
-                    </a:p>
-                    <a:p>
-                      <a:r>
-                        <a:rPr lang="en-US" dirty="0"/>
-                        <a:t>("because we said so"?)</a:t>
-                      </a:r>
-                    </a:p>
-                  </a:txBody>
-                  <a:tcPr/>
-                </a:tc>
-                <a:tc>
-                  <a:txBody>
-                    <a:bodyPr/>
-                    <a:lstStyle/>
-                    <a:p>
-                      <a:endParaRPr lang="en-US"/>
-                    </a:p>
-                  </a:txBody>
-                  <a:tcPr/>
-                </a:tc>
-                <a:tc>
-                  <a:txBody>
-                    <a:bodyPr/>
-                    <a:lstStyle/>
-                    <a:p>
-                      <a:endParaRPr lang="en-US"/>
-                    </a:p>
-                  </a:txBody>
-                  <a:tcPr/>
-                </a:tc>
-                <a:extLst>
-                  <a:ext uri="{0D108BD9-81ED-4DB2-BD59-A6C34878D82A}">
-                    <a16:rowId xmlns:a16="http://schemas.microsoft.com/office/drawing/2014/main" val="1868775194"/>
-                  </a:ext>
-                </a:extLst>
-              </a:tr>
-              <a:tr h="556740">
-                <a:tc>
-                  <a:txBody>
-                    <a:bodyPr/>
-                    <a:lstStyle/>
-                    <a:p>
-                      <a:r>
-                        <a:rPr lang="en-US" dirty="0"/>
-                        <a:t>why not?</a:t>
-                      </a:r>
-                    </a:p>
-                  </a:txBody>
-                  <a:tcPr/>
-                </a:tc>
-                <a:tc>
-                  <a:txBody>
-                    <a:bodyPr/>
-                    <a:lstStyle/>
-                    <a:p>
-                      <a:endParaRPr lang="en-US"/>
-                    </a:p>
-                  </a:txBody>
-                  <a:tcPr/>
-                </a:tc>
-                <a:tc>
-                  <a:txBody>
-                    <a:bodyPr/>
-                    <a:lstStyle/>
-                    <a:p>
-                      <a:endParaRPr lang="en-US"/>
-                    </a:p>
-                  </a:txBody>
-                  <a:tcPr/>
-                </a:tc>
-                <a:extLst>
-                  <a:ext uri="{0D108BD9-81ED-4DB2-BD59-A6C34878D82A}">
-                    <a16:rowId xmlns:a16="http://schemas.microsoft.com/office/drawing/2014/main" val="920036602"/>
-                  </a:ext>
-                </a:extLst>
-              </a:tr>
-              <a:tr h="556740">
-                <a:tc>
-                  <a:txBody>
-                    <a:bodyPr/>
-                    <a:lstStyle/>
-                    <a:p>
-                      <a:endParaRPr lang="en-US"/>
-                    </a:p>
-                  </a:txBody>
-                  <a:tcPr/>
-                </a:tc>
-                <a:tc>
-                  <a:txBody>
-                    <a:bodyPr/>
-                    <a:lstStyle/>
-                    <a:p>
-                      <a:endParaRPr lang="en-US"/>
-                    </a:p>
-                  </a:txBody>
-                  <a:tcPr/>
-                </a:tc>
-                <a:tc>
-                  <a:txBody>
-                    <a:bodyPr/>
-                    <a:lstStyle/>
-                    <a:p>
-                      <a:endParaRPr lang="en-US"/>
-                    </a:p>
-                  </a:txBody>
-                  <a:tcPr/>
-                </a:tc>
-                <a:extLst>
-                  <a:ext uri="{0D108BD9-81ED-4DB2-BD59-A6C34878D82A}">
-                    <a16:rowId xmlns:a16="http://schemas.microsoft.com/office/drawing/2014/main" val="2529137126"/>
-                  </a:ext>
-                </a:extLst>
-              </a:tr>
-              <a:tr h="556740">
-                <a:tc>
-                  <a:txBody>
-                    <a:bodyPr/>
-                    <a:lstStyle/>
-                    <a:p>
-                      <a:endParaRPr lang="en-US"/>
-                    </a:p>
-                  </a:txBody>
-                  <a:tcPr/>
-                </a:tc>
-                <a:tc>
-                  <a:txBody>
-                    <a:bodyPr/>
-                    <a:lstStyle/>
-                    <a:p>
-                      <a:endParaRPr lang="en-US"/>
-                    </a:p>
-                  </a:txBody>
-                  <a:tcPr/>
-                </a:tc>
-                <a:tc>
-                  <a:txBody>
-                    <a:bodyPr/>
-                    <a:lstStyle/>
-                    <a:p>
-                      <a:endParaRPr lang="en-US" dirty="0"/>
-                    </a:p>
-                  </a:txBody>
-                  <a:tcPr/>
-                </a:tc>
-                <a:extLst>
-                  <a:ext uri="{0D108BD9-81ED-4DB2-BD59-A6C34878D82A}">
-                    <a16:rowId xmlns:a16="http://schemas.microsoft.com/office/drawing/2014/main" val="871208267"/>
-                  </a:ext>
-                </a:extLst>
-              </a:tr>
-            </a:tbl>
-          </a:graphicData>
-        </a:graphic>
-      </p:graphicFrame>
-      <p:sp>
-        <p:nvSpPr>
-          <p:cNvPr id="4" name="Date Placeholder 3">
-            <a:extLst>
-              <a:ext uri="{FF2B5EF4-FFF2-40B4-BE49-F238E27FC236}">
-                <a16:creationId xmlns:a16="http://schemas.microsoft.com/office/drawing/2014/main" id="{7DEACD4F-BA2F-DF47-BEB1-981C26725443}"/>
-              </a:ext>
-            </a:extLst>
-          </p:cNvPr>
-          <p:cNvSpPr>
-            <a:spLocks noGrp="1"/>
-          </p:cNvSpPr>
-          <p:nvPr>
-            <p:ph type="dt" sz="half" idx="10"/>
-          </p:nvPr>
-        </p:nvSpPr>
-        <p:spPr/>
-        <p:txBody>
-          <a:bodyPr/>
-          <a:lstStyle/>
-          <a:p>
-            <a:fld id="{193DB19E-C117-9240-A778-922DD07581FC}" type="datetime1">
-              <a:rPr lang="en-US" smtClean="0"/>
-              <a:t>9/23/20</a:t>
-            </a:fld>
-            <a:endParaRPr lang="en-US"/>
-          </a:p>
-        </p:txBody>
-      </p:sp>
-    </p:spTree>
-    <p:extLst>
-      <p:ext uri="{BB962C8B-B14F-4D97-AF65-F5344CB8AC3E}">
-        <p14:creationId xmlns:p14="http://schemas.microsoft.com/office/powerpoint/2010/main" val="2694355290"/>
+        <p14:creationId xmlns:p14="http://schemas.microsoft.com/office/powerpoint/2010/main" val="1917425704"/>
       </p:ext>
     </p:extLst>
   </p:cSld>
@@ -12628,7 +12285,7 @@
           <p:cNvPr id="2" name="Title 1">
             <a:extLst>
               <a:ext uri="{FF2B5EF4-FFF2-40B4-BE49-F238E27FC236}">
-                <a16:creationId xmlns:a16="http://schemas.microsoft.com/office/drawing/2014/main" id="{D3ECDCAF-DED5-E240-88DE-FE6DFA0D9618}"/>
+                <a16:creationId xmlns:a16="http://schemas.microsoft.com/office/drawing/2014/main" id="{55C024FE-89B7-E645-9666-35C782C7EC0C}"/>
               </a:ext>
             </a:extLst>
           </p:cNvPr>
@@ -12636,27 +12293,39 @@
             <a:spLocks noGrp="1"/>
           </p:cNvSpPr>
           <p:nvPr>
-            <p:ph type="title"/>
-          </p:nvPr>
-        </p:nvSpPr>
-        <p:spPr/>
+            <p:ph type="ctrTitle"/>
+          </p:nvPr>
+        </p:nvSpPr>
+        <p:spPr>
+          <a:xfrm>
+            <a:off x="522514" y="2733709"/>
+            <a:ext cx="8301942" cy="1373070"/>
+          </a:xfrm>
+        </p:spPr>
         <p:txBody>
           <a:bodyPr/>
           <a:lstStyle/>
           <a:p>
             <a:r>
               <a:rPr lang="en-US" dirty="0"/>
-              <a:t>Let’s Do Recursion Right!</a:t>
-            </a:r>
-          </a:p>
-        </p:txBody>
-      </p:sp>
-      <p:sp>
-        <p:nvSpPr>
-          <p:cNvPr id="3" name="Content Placeholder 2">
+              <a:t>F. Recursion</a:t>
+            </a:r>
+            <a:br>
+              <a:rPr lang="en-US" dirty="0"/>
+            </a:br>
+            <a:r>
+              <a:rPr lang="en-US" dirty="0"/>
+              <a:t>&amp; Global Variables</a:t>
+            </a:r>
+          </a:p>
+        </p:txBody>
+      </p:sp>
+      <p:sp>
+        <p:nvSpPr>
+          <p:cNvPr id="3" name="Subtitle 2">
             <a:extLst>
               <a:ext uri="{FF2B5EF4-FFF2-40B4-BE49-F238E27FC236}">
-                <a16:creationId xmlns:a16="http://schemas.microsoft.com/office/drawing/2014/main" id="{5C79B5E2-8A72-0B4E-9BB7-7723414B9BB3}"/>
+                <a16:creationId xmlns:a16="http://schemas.microsoft.com/office/drawing/2014/main" id="{3F0798D7-4A92-3C45-AEBB-E0A85EB259A6}"/>
               </a:ext>
             </a:extLst>
           </p:cNvPr>
@@ -12664,213 +12333,69 @@
             <a:spLocks noGrp="1"/>
           </p:cNvSpPr>
           <p:nvPr>
-            <p:ph idx="1"/>
-          </p:nvPr>
-        </p:nvSpPr>
-        <p:spPr>
-          <a:xfrm>
-            <a:off x="680321" y="2336873"/>
-            <a:ext cx="11203285" cy="3599316"/>
-          </a:xfrm>
-        </p:spPr>
+            <p:ph type="subTitle" idx="1"/>
+          </p:nvPr>
+        </p:nvSpPr>
+        <p:spPr/>
         <p:txBody>
           <a:bodyPr/>
           <a:lstStyle/>
           <a:p>
             <a:r>
               <a:rPr lang="en-US" dirty="0"/>
-              <a:t>The </a:t>
-            </a:r>
-            <a:r>
-              <a:rPr lang="en-US" dirty="0" err="1">
-                <a:latin typeface="Andale Mono" panose="020B0509000000000004" pitchFamily="49" charset="0"/>
-              </a:rPr>
-              <a:t>letrec</a:t>
-            </a:r>
-            <a:r>
-              <a:rPr lang="en-US" dirty="0"/>
-              <a:t> will be</a:t>
-            </a:r>
-          </a:p>
-          <a:p>
-            <a:pPr lvl="1"/>
-            <a:r>
-              <a:rPr lang="en-US" dirty="0"/>
-              <a:t>a distinct version of the </a:t>
-            </a:r>
-            <a:r>
-              <a:rPr lang="en-US" dirty="0">
-                <a:latin typeface="Andale Mono" panose="020B0509000000000004" pitchFamily="49" charset="0"/>
-              </a:rPr>
-              <a:t>let</a:t>
-            </a:r>
-            <a:r>
-              <a:rPr lang="en-US" dirty="0"/>
-              <a:t> expression</a:t>
-            </a:r>
-          </a:p>
-          <a:p>
-            <a:pPr lvl="1"/>
-            <a:r>
-              <a:rPr lang="en-US" dirty="0"/>
-              <a:t>that puts the current bindings of variables into an environment</a:t>
-            </a:r>
-          </a:p>
-          <a:p>
-            <a:pPr lvl="1"/>
-            <a:r>
-              <a:rPr lang="en-US" dirty="0"/>
-              <a:t>that </a:t>
-            </a:r>
-            <a:r>
-              <a:rPr lang="en-US" dirty="0">
-                <a:latin typeface="Andale Mono" panose="020B0509000000000004" pitchFamily="49" charset="0"/>
-              </a:rPr>
-              <a:t>proc</a:t>
-            </a:r>
-            <a:r>
-              <a:rPr lang="en-US" dirty="0"/>
-              <a:t>s defined in that expression can actually use.</a:t>
-            </a:r>
-          </a:p>
-          <a:p>
-            <a:pPr marL="0" indent="0">
-              <a:buNone/>
-            </a:pPr>
-            <a:r>
-              <a:rPr lang="en-US" sz="1800" dirty="0">
-                <a:latin typeface="Andale Mono" panose="020B0509000000000004" pitchFamily="49" charset="0"/>
-              </a:rPr>
-              <a:t>--&gt; let fact = proc(n) if n then *(</a:t>
-            </a:r>
-            <a:r>
-              <a:rPr lang="en-US" sz="1800" dirty="0" err="1">
-                <a:latin typeface="Andale Mono" panose="020B0509000000000004" pitchFamily="49" charset="0"/>
-              </a:rPr>
-              <a:t>n,.fact</a:t>
-            </a:r>
-            <a:r>
-              <a:rPr lang="en-US" sz="1800" dirty="0">
-                <a:latin typeface="Andale Mono" panose="020B0509000000000004" pitchFamily="49" charset="0"/>
-              </a:rPr>
-              <a:t>(sub1(n))) else 1 in .fact(5</a:t>
-            </a:r>
-            <a:r>
-              <a:rPr lang="en-US" dirty="0">
-                <a:latin typeface="Andale Mono" panose="020B0509000000000004" pitchFamily="49" charset="0"/>
-              </a:rPr>
-              <a:t>)</a:t>
-            </a:r>
-          </a:p>
-          <a:p>
-            <a:pPr marL="0" indent="0">
-              <a:buNone/>
-            </a:pPr>
-            <a:r>
-              <a:rPr lang="en-US" sz="1800" dirty="0" err="1">
-                <a:latin typeface="Andale Mono" panose="020B0509000000000004" pitchFamily="49" charset="0"/>
-              </a:rPr>
-              <a:t>java.lang.RuntimeException</a:t>
-            </a:r>
-            <a:r>
-              <a:rPr lang="en-US" sz="1800" dirty="0">
-                <a:latin typeface="Andale Mono" panose="020B0509000000000004" pitchFamily="49" charset="0"/>
-              </a:rPr>
-              <a:t>: no binding for fact</a:t>
-            </a:r>
-          </a:p>
-          <a:p>
-            <a:pPr marL="0" indent="0">
-              <a:buNone/>
-            </a:pPr>
-            <a:r>
-              <a:rPr lang="en-US" sz="1800" dirty="0">
-                <a:latin typeface="Andale Mono" panose="020B0509000000000004" pitchFamily="49" charset="0"/>
-              </a:rPr>
-              <a:t>--&gt; </a:t>
-            </a:r>
-            <a:r>
-              <a:rPr lang="en-US" sz="1800" b="1" dirty="0" err="1">
-                <a:solidFill>
-                  <a:srgbClr val="FFFF00"/>
-                </a:solidFill>
-                <a:latin typeface="Andale Mono" panose="020B0509000000000004" pitchFamily="49" charset="0"/>
-              </a:rPr>
-              <a:t>letrec</a:t>
-            </a:r>
-            <a:r>
-              <a:rPr lang="en-US" sz="1800" dirty="0">
-                <a:latin typeface="Andale Mono" panose="020B0509000000000004" pitchFamily="49" charset="0"/>
-              </a:rPr>
-              <a:t> fact = proc(n) if n then *(</a:t>
-            </a:r>
-            <a:r>
-              <a:rPr lang="en-US" sz="1800" dirty="0" err="1">
-                <a:latin typeface="Andale Mono" panose="020B0509000000000004" pitchFamily="49" charset="0"/>
-              </a:rPr>
-              <a:t>n,.fact</a:t>
-            </a:r>
-            <a:r>
-              <a:rPr lang="en-US" sz="1800" dirty="0">
-                <a:latin typeface="Andale Mono" panose="020B0509000000000004" pitchFamily="49" charset="0"/>
-              </a:rPr>
-              <a:t>(sub1(n))) else 1 in .fact(5)</a:t>
-            </a:r>
-          </a:p>
-          <a:p>
-            <a:pPr marL="0" indent="0">
-              <a:buNone/>
-            </a:pPr>
-            <a:r>
-              <a:rPr lang="en-US" sz="1800" dirty="0">
-                <a:latin typeface="Andale Mono" panose="020B0509000000000004" pitchFamily="49" charset="0"/>
-              </a:rPr>
-              <a:t>120</a:t>
-            </a:r>
-          </a:p>
-          <a:p>
-            <a:pPr marL="0" indent="0">
-              <a:buNone/>
-            </a:pPr>
-            <a:endParaRPr lang="en-US" dirty="0">
-              <a:latin typeface="Andale Mono" panose="020B0509000000000004" pitchFamily="49" charset="0"/>
-            </a:endParaRPr>
-          </a:p>
-        </p:txBody>
-      </p:sp>
-      <p:sp>
-        <p:nvSpPr>
-          <p:cNvPr id="4" name="Date Placeholder 3">
+              <a:t>Spring 2021</a:t>
+            </a:r>
+          </a:p>
+        </p:txBody>
+      </p:sp>
+      <p:sp>
+        <p:nvSpPr>
+          <p:cNvPr id="5" name="TextBox 4">
             <a:extLst>
               <a:ext uri="{FF2B5EF4-FFF2-40B4-BE49-F238E27FC236}">
-                <a16:creationId xmlns:a16="http://schemas.microsoft.com/office/drawing/2014/main" id="{E5FDC566-BC3D-3243-841B-40D58F2E3C69}"/>
+                <a16:creationId xmlns:a16="http://schemas.microsoft.com/office/drawing/2014/main" id="{77CA413A-44CF-9445-AED0-889E7DC88765}"/>
               </a:ext>
             </a:extLst>
           </p:cNvPr>
-          <p:cNvSpPr>
-            <a:spLocks noGrp="1"/>
-          </p:cNvSpPr>
-          <p:nvPr>
-            <p:ph type="dt" sz="half" idx="10"/>
-          </p:nvPr>
-        </p:nvSpPr>
-        <p:spPr/>
-        <p:txBody>
-          <a:bodyPr/>
+          <p:cNvSpPr txBox="1"/>
+          <p:nvPr/>
+        </p:nvSpPr>
+        <p:spPr>
+          <a:xfrm>
+            <a:off x="10481310" y="5123106"/>
+            <a:ext cx="1087927" cy="1292662"/>
+          </a:xfrm>
+          <a:prstGeom prst="rect">
+            <a:avLst/>
+          </a:prstGeom>
+          <a:noFill/>
+        </p:spPr>
+        <p:txBody>
+          <a:bodyPr wrap="none" rtlCol="0">
+            <a:spAutoFit/>
+          </a:bodyPr>
           <a:lstStyle/>
           <a:p>
-            <a:fld id="{AB20761D-BDA2-484F-9C08-5610D44F0C81}" type="datetime1">
-              <a:rPr lang="en-US" smtClean="0"/>
-              <a:t>9/23/20</a:t>
-            </a:fld>
-            <a:endParaRPr lang="en-US"/>
+            <a:pPr algn="ctr"/>
+            <a:r>
+              <a:rPr lang="en-US" dirty="0"/>
+              <a:t>This … is</a:t>
+            </a:r>
+          </a:p>
+          <a:p>
+            <a:pPr algn="ctr"/>
+            <a:r>
+              <a:rPr lang="en-US" sz="6000" dirty="0"/>
+              <a:t>V5</a:t>
+            </a:r>
+            <a:endParaRPr lang="en-US" dirty="0"/>
           </a:p>
         </p:txBody>
       </p:sp>
     </p:spTree>
     <p:extLst>
       <p:ext uri="{BB962C8B-B14F-4D97-AF65-F5344CB8AC3E}">
-        <p14:creationId xmlns:p14="http://schemas.microsoft.com/office/powerpoint/2010/main" val="422180035"/>
+        <p14:creationId xmlns:p14="http://schemas.microsoft.com/office/powerpoint/2010/main" val="502873139"/>
       </p:ext>
     </p:extLst>
   </p:cSld>
@@ -12902,7 +12427,7 @@
           <p:cNvPr id="2" name="Title 1">
             <a:extLst>
               <a:ext uri="{FF2B5EF4-FFF2-40B4-BE49-F238E27FC236}">
-                <a16:creationId xmlns:a16="http://schemas.microsoft.com/office/drawing/2014/main" id="{1B3DFCDA-030D-D344-AE3C-3430B37AD929}"/>
+                <a16:creationId xmlns:a16="http://schemas.microsoft.com/office/drawing/2014/main" id="{D3ECDCAF-DED5-E240-88DE-FE6DFA0D9618}"/>
               </a:ext>
             </a:extLst>
           </p:cNvPr>
@@ -12920,7 +12445,7 @@
           <a:p>
             <a:r>
               <a:rPr lang="en-US" dirty="0"/>
-              <a:t>The Procedure</a:t>
+              <a:t>Let’s Do Recursion Right!</a:t>
             </a:r>
           </a:p>
         </p:txBody>
@@ -12930,7 +12455,7 @@
           <p:cNvPr id="3" name="Content Placeholder 2">
             <a:extLst>
               <a:ext uri="{FF2B5EF4-FFF2-40B4-BE49-F238E27FC236}">
-                <a16:creationId xmlns:a16="http://schemas.microsoft.com/office/drawing/2014/main" id="{9615332C-360C-5740-8FFE-1F87431C30AA}"/>
+                <a16:creationId xmlns:a16="http://schemas.microsoft.com/office/drawing/2014/main" id="{5C79B5E2-8A72-0B4E-9BB7-7723414B9BB3}"/>
               </a:ext>
             </a:extLst>
           </p:cNvPr>
@@ -12941,165 +12466,174 @@
             <p:ph idx="1"/>
           </p:nvPr>
         </p:nvSpPr>
-        <p:spPr/>
-        <p:txBody>
-          <a:bodyPr>
-            <a:normAutofit lnSpcReduction="10000"/>
-          </a:bodyPr>
+        <p:spPr>
+          <a:xfrm>
+            <a:off x="680321" y="2336873"/>
+            <a:ext cx="11203285" cy="3599316"/>
+          </a:xfrm>
+        </p:spPr>
+        <p:txBody>
+          <a:bodyPr/>
           <a:lstStyle/>
           <a:p>
-            <a:pPr marL="457200" indent="-457200">
-              <a:buFont typeface="+mj-lt"/>
-              <a:buAutoNum type="arabicPeriod"/>
+            <a:r>
+              <a:rPr lang="en-US" dirty="0"/>
+              <a:t>The </a:t>
+            </a:r>
+            <a:r>
+              <a:rPr lang="en-US" dirty="0" err="1">
+                <a:latin typeface="Andale Mono" panose="020B0509000000000004" pitchFamily="49" charset="0"/>
+              </a:rPr>
+              <a:t>letrec</a:t>
+            </a:r>
+            <a:r>
+              <a:rPr lang="en-US" dirty="0"/>
+              <a:t> will be</a:t>
+            </a:r>
+          </a:p>
+          <a:p>
+            <a:pPr lvl="1"/>
+            <a:r>
+              <a:rPr lang="en-US" dirty="0"/>
+              <a:t>a distinct version of the </a:t>
+            </a:r>
+            <a:r>
+              <a:rPr lang="en-US" dirty="0">
+                <a:latin typeface="Andale Mono" panose="020B0509000000000004" pitchFamily="49" charset="0"/>
+              </a:rPr>
+              <a:t>let</a:t>
+            </a:r>
+            <a:r>
+              <a:rPr lang="en-US" dirty="0"/>
+              <a:t> expression</a:t>
+            </a:r>
+          </a:p>
+          <a:p>
+            <a:pPr lvl="1"/>
+            <a:r>
+              <a:rPr lang="en-US" dirty="0"/>
+              <a:t>that puts the current bindings of variables into an environment</a:t>
+            </a:r>
+          </a:p>
+          <a:p>
+            <a:pPr lvl="1"/>
+            <a:r>
+              <a:rPr lang="en-US" dirty="0"/>
+              <a:t>that </a:t>
+            </a:r>
+            <a:r>
+              <a:rPr lang="en-US" dirty="0">
+                <a:latin typeface="Andale Mono" panose="020B0509000000000004" pitchFamily="49" charset="0"/>
+              </a:rPr>
+              <a:t>proc</a:t>
+            </a:r>
+            <a:r>
+              <a:rPr lang="en-US" dirty="0"/>
+              <a:t>s defined in that expression can actually use.</a:t>
+            </a:r>
+          </a:p>
+          <a:p>
+            <a:pPr marL="0" indent="0">
+              <a:buNone/>
             </a:pPr>
             <a:r>
-              <a:rPr lang="en-US" dirty="0"/>
-              <a:t>Unlike </a:t>
+              <a:rPr lang="en-US" sz="1800" dirty="0">
+                <a:latin typeface="Andale Mono" panose="020B0509000000000004" pitchFamily="49" charset="0"/>
+              </a:rPr>
+              <a:t>--&gt; let fact = proc(n) if n then *(</a:t>
+            </a:r>
+            <a:r>
+              <a:rPr lang="en-US" sz="1800" dirty="0" err="1">
+                <a:latin typeface="Andale Mono" panose="020B0509000000000004" pitchFamily="49" charset="0"/>
+              </a:rPr>
+              <a:t>n,.fact</a:t>
+            </a:r>
+            <a:r>
+              <a:rPr lang="en-US" sz="1800" dirty="0">
+                <a:latin typeface="Andale Mono" panose="020B0509000000000004" pitchFamily="49" charset="0"/>
+              </a:rPr>
+              <a:t>(sub1(n))) else 1 in .fact(5</a:t>
             </a:r>
             <a:r>
               <a:rPr lang="en-US" dirty="0">
                 <a:latin typeface="Andale Mono" panose="020B0509000000000004" pitchFamily="49" charset="0"/>
               </a:rPr>
-              <a:t>let</a:t>
-            </a:r>
-            <a:r>
-              <a:rPr lang="en-US" dirty="0"/>
-              <a:t>, create an empty environment </a:t>
-            </a:r>
-            <a:r>
-              <a:rPr lang="en-US" u="sng" dirty="0"/>
-              <a:t>before</a:t>
-            </a:r>
-            <a:r>
-              <a:rPr lang="en-US" dirty="0"/>
-              <a:t> processing the declarations.</a:t>
-            </a:r>
-          </a:p>
-          <a:p>
-            <a:pPr marL="457200" indent="-457200">
-              <a:buFont typeface="+mj-lt"/>
-              <a:buAutoNum type="arabicPeriod"/>
+              <a:t>)</a:t>
+            </a:r>
+          </a:p>
+          <a:p>
+            <a:pPr marL="0" indent="0">
+              <a:buNone/>
             </a:pPr>
             <a:r>
-              <a:rPr lang="en-US" dirty="0"/>
-              <a:t>As before, create an empty list of </a:t>
-            </a:r>
-            <a:r>
-              <a:rPr lang="en-US" dirty="0">
-                <a:latin typeface="Andale Mono" panose="020B0509000000000004" pitchFamily="49" charset="0"/>
-              </a:rPr>
-              <a:t>Binding</a:t>
-            </a:r>
-            <a:r>
-              <a:rPr lang="en-US" dirty="0"/>
-              <a:t>s.</a:t>
-            </a:r>
-          </a:p>
-          <a:p>
-            <a:pPr marL="457200" indent="-457200">
-              <a:buFont typeface="+mj-lt"/>
-              <a:buAutoNum type="arabicPeriod"/>
+              <a:rPr lang="en-US" sz="1800" dirty="0" err="1">
+                <a:latin typeface="Andale Mono" panose="020B0509000000000004" pitchFamily="49" charset="0"/>
+              </a:rPr>
+              <a:t>java.lang.RuntimeException</a:t>
+            </a:r>
+            <a:r>
+              <a:rPr lang="en-US" sz="1800" dirty="0">
+                <a:latin typeface="Andale Mono" panose="020B0509000000000004" pitchFamily="49" charset="0"/>
+              </a:rPr>
+              <a:t>: no binding for fact</a:t>
+            </a:r>
+          </a:p>
+          <a:p>
+            <a:pPr marL="0" indent="0">
+              <a:buNone/>
             </a:pPr>
             <a:r>
-              <a:rPr lang="en-US" dirty="0"/>
-              <a:t>As before, process each declaration, adding the </a:t>
-            </a:r>
-            <a:r>
-              <a:rPr lang="en-US" dirty="0">
-                <a:latin typeface="Andale Mono" panose="020B0509000000000004" pitchFamily="49" charset="0"/>
-              </a:rPr>
-              <a:t>Binding</a:t>
-            </a:r>
-            <a:r>
-              <a:rPr lang="en-US" dirty="0"/>
-              <a:t> made to the list.</a:t>
-            </a:r>
-          </a:p>
-          <a:p>
-            <a:pPr lvl="1"/>
-            <a:r>
-              <a:rPr lang="en-US" dirty="0"/>
-              <a:t>Difference: the </a:t>
-            </a:r>
-            <a:r>
-              <a:rPr lang="en-US" dirty="0" err="1">
-                <a:latin typeface="Andale Mono" panose="020B0509000000000004" pitchFamily="49" charset="0"/>
-              </a:rPr>
-              <a:t>ProcVal</a:t>
-            </a:r>
-            <a:r>
-              <a:rPr lang="en-US" dirty="0" err="1"/>
-              <a:t>’s</a:t>
-            </a:r>
-            <a:r>
-              <a:rPr lang="en-US" dirty="0"/>
-              <a:t> environment is set to the new, empty one!</a:t>
-            </a:r>
-          </a:p>
-          <a:p>
-            <a:pPr lvl="2"/>
-            <a:r>
-              <a:rPr lang="en-US" dirty="0"/>
-              <a:t>Note that when a </a:t>
-            </a:r>
-            <a:r>
-              <a:rPr lang="en-US" dirty="0" err="1">
-                <a:latin typeface="Andale Mono" panose="020B0509000000000004" pitchFamily="49" charset="0"/>
-              </a:rPr>
-              <a:t>ProcExp</a:t>
-            </a:r>
-            <a:r>
-              <a:rPr lang="en-US" dirty="0"/>
-              <a:t> is evaluated, it is not applied. This means the body is not evaluated, so “unknown” variables in the body are not an issue.</a:t>
-            </a:r>
-          </a:p>
-          <a:p>
-            <a:pPr marL="457200" indent="-457200">
-              <a:buFont typeface="+mj-lt"/>
-              <a:buAutoNum type="arabicPeriod"/>
+              <a:rPr lang="en-US" sz="1800" dirty="0">
+                <a:latin typeface="Andale Mono" panose="020B0509000000000004" pitchFamily="49" charset="0"/>
+              </a:rPr>
+              <a:t>--&gt; </a:t>
+            </a:r>
+            <a:r>
+              <a:rPr lang="en-US" sz="1800" b="1" dirty="0" err="1">
+                <a:solidFill>
+                  <a:srgbClr val="FFFF00"/>
+                </a:solidFill>
+                <a:latin typeface="Andale Mono" panose="020B0509000000000004" pitchFamily="49" charset="0"/>
+              </a:rPr>
+              <a:t>letrec</a:t>
+            </a:r>
+            <a:r>
+              <a:rPr lang="en-US" sz="1800" dirty="0">
+                <a:latin typeface="Andale Mono" panose="020B0509000000000004" pitchFamily="49" charset="0"/>
+              </a:rPr>
+              <a:t> fact = proc(n) if n then *(</a:t>
+            </a:r>
+            <a:r>
+              <a:rPr lang="en-US" sz="1800" dirty="0" err="1">
+                <a:latin typeface="Andale Mono" panose="020B0509000000000004" pitchFamily="49" charset="0"/>
+              </a:rPr>
+              <a:t>n,.fact</a:t>
+            </a:r>
+            <a:r>
+              <a:rPr lang="en-US" sz="1800" dirty="0">
+                <a:latin typeface="Andale Mono" panose="020B0509000000000004" pitchFamily="49" charset="0"/>
+              </a:rPr>
+              <a:t>(sub1(n))) else 1 in .fact(5)</a:t>
+            </a:r>
+          </a:p>
+          <a:p>
+            <a:pPr marL="0" indent="0">
+              <a:buNone/>
             </a:pPr>
             <a:r>
-              <a:rPr lang="en-US" dirty="0"/>
-              <a:t>Unlike </a:t>
-            </a:r>
-            <a:r>
-              <a:rPr lang="en-US" dirty="0">
-                <a:latin typeface="Andale Mono" panose="020B0509000000000004" pitchFamily="49" charset="0"/>
-              </a:rPr>
-              <a:t>let</a:t>
-            </a:r>
-            <a:r>
-              <a:rPr lang="en-US" dirty="0"/>
-              <a:t>, </a:t>
-            </a:r>
-            <a:r>
-              <a:rPr lang="en-US" u="sng" dirty="0"/>
-              <a:t>replace</a:t>
-            </a:r>
-            <a:r>
-              <a:rPr lang="en-US" dirty="0"/>
-              <a:t> the environment’s empty </a:t>
-            </a:r>
-            <a:r>
-              <a:rPr lang="en-US" dirty="0">
-                <a:latin typeface="Andale Mono" panose="020B0509000000000004" pitchFamily="49" charset="0"/>
-              </a:rPr>
-              <a:t>Bindings</a:t>
-            </a:r>
-            <a:r>
-              <a:rPr lang="en-US" dirty="0"/>
-              <a:t> with the just-created list of </a:t>
-            </a:r>
-            <a:r>
-              <a:rPr lang="en-US" dirty="0">
-                <a:latin typeface="Andale Mono" panose="020B0509000000000004" pitchFamily="49" charset="0"/>
-              </a:rPr>
-              <a:t>Binding</a:t>
-            </a:r>
-            <a:r>
-              <a:rPr lang="en-US" dirty="0"/>
-              <a:t>s.</a:t>
-            </a:r>
+              <a:rPr lang="en-US" sz="1800" dirty="0">
+                <a:latin typeface="Andale Mono" panose="020B0509000000000004" pitchFamily="49" charset="0"/>
+              </a:rPr>
+              <a:t>120</a:t>
+            </a:r>
+          </a:p>
+          <a:p>
+            <a:pPr marL="0" indent="0">
+              <a:buNone/>
+            </a:pPr>
+            <a:endParaRPr lang="en-US" dirty="0">
+              <a:latin typeface="Andale Mono" panose="020B0509000000000004" pitchFamily="49" charset="0"/>
+            </a:endParaRPr>
           </a:p>
         </p:txBody>
       </p:sp>
@@ -13108,7 +12642,7 @@
           <p:cNvPr id="4" name="Date Placeholder 3">
             <a:extLst>
               <a:ext uri="{FF2B5EF4-FFF2-40B4-BE49-F238E27FC236}">
-                <a16:creationId xmlns:a16="http://schemas.microsoft.com/office/drawing/2014/main" id="{3A546271-0D45-8347-8EA7-BDA352EC32F7}"/>
+                <a16:creationId xmlns:a16="http://schemas.microsoft.com/office/drawing/2014/main" id="{E5FDC566-BC3D-3243-841B-40D58F2E3C69}"/>
               </a:ext>
             </a:extLst>
           </p:cNvPr>
@@ -13124,9 +12658,9 @@
           <a:bodyPr/>
           <a:lstStyle/>
           <a:p>
-            <a:fld id="{BF1B4285-E50C-1D47-A338-3E644C283C73}" type="datetime1">
+            <a:fld id="{14E96740-7EC1-7742-8A80-B2938EA6FAEE}" type="datetime1">
               <a:rPr lang="en-US" smtClean="0"/>
-              <a:t>9/23/20</a:t>
+              <a:t>3/9/21</a:t>
             </a:fld>
             <a:endParaRPr lang="en-US"/>
           </a:p>
@@ -13135,7 +12669,7 @@
     </p:spTree>
     <p:extLst>
       <p:ext uri="{BB962C8B-B14F-4D97-AF65-F5344CB8AC3E}">
-        <p14:creationId xmlns:p14="http://schemas.microsoft.com/office/powerpoint/2010/main" val="3618279370"/>
+        <p14:creationId xmlns:p14="http://schemas.microsoft.com/office/powerpoint/2010/main" val="422180035"/>
       </p:ext>
     </p:extLst>
   </p:cSld>
@@ -13167,6 +12701,433 @@
           <p:cNvPr id="2" name="Title 1">
             <a:extLst>
               <a:ext uri="{FF2B5EF4-FFF2-40B4-BE49-F238E27FC236}">
+                <a16:creationId xmlns:a16="http://schemas.microsoft.com/office/drawing/2014/main" id="{1B3DFCDA-030D-D344-AE3C-3430B37AD929}"/>
+              </a:ext>
+            </a:extLst>
+          </p:cNvPr>
+          <p:cNvSpPr>
+            <a:spLocks noGrp="1"/>
+          </p:cNvSpPr>
+          <p:nvPr>
+            <p:ph type="title"/>
+          </p:nvPr>
+        </p:nvSpPr>
+        <p:spPr/>
+        <p:txBody>
+          <a:bodyPr/>
+          <a:lstStyle/>
+          <a:p>
+            <a:r>
+              <a:rPr lang="en-US" dirty="0"/>
+              <a:t>The Procedure</a:t>
+            </a:r>
+          </a:p>
+        </p:txBody>
+      </p:sp>
+      <p:sp>
+        <p:nvSpPr>
+          <p:cNvPr id="3" name="Content Placeholder 2">
+            <a:extLst>
+              <a:ext uri="{FF2B5EF4-FFF2-40B4-BE49-F238E27FC236}">
+                <a16:creationId xmlns:a16="http://schemas.microsoft.com/office/drawing/2014/main" id="{9615332C-360C-5740-8FFE-1F87431C30AA}"/>
+              </a:ext>
+            </a:extLst>
+          </p:cNvPr>
+          <p:cNvSpPr>
+            <a:spLocks noGrp="1"/>
+          </p:cNvSpPr>
+          <p:nvPr>
+            <p:ph idx="1"/>
+          </p:nvPr>
+        </p:nvSpPr>
+        <p:spPr/>
+        <p:txBody>
+          <a:bodyPr>
+            <a:normAutofit lnSpcReduction="10000"/>
+          </a:bodyPr>
+          <a:lstStyle/>
+          <a:p>
+            <a:pPr marL="457200" indent="-457200">
+              <a:buFont typeface="+mj-lt"/>
+              <a:buAutoNum type="arabicPeriod"/>
+            </a:pPr>
+            <a:r>
+              <a:rPr lang="en-US" u="sng" dirty="0">
+                <a:solidFill>
+                  <a:schemeClr val="accent4">
+                    <a:lumMod val="40000"/>
+                    <a:lumOff val="60000"/>
+                  </a:schemeClr>
+                </a:solidFill>
+              </a:rPr>
+              <a:t>Unlike</a:t>
+            </a:r>
+            <a:r>
+              <a:rPr lang="en-US" dirty="0"/>
+              <a:t> </a:t>
+            </a:r>
+            <a:r>
+              <a:rPr lang="en-US" dirty="0">
+                <a:latin typeface="Andale Mono" panose="020B0509000000000004" pitchFamily="49" charset="0"/>
+              </a:rPr>
+              <a:t>let</a:t>
+            </a:r>
+            <a:r>
+              <a:rPr lang="en-US" dirty="0"/>
+              <a:t>, create an empty environment </a:t>
+            </a:r>
+            <a:r>
+              <a:rPr lang="en-US" u="sng" dirty="0"/>
+              <a:t>before</a:t>
+            </a:r>
+            <a:r>
+              <a:rPr lang="en-US" dirty="0"/>
+              <a:t> processing the declarations.</a:t>
+            </a:r>
+          </a:p>
+          <a:p>
+            <a:pPr marL="457200" indent="-457200">
+              <a:buFont typeface="+mj-lt"/>
+              <a:buAutoNum type="arabicPeriod"/>
+            </a:pPr>
+            <a:r>
+              <a:rPr lang="en-US" dirty="0"/>
+              <a:t>As before, create an empty list of </a:t>
+            </a:r>
+            <a:r>
+              <a:rPr lang="en-US" dirty="0">
+                <a:latin typeface="Andale Mono" panose="020B0509000000000004" pitchFamily="49" charset="0"/>
+              </a:rPr>
+              <a:t>Binding</a:t>
+            </a:r>
+            <a:r>
+              <a:rPr lang="en-US" dirty="0"/>
+              <a:t>s.</a:t>
+            </a:r>
+          </a:p>
+          <a:p>
+            <a:pPr marL="457200" indent="-457200">
+              <a:buFont typeface="+mj-lt"/>
+              <a:buAutoNum type="arabicPeriod"/>
+            </a:pPr>
+            <a:r>
+              <a:rPr lang="en-US" dirty="0"/>
+              <a:t>As before, process each declaration, adding the </a:t>
+            </a:r>
+            <a:r>
+              <a:rPr lang="en-US" dirty="0">
+                <a:latin typeface="Andale Mono" panose="020B0509000000000004" pitchFamily="49" charset="0"/>
+              </a:rPr>
+              <a:t>Binding</a:t>
+            </a:r>
+            <a:r>
+              <a:rPr lang="en-US" dirty="0"/>
+              <a:t> made to the list.</a:t>
+            </a:r>
+          </a:p>
+          <a:p>
+            <a:pPr lvl="1"/>
+            <a:r>
+              <a:rPr lang="en-US" dirty="0"/>
+              <a:t>Difference: the </a:t>
+            </a:r>
+            <a:r>
+              <a:rPr lang="en-US" dirty="0" err="1">
+                <a:latin typeface="Andale Mono" panose="020B0509000000000004" pitchFamily="49" charset="0"/>
+              </a:rPr>
+              <a:t>ProcVal</a:t>
+            </a:r>
+            <a:r>
+              <a:rPr lang="en-US" dirty="0" err="1"/>
+              <a:t>’s</a:t>
+            </a:r>
+            <a:r>
+              <a:rPr lang="en-US" dirty="0"/>
+              <a:t> environment is set to the new, empty one!</a:t>
+            </a:r>
+          </a:p>
+          <a:p>
+            <a:pPr lvl="2"/>
+            <a:r>
+              <a:rPr lang="en-US" dirty="0"/>
+              <a:t>Note that when a </a:t>
+            </a:r>
+            <a:r>
+              <a:rPr lang="en-US" dirty="0" err="1">
+                <a:latin typeface="Andale Mono" panose="020B0509000000000004" pitchFamily="49" charset="0"/>
+              </a:rPr>
+              <a:t>ProcExp</a:t>
+            </a:r>
+            <a:r>
+              <a:rPr lang="en-US" dirty="0"/>
+              <a:t> is evaluated, it is not applied. This means the body is not evaluated, so “unknown” variables in the body are not an issue.</a:t>
+            </a:r>
+          </a:p>
+          <a:p>
+            <a:pPr marL="457200" indent="-457200">
+              <a:buFont typeface="+mj-lt"/>
+              <a:buAutoNum type="arabicPeriod"/>
+            </a:pPr>
+            <a:r>
+              <a:rPr lang="en-US" u="sng" dirty="0">
+                <a:solidFill>
+                  <a:schemeClr val="accent4">
+                    <a:lumMod val="40000"/>
+                    <a:lumOff val="60000"/>
+                  </a:schemeClr>
+                </a:solidFill>
+              </a:rPr>
+              <a:t>Unlike</a:t>
+            </a:r>
+            <a:r>
+              <a:rPr lang="en-US" dirty="0"/>
+              <a:t> </a:t>
+            </a:r>
+            <a:r>
+              <a:rPr lang="en-US" dirty="0">
+                <a:latin typeface="Andale Mono" panose="020B0509000000000004" pitchFamily="49" charset="0"/>
+              </a:rPr>
+              <a:t>let</a:t>
+            </a:r>
+            <a:r>
+              <a:rPr lang="en-US" dirty="0"/>
+              <a:t>, </a:t>
+            </a:r>
+            <a:r>
+              <a:rPr lang="en-US" u="sng" dirty="0"/>
+              <a:t>replace</a:t>
+            </a:r>
+            <a:r>
+              <a:rPr lang="en-US" dirty="0"/>
+              <a:t> the environment’s empty </a:t>
+            </a:r>
+            <a:r>
+              <a:rPr lang="en-US" dirty="0">
+                <a:latin typeface="Andale Mono" panose="020B0509000000000004" pitchFamily="49" charset="0"/>
+              </a:rPr>
+              <a:t>Bindings</a:t>
+            </a:r>
+            <a:r>
+              <a:rPr lang="en-US" dirty="0"/>
+              <a:t> with the just-created list of </a:t>
+            </a:r>
+            <a:r>
+              <a:rPr lang="en-US" dirty="0">
+                <a:latin typeface="Andale Mono" panose="020B0509000000000004" pitchFamily="49" charset="0"/>
+              </a:rPr>
+              <a:t>Binding</a:t>
+            </a:r>
+            <a:r>
+              <a:rPr lang="en-US" dirty="0"/>
+              <a:t>s.</a:t>
+            </a:r>
+          </a:p>
+        </p:txBody>
+      </p:sp>
+      <p:sp>
+        <p:nvSpPr>
+          <p:cNvPr id="4" name="Date Placeholder 3">
+            <a:extLst>
+              <a:ext uri="{FF2B5EF4-FFF2-40B4-BE49-F238E27FC236}">
+                <a16:creationId xmlns:a16="http://schemas.microsoft.com/office/drawing/2014/main" id="{3A546271-0D45-8347-8EA7-BDA352EC32F7}"/>
+              </a:ext>
+            </a:extLst>
+          </p:cNvPr>
+          <p:cNvSpPr>
+            <a:spLocks noGrp="1"/>
+          </p:cNvSpPr>
+          <p:nvPr>
+            <p:ph type="dt" sz="half" idx="10"/>
+          </p:nvPr>
+        </p:nvSpPr>
+        <p:spPr/>
+        <p:txBody>
+          <a:bodyPr/>
+          <a:lstStyle/>
+          <a:p>
+            <a:fld id="{18C2D245-3B6B-F145-98A9-1319E9ADEEE7}" type="datetime1">
+              <a:rPr lang="en-US" smtClean="0"/>
+              <a:t>3/9/21</a:t>
+            </a:fld>
+            <a:endParaRPr lang="en-US"/>
+          </a:p>
+        </p:txBody>
+      </p:sp>
+      <p:sp>
+        <p:nvSpPr>
+          <p:cNvPr id="5" name="Rounded Rectangular Callout 4">
+            <a:extLst>
+              <a:ext uri="{FF2B5EF4-FFF2-40B4-BE49-F238E27FC236}">
+                <a16:creationId xmlns:a16="http://schemas.microsoft.com/office/drawing/2014/main" id="{A6C1F98B-306D-1F45-9E52-5FAB5AB14B48}"/>
+              </a:ext>
+            </a:extLst>
+          </p:cNvPr>
+          <p:cNvSpPr/>
+          <p:nvPr/>
+        </p:nvSpPr>
+        <p:spPr>
+          <a:xfrm>
+            <a:off x="7406640" y="6057900"/>
+            <a:ext cx="1703070" cy="605790"/>
+          </a:xfrm>
+          <a:prstGeom prst="wedgeRoundRectCallout">
+            <a:avLst>
+              <a:gd name="adj1" fmla="val -111437"/>
+              <a:gd name="adj2" fmla="val -154481"/>
+              <a:gd name="adj3" fmla="val 16667"/>
+            </a:avLst>
+          </a:prstGeom>
+        </p:spPr>
+        <p:style>
+          <a:lnRef idx="2">
+            <a:schemeClr val="accent1">
+              <a:shade val="50000"/>
+            </a:schemeClr>
+          </a:lnRef>
+          <a:fillRef idx="1">
+            <a:schemeClr val="accent1"/>
+          </a:fillRef>
+          <a:effectRef idx="0">
+            <a:schemeClr val="accent1"/>
+          </a:effectRef>
+          <a:fontRef idx="minor">
+            <a:schemeClr val="lt1"/>
+          </a:fontRef>
+        </p:style>
+        <p:txBody>
+          <a:bodyPr rtlCol="0" anchor="ctr"/>
+          <a:lstStyle/>
+          <a:p>
+            <a:pPr algn="ctr"/>
+            <a:r>
+              <a:rPr lang="en-US" sz="1400" dirty="0"/>
+              <a:t>New functionality for </a:t>
+            </a:r>
+            <a:r>
+              <a:rPr lang="en-US" sz="1400" dirty="0" err="1">
+                <a:latin typeface="Andale Mono" panose="020B0509000000000004" pitchFamily="49" charset="0"/>
+              </a:rPr>
+              <a:t>EnvNode</a:t>
+            </a:r>
+            <a:endParaRPr lang="en-US" sz="1400" dirty="0">
+              <a:latin typeface="Andale Mono" panose="020B0509000000000004" pitchFamily="49" charset="0"/>
+            </a:endParaRPr>
+          </a:p>
+        </p:txBody>
+      </p:sp>
+    </p:spTree>
+    <p:extLst>
+      <p:ext uri="{BB962C8B-B14F-4D97-AF65-F5344CB8AC3E}">
+        <p14:creationId xmlns:p14="http://schemas.microsoft.com/office/powerpoint/2010/main" val="3618279370"/>
+      </p:ext>
+    </p:extLst>
+  </p:cSld>
+  <p:clrMapOvr>
+    <a:masterClrMapping/>
+  </p:clrMapOvr>
+  <p:timing>
+    <p:tnLst>
+      <p:par>
+        <p:cTn id="1" dur="indefinite" restart="never" nodeType="tmRoot">
+          <p:childTnLst>
+            <p:seq concurrent="1" nextAc="seek">
+              <p:cTn id="2" dur="indefinite" nodeType="mainSeq">
+                <p:childTnLst>
+                  <p:par>
+                    <p:cTn id="3" fill="hold">
+                      <p:stCondLst>
+                        <p:cond delay="indefinite"/>
+                      </p:stCondLst>
+                      <p:childTnLst>
+                        <p:par>
+                          <p:cTn id="4" fill="hold">
+                            <p:stCondLst>
+                              <p:cond delay="0"/>
+                            </p:stCondLst>
+                            <p:childTnLst>
+                              <p:par>
+                                <p:cTn id="5" presetID="1" presetClass="entr" presetSubtype="0" fill="hold" grpId="0" nodeType="clickEffect">
+                                  <p:stCondLst>
+                                    <p:cond delay="0"/>
+                                  </p:stCondLst>
+                                  <p:childTnLst>
+                                    <p:set>
+                                      <p:cBhvr>
+                                        <p:cTn id="6" dur="1" fill="hold">
+                                          <p:stCondLst>
+                                            <p:cond delay="0"/>
+                                          </p:stCondLst>
+                                        </p:cTn>
+                                        <p:tgtEl>
+                                          <p:spTgt spid="5"/>
+                                        </p:tgtEl>
+                                        <p:attrNameLst>
+                                          <p:attrName>style.visibility</p:attrName>
+                                        </p:attrNameLst>
+                                      </p:cBhvr>
+                                      <p:to>
+                                        <p:strVal val="visible"/>
+                                      </p:to>
+                                    </p:set>
+                                  </p:childTnLst>
+                                </p:cTn>
+                              </p:par>
+                            </p:childTnLst>
+                          </p:cTn>
+                        </p:par>
+                      </p:childTnLst>
+                    </p:cTn>
+                  </p:par>
+                </p:childTnLst>
+              </p:cTn>
+              <p:prevCondLst>
+                <p:cond evt="onPrev" delay="0">
+                  <p:tgtEl>
+                    <p:sldTgt/>
+                  </p:tgtEl>
+                </p:cond>
+              </p:prevCondLst>
+              <p:nextCondLst>
+                <p:cond evt="onNext" delay="0">
+                  <p:tgtEl>
+                    <p:sldTgt/>
+                  </p:tgtEl>
+                </p:cond>
+              </p:nextCondLst>
+            </p:seq>
+          </p:childTnLst>
+        </p:cTn>
+      </p:par>
+    </p:tnLst>
+    <p:bldLst>
+      <p:bldP spid="5" grpId="0" animBg="1"/>
+    </p:bldLst>
+  </p:timing>
+</p:sld>
+</file>
+
+<file path=ppt/slides/slide5.xml><?xml version="1.0" encoding="utf-8"?>
+<p:sld xmlns:a="http://schemas.openxmlformats.org/drawingml/2006/main" xmlns:r="http://schemas.openxmlformats.org/officeDocument/2006/relationships" xmlns:p="http://schemas.openxmlformats.org/presentationml/2006/main">
+  <p:cSld>
+    <p:spTree>
+      <p:nvGrpSpPr>
+        <p:cNvPr id="1" name=""/>
+        <p:cNvGrpSpPr/>
+        <p:nvPr/>
+      </p:nvGrpSpPr>
+      <p:grpSpPr>
+        <a:xfrm>
+          <a:off x="0" y="0"/>
+          <a:ext cx="0" cy="0"/>
+          <a:chOff x="0" y="0"/>
+          <a:chExt cx="0" cy="0"/>
+        </a:xfrm>
+      </p:grpSpPr>
+      <p:sp>
+        <p:nvSpPr>
+          <p:cNvPr id="2" name="Title 1">
+            <a:extLst>
+              <a:ext uri="{FF2B5EF4-FFF2-40B4-BE49-F238E27FC236}">
                 <a16:creationId xmlns:a16="http://schemas.microsoft.com/office/drawing/2014/main" id="{1966EF4C-D276-B54E-94F1-9B92B75D66C9}"/>
               </a:ext>
             </a:extLst>
@@ -13211,9 +13172,9 @@
           <a:bodyPr/>
           <a:lstStyle/>
           <a:p>
-            <a:fld id="{744A8FCD-B380-0545-AC27-0AB29A829177}" type="datetime1">
+            <a:fld id="{70752976-B00C-B84E-A50E-ADA58A7C31A0}" type="datetime1">
               <a:rPr lang="en-US" smtClean="0"/>
-              <a:t>9/23/20</a:t>
+              <a:t>3/9/21</a:t>
             </a:fld>
             <a:endParaRPr lang="en-US"/>
           </a:p>
@@ -14342,6 +14303,186 @@
                 <a:srgbClr val="FFFF00"/>
               </a:solidFill>
             </a:endParaRPr>
+          </a:p>
+        </p:txBody>
+      </p:sp>
+      <p:sp>
+        <p:nvSpPr>
+          <p:cNvPr id="5" name="Cloud Callout 4">
+            <a:extLst>
+              <a:ext uri="{FF2B5EF4-FFF2-40B4-BE49-F238E27FC236}">
+                <a16:creationId xmlns:a16="http://schemas.microsoft.com/office/drawing/2014/main" id="{1CA5D710-D6D9-EA44-93C6-C67B29C2D275}"/>
+              </a:ext>
+            </a:extLst>
+          </p:cNvPr>
+          <p:cNvSpPr/>
+          <p:nvPr/>
+        </p:nvSpPr>
+        <p:spPr>
+          <a:xfrm>
+            <a:off x="1183729" y="2536620"/>
+            <a:ext cx="1242847" cy="889169"/>
+          </a:xfrm>
+          <a:prstGeom prst="cloudCallout">
+            <a:avLst>
+              <a:gd name="adj1" fmla="val 84158"/>
+              <a:gd name="adj2" fmla="val -27028"/>
+            </a:avLst>
+          </a:prstGeom>
+          <a:solidFill>
+            <a:srgbClr val="FFFF00"/>
+          </a:solidFill>
+        </p:spPr>
+        <p:style>
+          <a:lnRef idx="2">
+            <a:schemeClr val="accent1">
+              <a:shade val="50000"/>
+            </a:schemeClr>
+          </a:lnRef>
+          <a:fillRef idx="1">
+            <a:schemeClr val="accent1"/>
+          </a:fillRef>
+          <a:effectRef idx="0">
+            <a:schemeClr val="accent1"/>
+          </a:effectRef>
+          <a:fontRef idx="minor">
+            <a:schemeClr val="lt1"/>
+          </a:fontRef>
+        </p:style>
+        <p:txBody>
+          <a:bodyPr rtlCol="0" anchor="ctr"/>
+          <a:lstStyle/>
+          <a:p>
+            <a:pPr algn="ctr"/>
+            <a:r>
+              <a:rPr lang="en-US" sz="1400" dirty="0">
+                <a:solidFill>
+                  <a:schemeClr val="bg1">
+                    <a:lumMod val="75000"/>
+                    <a:lumOff val="25000"/>
+                  </a:schemeClr>
+                </a:solidFill>
+              </a:rPr>
+              <a:t>gets</a:t>
+            </a:r>
+          </a:p>
+          <a:p>
+            <a:pPr algn="ctr"/>
+            <a:r>
+              <a:rPr lang="en-US" sz="1400" dirty="0">
+                <a:solidFill>
+                  <a:schemeClr val="bg1">
+                    <a:lumMod val="75000"/>
+                    <a:lumOff val="25000"/>
+                  </a:schemeClr>
+                </a:solidFill>
+              </a:rPr>
+              <a:t>created</a:t>
+            </a:r>
+          </a:p>
+          <a:p>
+            <a:pPr algn="ctr"/>
+            <a:r>
+              <a:rPr lang="en-US" sz="1400" dirty="0">
+                <a:solidFill>
+                  <a:schemeClr val="bg1">
+                    <a:lumMod val="75000"/>
+                    <a:lumOff val="25000"/>
+                  </a:schemeClr>
+                </a:solidFill>
+              </a:rPr>
+              <a:t>earlier</a:t>
+            </a:r>
+          </a:p>
+        </p:txBody>
+      </p:sp>
+      <p:sp>
+        <p:nvSpPr>
+          <p:cNvPr id="33" name="Cloud Callout 32">
+            <a:extLst>
+              <a:ext uri="{FF2B5EF4-FFF2-40B4-BE49-F238E27FC236}">
+                <a16:creationId xmlns:a16="http://schemas.microsoft.com/office/drawing/2014/main" id="{B0FCFAF1-AD8A-7445-A84E-610C118FBD5F}"/>
+              </a:ext>
+            </a:extLst>
+          </p:cNvPr>
+          <p:cNvSpPr/>
+          <p:nvPr/>
+        </p:nvSpPr>
+        <p:spPr>
+          <a:xfrm>
+            <a:off x="5650470" y="3215246"/>
+            <a:ext cx="1746495" cy="889169"/>
+          </a:xfrm>
+          <a:prstGeom prst="cloudCallout">
+            <a:avLst>
+              <a:gd name="adj1" fmla="val -160538"/>
+              <a:gd name="adj2" fmla="val 2538"/>
+            </a:avLst>
+          </a:prstGeom>
+          <a:solidFill>
+            <a:srgbClr val="FFFF00"/>
+          </a:solidFill>
+        </p:spPr>
+        <p:style>
+          <a:lnRef idx="2">
+            <a:schemeClr val="accent1">
+              <a:shade val="50000"/>
+            </a:schemeClr>
+          </a:lnRef>
+          <a:fillRef idx="1">
+            <a:schemeClr val="accent1"/>
+          </a:fillRef>
+          <a:effectRef idx="0">
+            <a:schemeClr val="accent1"/>
+          </a:effectRef>
+          <a:fontRef idx="minor">
+            <a:schemeClr val="lt1"/>
+          </a:fontRef>
+        </p:style>
+        <p:txBody>
+          <a:bodyPr rtlCol="0" anchor="ctr"/>
+          <a:lstStyle/>
+          <a:p>
+            <a:pPr algn="ctr"/>
+            <a:r>
+              <a:rPr lang="en-US" sz="1400" dirty="0">
+                <a:solidFill>
+                  <a:schemeClr val="bg1">
+                    <a:lumMod val="75000"/>
+                    <a:lumOff val="25000"/>
+                  </a:schemeClr>
+                </a:solidFill>
+              </a:rPr>
+              <a:t>still gets</a:t>
+            </a:r>
+          </a:p>
+          <a:p>
+            <a:pPr algn="ctr"/>
+            <a:r>
+              <a:rPr lang="en-US" sz="1400" dirty="0">
+                <a:solidFill>
+                  <a:schemeClr val="bg1">
+                    <a:lumMod val="75000"/>
+                    <a:lumOff val="25000"/>
+                  </a:schemeClr>
+                </a:solidFill>
+              </a:rPr>
+              <a:t>created</a:t>
+            </a:r>
+          </a:p>
+          <a:p>
+            <a:pPr algn="ctr"/>
+            <a:r>
+              <a:rPr lang="en-US" sz="1400" dirty="0">
+                <a:solidFill>
+                  <a:schemeClr val="bg1">
+                    <a:lumMod val="75000"/>
+                    <a:lumOff val="25000"/>
+                  </a:schemeClr>
+                </a:solidFill>
+              </a:rPr>
+              <a:t>late</a:t>
+            </a:r>
           </a:p>
         </p:txBody>
       </p:sp>
@@ -14676,6 +14817,94 @@
                       </p:childTnLst>
                     </p:cTn>
                   </p:par>
+                  <p:par>
+                    <p:cTn id="26" fill="hold">
+                      <p:stCondLst>
+                        <p:cond delay="indefinite"/>
+                      </p:stCondLst>
+                      <p:childTnLst>
+                        <p:par>
+                          <p:cTn id="27" fill="hold">
+                            <p:stCondLst>
+                              <p:cond delay="0"/>
+                            </p:stCondLst>
+                            <p:childTnLst>
+                              <p:par>
+                                <p:cTn id="28" presetID="9" presetClass="entr" presetSubtype="0" fill="hold" grpId="0" nodeType="clickEffect">
+                                  <p:stCondLst>
+                                    <p:cond delay="0"/>
+                                  </p:stCondLst>
+                                  <p:childTnLst>
+                                    <p:set>
+                                      <p:cBhvr>
+                                        <p:cTn id="29" dur="1" fill="hold">
+                                          <p:stCondLst>
+                                            <p:cond delay="0"/>
+                                          </p:stCondLst>
+                                        </p:cTn>
+                                        <p:tgtEl>
+                                          <p:spTgt spid="5"/>
+                                        </p:tgtEl>
+                                        <p:attrNameLst>
+                                          <p:attrName>style.visibility</p:attrName>
+                                        </p:attrNameLst>
+                                      </p:cBhvr>
+                                      <p:to>
+                                        <p:strVal val="visible"/>
+                                      </p:to>
+                                    </p:set>
+                                    <p:animEffect transition="in" filter="dissolve">
+                                      <p:cBhvr>
+                                        <p:cTn id="30" dur="500"/>
+                                        <p:tgtEl>
+                                          <p:spTgt spid="5"/>
+                                        </p:tgtEl>
+                                      </p:cBhvr>
+                                    </p:animEffect>
+                                  </p:childTnLst>
+                                </p:cTn>
+                              </p:par>
+                              <p:par>
+                                <p:cTn id="31" presetID="9" presetClass="entr" presetSubtype="0" fill="hold" grpId="0" nodeType="withEffect">
+                                  <p:stCondLst>
+                                    <p:cond delay="0"/>
+                                  </p:stCondLst>
+                                  <p:childTnLst>
+                                    <p:set>
+                                      <p:cBhvr>
+                                        <p:cTn id="32" dur="1" fill="hold">
+                                          <p:stCondLst>
+                                            <p:cond delay="0"/>
+                                          </p:stCondLst>
+                                        </p:cTn>
+                                        <p:tgtEl>
+                                          <p:spTgt spid="33"/>
+                                        </p:tgtEl>
+                                        <p:attrNameLst>
+                                          <p:attrName>style.visibility</p:attrName>
+                                        </p:attrNameLst>
+                                      </p:cBhvr>
+                                      <p:to>
+                                        <p:strVal val="visible"/>
+                                      </p:to>
+                                    </p:set>
+                                    <p:animEffect transition="in" filter="dissolve">
+                                      <p:cBhvr>
+                                        <p:cTn id="33" dur="500"/>
+                                        <p:tgtEl>
+                                          <p:spTgt spid="33"/>
+                                        </p:tgtEl>
+                                      </p:cBhvr>
+                                    </p:animEffect>
+                                  </p:childTnLst>
+                                </p:cTn>
+                              </p:par>
+                            </p:childTnLst>
+                          </p:cTn>
+                        </p:par>
+                      </p:childTnLst>
+                    </p:cTn>
+                  </p:par>
                 </p:childTnLst>
               </p:cTn>
               <p:prevCondLst>
@@ -14702,12 +14931,14 @@
       <p:bldP spid="23" grpId="0"/>
       <p:bldP spid="35" grpId="0"/>
       <p:bldP spid="36" grpId="0"/>
+      <p:bldP spid="5" grpId="0" animBg="1"/>
+      <p:bldP spid="33" grpId="0" animBg="1"/>
     </p:bldLst>
   </p:timing>
 </p:sld>
 </file>
 
-<file path=ppt/slides/slide5.xml><?xml version="1.0" encoding="utf-8"?>
+<file path=ppt/slides/slide6.xml><?xml version="1.0" encoding="utf-8"?>
 <p:sld xmlns:a="http://schemas.openxmlformats.org/drawingml/2006/main" xmlns:r="http://schemas.openxmlformats.org/officeDocument/2006/relationships" xmlns:p="http://schemas.openxmlformats.org/presentationml/2006/main">
   <p:cSld>
     <p:spTree>
@@ -14796,9 +15027,9 @@
           <a:bodyPr/>
           <a:lstStyle/>
           <a:p>
-            <a:fld id="{EA060481-BA00-9046-97CC-90DCD76B1421}" type="datetime1">
+            <a:fld id="{D9C66567-BA32-7141-9EA1-3C3848962B20}" type="datetime1">
               <a:rPr lang="en-US" smtClean="0"/>
-              <a:t>9/23/20</a:t>
+              <a:t>3/9/21</a:t>
             </a:fld>
             <a:endParaRPr lang="en-US"/>
           </a:p>
@@ -14847,7 +15078,7 @@
 </p:sld>
 </file>
 
-<file path=ppt/slides/slide6.xml><?xml version="1.0" encoding="utf-8"?>
+<file path=ppt/slides/slide7.xml><?xml version="1.0" encoding="utf-8"?>
 <p:sld xmlns:a="http://schemas.openxmlformats.org/drawingml/2006/main" xmlns:r="http://schemas.openxmlformats.org/officeDocument/2006/relationships" xmlns:p="http://schemas.openxmlformats.org/presentationml/2006/main">
   <p:cSld>
     <p:spTree>
@@ -15011,9 +15242,9 @@
           <a:bodyPr/>
           <a:lstStyle/>
           <a:p>
-            <a:fld id="{94DB115F-F549-7B42-AD35-0CB54795ACC7}" type="datetime1">
+            <a:fld id="{D94444B5-AE07-9A4C-A2DA-64380C5E8C4A}" type="datetime1">
               <a:rPr lang="en-US" smtClean="0"/>
-              <a:t>9/23/20</a:t>
+              <a:t>3/9/21</a:t>
             </a:fld>
             <a:endParaRPr lang="en-US"/>
           </a:p>
@@ -15155,97 +15386,6 @@
 </p:sld>
 </file>
 
-<file path=ppt/slides/slide7.xml><?xml version="1.0" encoding="utf-8"?>
-<p:sld xmlns:a="http://schemas.openxmlformats.org/drawingml/2006/main" xmlns:r="http://schemas.openxmlformats.org/officeDocument/2006/relationships" xmlns:p="http://schemas.openxmlformats.org/presentationml/2006/main">
-  <p:cSld>
-    <p:spTree>
-      <p:nvGrpSpPr>
-        <p:cNvPr id="1" name=""/>
-        <p:cNvGrpSpPr/>
-        <p:nvPr/>
-      </p:nvGrpSpPr>
-      <p:grpSpPr>
-        <a:xfrm>
-          <a:off x="0" y="0"/>
-          <a:ext cx="0" cy="0"/>
-          <a:chOff x="0" y="0"/>
-          <a:chExt cx="0" cy="0"/>
-        </a:xfrm>
-      </p:grpSpPr>
-      <p:sp>
-        <p:nvSpPr>
-          <p:cNvPr id="2" name="Title 1">
-            <a:extLst>
-              <a:ext uri="{FF2B5EF4-FFF2-40B4-BE49-F238E27FC236}">
-                <a16:creationId xmlns:a16="http://schemas.microsoft.com/office/drawing/2014/main" id="{BE733010-91A0-754A-BEA1-E85769667FA9}"/>
-              </a:ext>
-            </a:extLst>
-          </p:cNvPr>
-          <p:cNvSpPr>
-            <a:spLocks noGrp="1"/>
-          </p:cNvSpPr>
-          <p:nvPr>
-            <p:ph type="ctrTitle"/>
-          </p:nvPr>
-        </p:nvSpPr>
-        <p:spPr>
-          <a:xfrm>
-            <a:off x="273133" y="2733709"/>
-            <a:ext cx="8657112" cy="1373070"/>
-          </a:xfrm>
-        </p:spPr>
-        <p:txBody>
-          <a:bodyPr/>
-          <a:lstStyle/>
-          <a:p>
-            <a:r>
-              <a:rPr lang="en-US" dirty="0"/>
-              <a:t>"Global" Variable Definition</a:t>
-            </a:r>
-          </a:p>
-        </p:txBody>
-      </p:sp>
-      <p:sp>
-        <p:nvSpPr>
-          <p:cNvPr id="3" name="Subtitle 2">
-            <a:extLst>
-              <a:ext uri="{FF2B5EF4-FFF2-40B4-BE49-F238E27FC236}">
-                <a16:creationId xmlns:a16="http://schemas.microsoft.com/office/drawing/2014/main" id="{DA73FC3E-4E90-544E-9D15-2D464F3E94FF}"/>
-              </a:ext>
-            </a:extLst>
-          </p:cNvPr>
-          <p:cNvSpPr>
-            <a:spLocks noGrp="1"/>
-          </p:cNvSpPr>
-          <p:nvPr>
-            <p:ph type="subTitle" idx="1"/>
-          </p:nvPr>
-        </p:nvSpPr>
-        <p:spPr/>
-        <p:txBody>
-          <a:bodyPr/>
-          <a:lstStyle/>
-          <a:p>
-            <a:r>
-              <a:rPr lang="en-US" dirty="0"/>
-              <a:t>A paradigm shift</a:t>
-            </a:r>
-          </a:p>
-        </p:txBody>
-      </p:sp>
-    </p:spTree>
-    <p:extLst>
-      <p:ext uri="{BB962C8B-B14F-4D97-AF65-F5344CB8AC3E}">
-        <p14:creationId xmlns:p14="http://schemas.microsoft.com/office/powerpoint/2010/main" val="2867007256"/>
-      </p:ext>
-    </p:extLst>
-  </p:cSld>
-  <p:clrMapOvr>
-    <a:masterClrMapping/>
-  </p:clrMapOvr>
-</p:sld>
-</file>
-
 <file path=ppt/slides/slide8.xml><?xml version="1.0" encoding="utf-8"?>
 <p:sld xmlns:a="http://schemas.openxmlformats.org/drawingml/2006/main" xmlns:r="http://schemas.openxmlformats.org/officeDocument/2006/relationships" xmlns:p="http://schemas.openxmlformats.org/presentationml/2006/main">
   <p:cSld>
@@ -15268,6 +15408,141 @@
           <p:cNvPr id="2" name="Title 1">
             <a:extLst>
               <a:ext uri="{FF2B5EF4-FFF2-40B4-BE49-F238E27FC236}">
+                <a16:creationId xmlns:a16="http://schemas.microsoft.com/office/drawing/2014/main" id="{BE733010-91A0-754A-BEA1-E85769667FA9}"/>
+              </a:ext>
+            </a:extLst>
+          </p:cNvPr>
+          <p:cNvSpPr>
+            <a:spLocks noGrp="1"/>
+          </p:cNvSpPr>
+          <p:nvPr>
+            <p:ph type="ctrTitle"/>
+          </p:nvPr>
+        </p:nvSpPr>
+        <p:spPr>
+          <a:xfrm>
+            <a:off x="273133" y="2733709"/>
+            <a:ext cx="8657112" cy="1373070"/>
+          </a:xfrm>
+        </p:spPr>
+        <p:txBody>
+          <a:bodyPr/>
+          <a:lstStyle/>
+          <a:p>
+            <a:r>
+              <a:rPr lang="en-US" dirty="0"/>
+              <a:t>"Global" Variable Definition</a:t>
+            </a:r>
+          </a:p>
+        </p:txBody>
+      </p:sp>
+      <p:sp>
+        <p:nvSpPr>
+          <p:cNvPr id="3" name="Subtitle 2">
+            <a:extLst>
+              <a:ext uri="{FF2B5EF4-FFF2-40B4-BE49-F238E27FC236}">
+                <a16:creationId xmlns:a16="http://schemas.microsoft.com/office/drawing/2014/main" id="{DA73FC3E-4E90-544E-9D15-2D464F3E94FF}"/>
+              </a:ext>
+            </a:extLst>
+          </p:cNvPr>
+          <p:cNvSpPr>
+            <a:spLocks noGrp="1"/>
+          </p:cNvSpPr>
+          <p:nvPr>
+            <p:ph type="subTitle" idx="1"/>
+          </p:nvPr>
+        </p:nvSpPr>
+        <p:spPr/>
+        <p:txBody>
+          <a:bodyPr/>
+          <a:lstStyle/>
+          <a:p>
+            <a:r>
+              <a:rPr lang="en-US" dirty="0"/>
+              <a:t>A paradigm shift</a:t>
+            </a:r>
+          </a:p>
+        </p:txBody>
+      </p:sp>
+      <p:sp>
+        <p:nvSpPr>
+          <p:cNvPr id="5" name="TextBox 4">
+            <a:extLst>
+              <a:ext uri="{FF2B5EF4-FFF2-40B4-BE49-F238E27FC236}">
+                <a16:creationId xmlns:a16="http://schemas.microsoft.com/office/drawing/2014/main" id="{C66C8260-F876-524C-9CF6-95E0CB119326}"/>
+              </a:ext>
+            </a:extLst>
+          </p:cNvPr>
+          <p:cNvSpPr txBox="1"/>
+          <p:nvPr/>
+        </p:nvSpPr>
+        <p:spPr>
+          <a:xfrm>
+            <a:off x="10481310" y="5123106"/>
+            <a:ext cx="1087927" cy="1292662"/>
+          </a:xfrm>
+          <a:prstGeom prst="rect">
+            <a:avLst/>
+          </a:prstGeom>
+          <a:noFill/>
+        </p:spPr>
+        <p:txBody>
+          <a:bodyPr wrap="none" rtlCol="0">
+            <a:spAutoFit/>
+          </a:bodyPr>
+          <a:lstStyle/>
+          <a:p>
+            <a:pPr algn="ctr"/>
+            <a:r>
+              <a:rPr lang="en-US" dirty="0"/>
+              <a:t>This … is</a:t>
+            </a:r>
+          </a:p>
+          <a:p>
+            <a:pPr algn="ctr"/>
+            <a:r>
+              <a:rPr lang="en-US" sz="6000" dirty="0"/>
+              <a:t>V6</a:t>
+            </a:r>
+            <a:endParaRPr lang="en-US" dirty="0"/>
+          </a:p>
+        </p:txBody>
+      </p:sp>
+    </p:spTree>
+    <p:extLst>
+      <p:ext uri="{BB962C8B-B14F-4D97-AF65-F5344CB8AC3E}">
+        <p14:creationId xmlns:p14="http://schemas.microsoft.com/office/powerpoint/2010/main" val="2867007256"/>
+      </p:ext>
+    </p:extLst>
+  </p:cSld>
+  <p:clrMapOvr>
+    <a:masterClrMapping/>
+  </p:clrMapOvr>
+</p:sld>
+</file>
+
+<file path=ppt/slides/slide9.xml><?xml version="1.0" encoding="utf-8"?>
+<p:sld xmlns:a="http://schemas.openxmlformats.org/drawingml/2006/main" xmlns:r="http://schemas.openxmlformats.org/officeDocument/2006/relationships" xmlns:p="http://schemas.openxmlformats.org/presentationml/2006/main">
+  <p:cSld>
+    <p:spTree>
+      <p:nvGrpSpPr>
+        <p:cNvPr id="1" name=""/>
+        <p:cNvGrpSpPr/>
+        <p:nvPr/>
+      </p:nvGrpSpPr>
+      <p:grpSpPr>
+        <a:xfrm>
+          <a:off x="0" y="0"/>
+          <a:ext cx="0" cy="0"/>
+          <a:chOff x="0" y="0"/>
+          <a:chExt cx="0" cy="0"/>
+        </a:xfrm>
+      </p:grpSpPr>
+      <p:sp>
+        <p:nvSpPr>
+          <p:cNvPr id="2" name="Title 1">
+            <a:extLst>
+              <a:ext uri="{FF2B5EF4-FFF2-40B4-BE49-F238E27FC236}">
                 <a16:creationId xmlns:a16="http://schemas.microsoft.com/office/drawing/2014/main" id="{F5BBD16D-8FAB-F340-83DB-C39518F2D66E}"/>
               </a:ext>
             </a:extLst>
@@ -15438,9 +15713,9 @@
           <a:bodyPr/>
           <a:lstStyle/>
           <a:p>
-            <a:fld id="{396623B2-6E8E-8F4A-B8AE-F0AF71B08C01}" type="datetime1">
+            <a:fld id="{F13EA0EB-4B46-9A48-AF47-F99146591A04}" type="datetime1">
               <a:rPr lang="en-US" smtClean="0"/>
-              <a:t>9/23/20</a:t>
+              <a:t>3/9/21</a:t>
             </a:fld>
             <a:endParaRPr lang="en-US"/>
           </a:p>
@@ -15480,811 +15755,6 @@
     <p:extLst>
       <p:ext uri="{BB962C8B-B14F-4D97-AF65-F5344CB8AC3E}">
         <p14:creationId xmlns:p14="http://schemas.microsoft.com/office/powerpoint/2010/main" val="419180934"/>
-      </p:ext>
-    </p:extLst>
-  </p:cSld>
-  <p:clrMapOvr>
-    <a:masterClrMapping/>
-  </p:clrMapOvr>
-  <p:timing>
-    <p:tnLst>
-      <p:par>
-        <p:cTn id="1" dur="indefinite" restart="never" nodeType="tmRoot">
-          <p:childTnLst>
-            <p:seq concurrent="1" nextAc="seek">
-              <p:cTn id="2" dur="indefinite" nodeType="mainSeq">
-                <p:childTnLst>
-                  <p:par>
-                    <p:cTn id="3" fill="hold">
-                      <p:stCondLst>
-                        <p:cond delay="indefinite"/>
-                      </p:stCondLst>
-                      <p:childTnLst>
-                        <p:par>
-                          <p:cTn id="4" fill="hold">
-                            <p:stCondLst>
-                              <p:cond delay="0"/>
-                            </p:stCondLst>
-                            <p:childTnLst>
-                              <p:par>
-                                <p:cTn id="5" presetID="9" presetClass="entr" presetSubtype="0" fill="hold" grpId="0" nodeType="clickEffect">
-                                  <p:stCondLst>
-                                    <p:cond delay="0"/>
-                                  </p:stCondLst>
-                                  <p:childTnLst>
-                                    <p:set>
-                                      <p:cBhvr>
-                                        <p:cTn id="6" dur="1" fill="hold">
-                                          <p:stCondLst>
-                                            <p:cond delay="0"/>
-                                          </p:stCondLst>
-                                        </p:cTn>
-                                        <p:tgtEl>
-                                          <p:spTgt spid="3">
-                                            <p:txEl>
-                                              <p:pRg st="0" end="0"/>
-                                            </p:txEl>
-                                          </p:spTgt>
-                                        </p:tgtEl>
-                                        <p:attrNameLst>
-                                          <p:attrName>style.visibility</p:attrName>
-                                        </p:attrNameLst>
-                                      </p:cBhvr>
-                                      <p:to>
-                                        <p:strVal val="visible"/>
-                                      </p:to>
-                                    </p:set>
-                                    <p:animEffect transition="in" filter="dissolve">
-                                      <p:cBhvr>
-                                        <p:cTn id="7" dur="500"/>
-                                        <p:tgtEl>
-                                          <p:spTgt spid="3">
-                                            <p:txEl>
-                                              <p:pRg st="0" end="0"/>
-                                            </p:txEl>
-                                          </p:spTgt>
-                                        </p:tgtEl>
-                                      </p:cBhvr>
-                                    </p:animEffect>
-                                  </p:childTnLst>
-                                </p:cTn>
-                              </p:par>
-                            </p:childTnLst>
-                          </p:cTn>
-                        </p:par>
-                      </p:childTnLst>
-                    </p:cTn>
-                  </p:par>
-                  <p:par>
-                    <p:cTn id="8" fill="hold">
-                      <p:stCondLst>
-                        <p:cond delay="indefinite"/>
-                      </p:stCondLst>
-                      <p:childTnLst>
-                        <p:par>
-                          <p:cTn id="9" fill="hold">
-                            <p:stCondLst>
-                              <p:cond delay="0"/>
-                            </p:stCondLst>
-                            <p:childTnLst>
-                              <p:par>
-                                <p:cTn id="10" presetID="9" presetClass="entr" presetSubtype="0" fill="hold" grpId="0" nodeType="clickEffect">
-                                  <p:stCondLst>
-                                    <p:cond delay="0"/>
-                                  </p:stCondLst>
-                                  <p:childTnLst>
-                                    <p:set>
-                                      <p:cBhvr>
-                                        <p:cTn id="11" dur="1" fill="hold">
-                                          <p:stCondLst>
-                                            <p:cond delay="0"/>
-                                          </p:stCondLst>
-                                        </p:cTn>
-                                        <p:tgtEl>
-                                          <p:spTgt spid="3">
-                                            <p:txEl>
-                                              <p:pRg st="1" end="1"/>
-                                            </p:txEl>
-                                          </p:spTgt>
-                                        </p:tgtEl>
-                                        <p:attrNameLst>
-                                          <p:attrName>style.visibility</p:attrName>
-                                        </p:attrNameLst>
-                                      </p:cBhvr>
-                                      <p:to>
-                                        <p:strVal val="visible"/>
-                                      </p:to>
-                                    </p:set>
-                                    <p:animEffect transition="in" filter="dissolve">
-                                      <p:cBhvr>
-                                        <p:cTn id="12" dur="500"/>
-                                        <p:tgtEl>
-                                          <p:spTgt spid="3">
-                                            <p:txEl>
-                                              <p:pRg st="1" end="1"/>
-                                            </p:txEl>
-                                          </p:spTgt>
-                                        </p:tgtEl>
-                                      </p:cBhvr>
-                                    </p:animEffect>
-                                  </p:childTnLst>
-                                </p:cTn>
-                              </p:par>
-                            </p:childTnLst>
-                          </p:cTn>
-                        </p:par>
-                      </p:childTnLst>
-                    </p:cTn>
-                  </p:par>
-                  <p:par>
-                    <p:cTn id="13" fill="hold">
-                      <p:stCondLst>
-                        <p:cond delay="indefinite"/>
-                      </p:stCondLst>
-                      <p:childTnLst>
-                        <p:par>
-                          <p:cTn id="14" fill="hold">
-                            <p:stCondLst>
-                              <p:cond delay="0"/>
-                            </p:stCondLst>
-                            <p:childTnLst>
-                              <p:par>
-                                <p:cTn id="15" presetID="9" presetClass="entr" presetSubtype="0" fill="hold" grpId="0" nodeType="clickEffect">
-                                  <p:stCondLst>
-                                    <p:cond delay="0"/>
-                                  </p:stCondLst>
-                                  <p:childTnLst>
-                                    <p:set>
-                                      <p:cBhvr>
-                                        <p:cTn id="16" dur="1" fill="hold">
-                                          <p:stCondLst>
-                                            <p:cond delay="0"/>
-                                          </p:stCondLst>
-                                        </p:cTn>
-                                        <p:tgtEl>
-                                          <p:spTgt spid="3">
-                                            <p:txEl>
-                                              <p:pRg st="2" end="2"/>
-                                            </p:txEl>
-                                          </p:spTgt>
-                                        </p:tgtEl>
-                                        <p:attrNameLst>
-                                          <p:attrName>style.visibility</p:attrName>
-                                        </p:attrNameLst>
-                                      </p:cBhvr>
-                                      <p:to>
-                                        <p:strVal val="visible"/>
-                                      </p:to>
-                                    </p:set>
-                                    <p:animEffect transition="in" filter="dissolve">
-                                      <p:cBhvr>
-                                        <p:cTn id="17" dur="500"/>
-                                        <p:tgtEl>
-                                          <p:spTgt spid="3">
-                                            <p:txEl>
-                                              <p:pRg st="2" end="2"/>
-                                            </p:txEl>
-                                          </p:spTgt>
-                                        </p:tgtEl>
-                                      </p:cBhvr>
-                                    </p:animEffect>
-                                  </p:childTnLst>
-                                </p:cTn>
-                              </p:par>
-                            </p:childTnLst>
-                          </p:cTn>
-                        </p:par>
-                      </p:childTnLst>
-                    </p:cTn>
-                  </p:par>
-                  <p:par>
-                    <p:cTn id="18" fill="hold">
-                      <p:stCondLst>
-                        <p:cond delay="indefinite"/>
-                      </p:stCondLst>
-                      <p:childTnLst>
-                        <p:par>
-                          <p:cTn id="19" fill="hold">
-                            <p:stCondLst>
-                              <p:cond delay="0"/>
-                            </p:stCondLst>
-                            <p:childTnLst>
-                              <p:par>
-                                <p:cTn id="20" presetID="9" presetClass="entr" presetSubtype="0" fill="hold" grpId="0" nodeType="clickEffect">
-                                  <p:stCondLst>
-                                    <p:cond delay="0"/>
-                                  </p:stCondLst>
-                                  <p:childTnLst>
-                                    <p:set>
-                                      <p:cBhvr>
-                                        <p:cTn id="21" dur="1" fill="hold">
-                                          <p:stCondLst>
-                                            <p:cond delay="0"/>
-                                          </p:stCondLst>
-                                        </p:cTn>
-                                        <p:tgtEl>
-                                          <p:spTgt spid="3">
-                                            <p:txEl>
-                                              <p:pRg st="3" end="3"/>
-                                            </p:txEl>
-                                          </p:spTgt>
-                                        </p:tgtEl>
-                                        <p:attrNameLst>
-                                          <p:attrName>style.visibility</p:attrName>
-                                        </p:attrNameLst>
-                                      </p:cBhvr>
-                                      <p:to>
-                                        <p:strVal val="visible"/>
-                                      </p:to>
-                                    </p:set>
-                                    <p:animEffect transition="in" filter="dissolve">
-                                      <p:cBhvr>
-                                        <p:cTn id="22" dur="500"/>
-                                        <p:tgtEl>
-                                          <p:spTgt spid="3">
-                                            <p:txEl>
-                                              <p:pRg st="3" end="3"/>
-                                            </p:txEl>
-                                          </p:spTgt>
-                                        </p:tgtEl>
-                                      </p:cBhvr>
-                                    </p:animEffect>
-                                  </p:childTnLst>
-                                </p:cTn>
-                              </p:par>
-                            </p:childTnLst>
-                          </p:cTn>
-                        </p:par>
-                      </p:childTnLst>
-                    </p:cTn>
-                  </p:par>
-                  <p:par>
-                    <p:cTn id="23" fill="hold">
-                      <p:stCondLst>
-                        <p:cond delay="indefinite"/>
-                      </p:stCondLst>
-                      <p:childTnLst>
-                        <p:par>
-                          <p:cTn id="24" fill="hold">
-                            <p:stCondLst>
-                              <p:cond delay="0"/>
-                            </p:stCondLst>
-                            <p:childTnLst>
-                              <p:par>
-                                <p:cTn id="25" presetID="9" presetClass="entr" presetSubtype="0" fill="hold" grpId="0" nodeType="clickEffect">
-                                  <p:stCondLst>
-                                    <p:cond delay="0"/>
-                                  </p:stCondLst>
-                                  <p:childTnLst>
-                                    <p:set>
-                                      <p:cBhvr>
-                                        <p:cTn id="26" dur="1" fill="hold">
-                                          <p:stCondLst>
-                                            <p:cond delay="0"/>
-                                          </p:stCondLst>
-                                        </p:cTn>
-                                        <p:tgtEl>
-                                          <p:spTgt spid="3">
-                                            <p:txEl>
-                                              <p:pRg st="4" end="4"/>
-                                            </p:txEl>
-                                          </p:spTgt>
-                                        </p:tgtEl>
-                                        <p:attrNameLst>
-                                          <p:attrName>style.visibility</p:attrName>
-                                        </p:attrNameLst>
-                                      </p:cBhvr>
-                                      <p:to>
-                                        <p:strVal val="visible"/>
-                                      </p:to>
-                                    </p:set>
-                                    <p:animEffect transition="in" filter="dissolve">
-                                      <p:cBhvr>
-                                        <p:cTn id="27" dur="500"/>
-                                        <p:tgtEl>
-                                          <p:spTgt spid="3">
-                                            <p:txEl>
-                                              <p:pRg st="4" end="4"/>
-                                            </p:txEl>
-                                          </p:spTgt>
-                                        </p:tgtEl>
-                                      </p:cBhvr>
-                                    </p:animEffect>
-                                  </p:childTnLst>
-                                </p:cTn>
-                              </p:par>
-                            </p:childTnLst>
-                          </p:cTn>
-                        </p:par>
-                      </p:childTnLst>
-                    </p:cTn>
-                  </p:par>
-                  <p:par>
-                    <p:cTn id="28" fill="hold">
-                      <p:stCondLst>
-                        <p:cond delay="indefinite"/>
-                      </p:stCondLst>
-                      <p:childTnLst>
-                        <p:par>
-                          <p:cTn id="29" fill="hold">
-                            <p:stCondLst>
-                              <p:cond delay="0"/>
-                            </p:stCondLst>
-                            <p:childTnLst>
-                              <p:par>
-                                <p:cTn id="30" presetID="9" presetClass="entr" presetSubtype="0" fill="hold" grpId="0" nodeType="clickEffect">
-                                  <p:stCondLst>
-                                    <p:cond delay="0"/>
-                                  </p:stCondLst>
-                                  <p:childTnLst>
-                                    <p:set>
-                                      <p:cBhvr>
-                                        <p:cTn id="31" dur="1" fill="hold">
-                                          <p:stCondLst>
-                                            <p:cond delay="0"/>
-                                          </p:stCondLst>
-                                        </p:cTn>
-                                        <p:tgtEl>
-                                          <p:spTgt spid="3">
-                                            <p:txEl>
-                                              <p:pRg st="5" end="5"/>
-                                            </p:txEl>
-                                          </p:spTgt>
-                                        </p:tgtEl>
-                                        <p:attrNameLst>
-                                          <p:attrName>style.visibility</p:attrName>
-                                        </p:attrNameLst>
-                                      </p:cBhvr>
-                                      <p:to>
-                                        <p:strVal val="visible"/>
-                                      </p:to>
-                                    </p:set>
-                                    <p:animEffect transition="in" filter="dissolve">
-                                      <p:cBhvr>
-                                        <p:cTn id="32" dur="500"/>
-                                        <p:tgtEl>
-                                          <p:spTgt spid="3">
-                                            <p:txEl>
-                                              <p:pRg st="5" end="5"/>
-                                            </p:txEl>
-                                          </p:spTgt>
-                                        </p:tgtEl>
-                                      </p:cBhvr>
-                                    </p:animEffect>
-                                  </p:childTnLst>
-                                </p:cTn>
-                              </p:par>
-                            </p:childTnLst>
-                          </p:cTn>
-                        </p:par>
-                      </p:childTnLst>
-                    </p:cTn>
-                  </p:par>
-                  <p:par>
-                    <p:cTn id="33" fill="hold">
-                      <p:stCondLst>
-                        <p:cond delay="indefinite"/>
-                      </p:stCondLst>
-                      <p:childTnLst>
-                        <p:par>
-                          <p:cTn id="34" fill="hold">
-                            <p:stCondLst>
-                              <p:cond delay="0"/>
-                            </p:stCondLst>
-                            <p:childTnLst>
-                              <p:par>
-                                <p:cTn id="35" presetID="9" presetClass="entr" presetSubtype="0" fill="hold" grpId="0" nodeType="clickEffect">
-                                  <p:stCondLst>
-                                    <p:cond delay="0"/>
-                                  </p:stCondLst>
-                                  <p:childTnLst>
-                                    <p:set>
-                                      <p:cBhvr>
-                                        <p:cTn id="36" dur="1" fill="hold">
-                                          <p:stCondLst>
-                                            <p:cond delay="0"/>
-                                          </p:stCondLst>
-                                        </p:cTn>
-                                        <p:tgtEl>
-                                          <p:spTgt spid="3">
-                                            <p:txEl>
-                                              <p:pRg st="6" end="6"/>
-                                            </p:txEl>
-                                          </p:spTgt>
-                                        </p:tgtEl>
-                                        <p:attrNameLst>
-                                          <p:attrName>style.visibility</p:attrName>
-                                        </p:attrNameLst>
-                                      </p:cBhvr>
-                                      <p:to>
-                                        <p:strVal val="visible"/>
-                                      </p:to>
-                                    </p:set>
-                                    <p:animEffect transition="in" filter="dissolve">
-                                      <p:cBhvr>
-                                        <p:cTn id="37" dur="500"/>
-                                        <p:tgtEl>
-                                          <p:spTgt spid="3">
-                                            <p:txEl>
-                                              <p:pRg st="6" end="6"/>
-                                            </p:txEl>
-                                          </p:spTgt>
-                                        </p:tgtEl>
-                                      </p:cBhvr>
-                                    </p:animEffect>
-                                  </p:childTnLst>
-                                </p:cTn>
-                              </p:par>
-                            </p:childTnLst>
-                          </p:cTn>
-                        </p:par>
-                      </p:childTnLst>
-                    </p:cTn>
-                  </p:par>
-                  <p:par>
-                    <p:cTn id="38" fill="hold">
-                      <p:stCondLst>
-                        <p:cond delay="indefinite"/>
-                      </p:stCondLst>
-                      <p:childTnLst>
-                        <p:par>
-                          <p:cTn id="39" fill="hold">
-                            <p:stCondLst>
-                              <p:cond delay="0"/>
-                            </p:stCondLst>
-                            <p:childTnLst>
-                              <p:par>
-                                <p:cTn id="40" presetID="9" presetClass="entr" presetSubtype="0" fill="hold" grpId="0" nodeType="clickEffect">
-                                  <p:stCondLst>
-                                    <p:cond delay="0"/>
-                                  </p:stCondLst>
-                                  <p:childTnLst>
-                                    <p:set>
-                                      <p:cBhvr>
-                                        <p:cTn id="41" dur="1" fill="hold">
-                                          <p:stCondLst>
-                                            <p:cond delay="0"/>
-                                          </p:stCondLst>
-                                        </p:cTn>
-                                        <p:tgtEl>
-                                          <p:spTgt spid="3">
-                                            <p:txEl>
-                                              <p:pRg st="7" end="7"/>
-                                            </p:txEl>
-                                          </p:spTgt>
-                                        </p:tgtEl>
-                                        <p:attrNameLst>
-                                          <p:attrName>style.visibility</p:attrName>
-                                        </p:attrNameLst>
-                                      </p:cBhvr>
-                                      <p:to>
-                                        <p:strVal val="visible"/>
-                                      </p:to>
-                                    </p:set>
-                                    <p:animEffect transition="in" filter="dissolve">
-                                      <p:cBhvr>
-                                        <p:cTn id="42" dur="500"/>
-                                        <p:tgtEl>
-                                          <p:spTgt spid="3">
-                                            <p:txEl>
-                                              <p:pRg st="7" end="7"/>
-                                            </p:txEl>
-                                          </p:spTgt>
-                                        </p:tgtEl>
-                                      </p:cBhvr>
-                                    </p:animEffect>
-                                  </p:childTnLst>
-                                </p:cTn>
-                              </p:par>
-                              <p:par>
-                                <p:cTn id="43" presetID="9" presetClass="entr" presetSubtype="0" fill="hold" nodeType="withEffect">
-                                  <p:stCondLst>
-                                    <p:cond delay="0"/>
-                                  </p:stCondLst>
-                                  <p:childTnLst>
-                                    <p:set>
-                                      <p:cBhvr>
-                                        <p:cTn id="44" dur="1" fill="hold">
-                                          <p:stCondLst>
-                                            <p:cond delay="0"/>
-                                          </p:stCondLst>
-                                        </p:cTn>
-                                        <p:tgtEl>
-                                          <p:spTgt spid="7"/>
-                                        </p:tgtEl>
-                                        <p:attrNameLst>
-                                          <p:attrName>style.visibility</p:attrName>
-                                        </p:attrNameLst>
-                                      </p:cBhvr>
-                                      <p:to>
-                                        <p:strVal val="visible"/>
-                                      </p:to>
-                                    </p:set>
-                                    <p:animEffect transition="in" filter="dissolve">
-                                      <p:cBhvr>
-                                        <p:cTn id="45" dur="1000"/>
-                                        <p:tgtEl>
-                                          <p:spTgt spid="7"/>
-                                        </p:tgtEl>
-                                      </p:cBhvr>
-                                    </p:animEffect>
-                                  </p:childTnLst>
-                                </p:cTn>
-                              </p:par>
-                            </p:childTnLst>
-                          </p:cTn>
-                        </p:par>
-                      </p:childTnLst>
-                    </p:cTn>
-                  </p:par>
-                </p:childTnLst>
-              </p:cTn>
-              <p:prevCondLst>
-                <p:cond evt="onPrev" delay="0">
-                  <p:tgtEl>
-                    <p:sldTgt/>
-                  </p:tgtEl>
-                </p:cond>
-              </p:prevCondLst>
-              <p:nextCondLst>
-                <p:cond evt="onNext" delay="0">
-                  <p:tgtEl>
-                    <p:sldTgt/>
-                  </p:tgtEl>
-                </p:cond>
-              </p:nextCondLst>
-            </p:seq>
-          </p:childTnLst>
-        </p:cTn>
-      </p:par>
-    </p:tnLst>
-    <p:bldLst>
-      <p:bldP spid="3" grpId="0" build="p" bldLvl="2"/>
-    </p:bldLst>
-  </p:timing>
-</p:sld>
-</file>
-
-<file path=ppt/slides/slide9.xml><?xml version="1.0" encoding="utf-8"?>
-<p:sld xmlns:a="http://schemas.openxmlformats.org/drawingml/2006/main" xmlns:r="http://schemas.openxmlformats.org/officeDocument/2006/relationships" xmlns:p="http://schemas.openxmlformats.org/presentationml/2006/main">
-  <p:cSld>
-    <p:spTree>
-      <p:nvGrpSpPr>
-        <p:cNvPr id="1" name=""/>
-        <p:cNvGrpSpPr/>
-        <p:nvPr/>
-      </p:nvGrpSpPr>
-      <p:grpSpPr>
-        <a:xfrm>
-          <a:off x="0" y="0"/>
-          <a:ext cx="0" cy="0"/>
-          <a:chOff x="0" y="0"/>
-          <a:chExt cx="0" cy="0"/>
-        </a:xfrm>
-      </p:grpSpPr>
-      <p:sp>
-        <p:nvSpPr>
-          <p:cNvPr id="2" name="Title 1">
-            <a:extLst>
-              <a:ext uri="{FF2B5EF4-FFF2-40B4-BE49-F238E27FC236}">
-                <a16:creationId xmlns:a16="http://schemas.microsoft.com/office/drawing/2014/main" id="{43ADAE91-1D43-3840-92B7-4C65E222FA48}"/>
-              </a:ext>
-            </a:extLst>
-          </p:cNvPr>
-          <p:cNvSpPr>
-            <a:spLocks noGrp="1"/>
-          </p:cNvSpPr>
-          <p:nvPr>
-            <p:ph type="title"/>
-          </p:nvPr>
-        </p:nvSpPr>
-        <p:spPr/>
-        <p:txBody>
-          <a:bodyPr/>
-          <a:lstStyle/>
-          <a:p>
-            <a:r>
-              <a:rPr lang="en-US" dirty="0"/>
-              <a:t>Redefining the Top of the Grammar</a:t>
-            </a:r>
-          </a:p>
-        </p:txBody>
-      </p:sp>
-      <p:sp>
-        <p:nvSpPr>
-          <p:cNvPr id="3" name="Content Placeholder 2">
-            <a:extLst>
-              <a:ext uri="{FF2B5EF4-FFF2-40B4-BE49-F238E27FC236}">
-                <a16:creationId xmlns:a16="http://schemas.microsoft.com/office/drawing/2014/main" id="{35C3AE0A-49F7-3440-B836-80195A5610BC}"/>
-              </a:ext>
-            </a:extLst>
-          </p:cNvPr>
-          <p:cNvSpPr>
-            <a:spLocks noGrp="1"/>
-          </p:cNvSpPr>
-          <p:nvPr>
-            <p:ph idx="1"/>
-          </p:nvPr>
-        </p:nvSpPr>
-        <p:spPr>
-          <a:xfrm>
-            <a:off x="680321" y="2075615"/>
-            <a:ext cx="9613861" cy="4521127"/>
-          </a:xfrm>
-        </p:spPr>
-        <p:txBody>
-          <a:bodyPr/>
-          <a:lstStyle/>
-          <a:p>
-            <a:pPr marL="0" indent="0">
-              <a:buNone/>
-            </a:pPr>
-            <a:r>
-              <a:rPr lang="en-US" dirty="0">
-                <a:latin typeface="Andale Mono" panose="020B0509000000000004" pitchFamily="49" charset="0"/>
-              </a:rPr>
-              <a:t>&lt;program&gt;:Define ::= DEFINE &lt;VAR&gt; ASSIGN &lt;</a:t>
-            </a:r>
-            <a:r>
-              <a:rPr lang="en-US" dirty="0" err="1">
-                <a:latin typeface="Andale Mono" panose="020B0509000000000004" pitchFamily="49" charset="0"/>
-              </a:rPr>
-              <a:t>exp</a:t>
-            </a:r>
-            <a:r>
-              <a:rPr lang="en-US" dirty="0">
-                <a:latin typeface="Andale Mono" panose="020B0509000000000004" pitchFamily="49" charset="0"/>
-              </a:rPr>
-              <a:t>&gt;</a:t>
-            </a:r>
-          </a:p>
-          <a:p>
-            <a:pPr marL="0" indent="0">
-              <a:buNone/>
-            </a:pPr>
-            <a:r>
-              <a:rPr lang="en-US" dirty="0">
-                <a:latin typeface="Andale Mono" panose="020B0509000000000004" pitchFamily="49" charset="0"/>
-              </a:rPr>
-              <a:t>&lt;program&gt;:</a:t>
-            </a:r>
-            <a:r>
-              <a:rPr lang="en-US" dirty="0" err="1">
-                <a:latin typeface="Andale Mono" panose="020B0509000000000004" pitchFamily="49" charset="0"/>
-              </a:rPr>
-              <a:t>Eval</a:t>
-            </a:r>
-            <a:r>
-              <a:rPr lang="en-US" dirty="0">
-                <a:latin typeface="Andale Mono" panose="020B0509000000000004" pitchFamily="49" charset="0"/>
-              </a:rPr>
-              <a:t>   ::= &lt;</a:t>
-            </a:r>
-            <a:r>
-              <a:rPr lang="en-US" dirty="0" err="1">
-                <a:latin typeface="Andale Mono" panose="020B0509000000000004" pitchFamily="49" charset="0"/>
-              </a:rPr>
-              <a:t>exp</a:t>
-            </a:r>
-            <a:r>
-              <a:rPr lang="en-US" dirty="0">
-                <a:latin typeface="Andale Mono" panose="020B0509000000000004" pitchFamily="49" charset="0"/>
-              </a:rPr>
-              <a:t>&gt;</a:t>
-            </a:r>
-          </a:p>
-          <a:p>
-            <a:pPr marL="0" indent="0">
-              <a:buNone/>
-            </a:pPr>
-            <a:endParaRPr lang="en-US" dirty="0">
-              <a:latin typeface="Andale Mono" panose="020B0509000000000004" pitchFamily="49" charset="0"/>
-            </a:endParaRPr>
-          </a:p>
-          <a:p>
-            <a:r>
-              <a:rPr lang="en-US" dirty="0"/>
-              <a:t>Semantically, these definitions will survive for the entire time we execute </a:t>
-            </a:r>
-            <a:r>
-              <a:rPr lang="en-US" b="1" dirty="0"/>
-              <a:t>rep</a:t>
-            </a:r>
-            <a:r>
-              <a:rPr lang="en-US" dirty="0"/>
-              <a:t>.</a:t>
-            </a:r>
-          </a:p>
-          <a:p>
-            <a:pPr marL="0" indent="0">
-              <a:buNone/>
-            </a:pPr>
-            <a:r>
-              <a:rPr lang="en-US" dirty="0">
-                <a:latin typeface="Andale Mono" panose="020B0509000000000004" pitchFamily="49" charset="0"/>
-              </a:rPr>
-              <a:t>$ rep</a:t>
-            </a:r>
-          </a:p>
-          <a:p>
-            <a:pPr marL="0" indent="0">
-              <a:buNone/>
-            </a:pPr>
-            <a:r>
-              <a:rPr lang="en-US" dirty="0">
-                <a:latin typeface="Andale Mono" panose="020B0509000000000004" pitchFamily="49" charset="0"/>
-              </a:rPr>
-              <a:t>--&gt; define a = 20</a:t>
-            </a:r>
-          </a:p>
-          <a:p>
-            <a:pPr marL="0" indent="0">
-              <a:buNone/>
-            </a:pPr>
-            <a:r>
-              <a:rPr lang="en-US" dirty="0">
-                <a:latin typeface="Andale Mono" panose="020B0509000000000004" pitchFamily="49" charset="0"/>
-              </a:rPr>
-              <a:t>20</a:t>
-            </a:r>
-          </a:p>
-          <a:p>
-            <a:pPr marL="0" indent="0">
-              <a:buNone/>
-            </a:pPr>
-            <a:r>
-              <a:rPr lang="en-US" dirty="0">
-                <a:latin typeface="Andale Mono" panose="020B0509000000000004" pitchFamily="49" charset="0"/>
-              </a:rPr>
-              <a:t>--&gt; /( a, 10 )</a:t>
-            </a:r>
-          </a:p>
-          <a:p>
-            <a:pPr marL="0" indent="0">
-              <a:buNone/>
-            </a:pPr>
-            <a:r>
-              <a:rPr lang="en-US" dirty="0">
-                <a:latin typeface="Andale Mono" panose="020B0509000000000004" pitchFamily="49" charset="0"/>
-              </a:rPr>
-              <a:t>2</a:t>
-            </a:r>
-          </a:p>
-        </p:txBody>
-      </p:sp>
-      <p:sp>
-        <p:nvSpPr>
-          <p:cNvPr id="4" name="Date Placeholder 3">
-            <a:extLst>
-              <a:ext uri="{FF2B5EF4-FFF2-40B4-BE49-F238E27FC236}">
-                <a16:creationId xmlns:a16="http://schemas.microsoft.com/office/drawing/2014/main" id="{8731F96F-7DBC-5649-9D72-0C1267DCCAA9}"/>
-              </a:ext>
-            </a:extLst>
-          </p:cNvPr>
-          <p:cNvSpPr>
-            <a:spLocks noGrp="1"/>
-          </p:cNvSpPr>
-          <p:nvPr>
-            <p:ph type="dt" sz="half" idx="10"/>
-          </p:nvPr>
-        </p:nvSpPr>
-        <p:spPr/>
-        <p:txBody>
-          <a:bodyPr/>
-          <a:lstStyle/>
-          <a:p>
-            <a:fld id="{119CD0E9-921A-4C43-9883-FBF6BA906C68}" type="datetime1">
-              <a:rPr lang="en-US" smtClean="0"/>
-              <a:t>9/23/20</a:t>
-            </a:fld>
-            <a:endParaRPr lang="en-US"/>
-          </a:p>
-        </p:txBody>
-      </p:sp>
-    </p:spTree>
-    <p:extLst>
-      <p:ext uri="{BB962C8B-B14F-4D97-AF65-F5344CB8AC3E}">
-        <p14:creationId xmlns:p14="http://schemas.microsoft.com/office/powerpoint/2010/main" val="1128057254"/>
       </p:ext>
     </p:extLst>
   </p:cSld>
